--- a/Lectures/Lecture20-FieldValidation.pptx
+++ b/Lectures/Lecture20-FieldValidation.pptx
@@ -5,11 +5,11 @@
     <p:sldMasterId id="2147483648" r:id="rId1"/>
   </p:sldMasterIdLst>
   <p:notesMasterIdLst>
-    <p:notesMasterId r:id="rId38"/>
+    <p:notesMasterId r:id="rId48"/>
   </p:notesMasterIdLst>
   <p:sldIdLst>
     <p:sldId id="256" r:id="rId2"/>
-    <p:sldId id="498" r:id="rId3"/>
+    <p:sldId id="604" r:id="rId3"/>
     <p:sldId id="499" r:id="rId4"/>
     <p:sldId id="568" r:id="rId5"/>
     <p:sldId id="547" r:id="rId6"/>
@@ -18,32 +18,42 @@
     <p:sldId id="569" r:id="rId9"/>
     <p:sldId id="572" r:id="rId10"/>
     <p:sldId id="601" r:id="rId11"/>
-    <p:sldId id="602" r:id="rId12"/>
-    <p:sldId id="500" r:id="rId13"/>
-    <p:sldId id="323" r:id="rId14"/>
-    <p:sldId id="257" r:id="rId15"/>
-    <p:sldId id="274" r:id="rId16"/>
-    <p:sldId id="260" r:id="rId17"/>
-    <p:sldId id="261" r:id="rId18"/>
-    <p:sldId id="262" r:id="rId19"/>
-    <p:sldId id="263" r:id="rId20"/>
-    <p:sldId id="264" r:id="rId21"/>
-    <p:sldId id="265" r:id="rId22"/>
-    <p:sldId id="266" r:id="rId23"/>
-    <p:sldId id="267" r:id="rId24"/>
-    <p:sldId id="268" r:id="rId25"/>
-    <p:sldId id="269" r:id="rId26"/>
-    <p:sldId id="270" r:id="rId27"/>
-    <p:sldId id="271" r:id="rId28"/>
-    <p:sldId id="272" r:id="rId29"/>
-    <p:sldId id="487" r:id="rId30"/>
-    <p:sldId id="273" r:id="rId31"/>
-    <p:sldId id="489" r:id="rId32"/>
-    <p:sldId id="275" r:id="rId33"/>
-    <p:sldId id="276" r:id="rId34"/>
-    <p:sldId id="277" r:id="rId35"/>
-    <p:sldId id="278" r:id="rId36"/>
-    <p:sldId id="603" r:id="rId37"/>
+    <p:sldId id="521" r:id="rId12"/>
+    <p:sldId id="606" r:id="rId13"/>
+    <p:sldId id="602" r:id="rId14"/>
+    <p:sldId id="500" r:id="rId15"/>
+    <p:sldId id="323" r:id="rId16"/>
+    <p:sldId id="257" r:id="rId17"/>
+    <p:sldId id="274" r:id="rId18"/>
+    <p:sldId id="607" r:id="rId19"/>
+    <p:sldId id="260" r:id="rId20"/>
+    <p:sldId id="261" r:id="rId21"/>
+    <p:sldId id="262" r:id="rId22"/>
+    <p:sldId id="263" r:id="rId23"/>
+    <p:sldId id="264" r:id="rId24"/>
+    <p:sldId id="265" r:id="rId25"/>
+    <p:sldId id="266" r:id="rId26"/>
+    <p:sldId id="267" r:id="rId27"/>
+    <p:sldId id="331" r:id="rId28"/>
+    <p:sldId id="592" r:id="rId29"/>
+    <p:sldId id="609" r:id="rId30"/>
+    <p:sldId id="610" r:id="rId31"/>
+    <p:sldId id="611" r:id="rId32"/>
+    <p:sldId id="613" r:id="rId33"/>
+    <p:sldId id="612" r:id="rId34"/>
+    <p:sldId id="608" r:id="rId35"/>
+    <p:sldId id="269" r:id="rId36"/>
+    <p:sldId id="270" r:id="rId37"/>
+    <p:sldId id="271" r:id="rId38"/>
+    <p:sldId id="272" r:id="rId39"/>
+    <p:sldId id="487" r:id="rId40"/>
+    <p:sldId id="273" r:id="rId41"/>
+    <p:sldId id="489" r:id="rId42"/>
+    <p:sldId id="275" r:id="rId43"/>
+    <p:sldId id="276" r:id="rId44"/>
+    <p:sldId id="277" r:id="rId45"/>
+    <p:sldId id="278" r:id="rId46"/>
+    <p:sldId id="605" r:id="rId47"/>
   </p:sldIdLst>
   <p:sldSz cx="12192000" cy="6858000"/>
   <p:notesSz cx="6858000" cy="9144000"/>
@@ -281,7 +291,7 @@
       <p15:sldGuideLst xmlns:p15="http://schemas.microsoft.com/office/powerpoint/2012/main"/>
     </p:ext>
     <p:ext uri="http://customooxmlschemas.google.com/">
-      <go:slidesCustomData xmlns="" xmlns:mc="http://schemas.openxmlformats.org/markup-compatibility/2006" xmlns:mv="urn:schemas-microsoft-com:mac:vml" xmlns:c="http://schemas.openxmlformats.org/drawingml/2006/chart" xmlns:dgm="http://schemas.openxmlformats.org/drawingml/2006/diagram" xmlns:o="urn:schemas-microsoft-com:office:office" xmlns:v="urn:schemas-microsoft-com:vml" xmlns:pvml="urn:schemas-microsoft-com:office:powerpoint" xmlns:com="http://schemas.openxmlformats.org/drawingml/2006/compatibility" xmlns:p14="http://schemas.microsoft.com/office/powerpoint/2010/main" xmlns:p15="http://schemas.microsoft.com/office/powerpoint/2012/main" xmlns:go="http://customooxmlschemas.google.com/" r:id="rId39" roundtripDataSignature="AMtx7mgWqGpmJnm2LhSO/E7EgiMMs26KqA=="/>
+      <go:slidesCustomData xmlns:go="http://customooxmlschemas.google.com/" xmlns:p15="http://schemas.microsoft.com/office/powerpoint/2012/main" xmlns:p14="http://schemas.microsoft.com/office/powerpoint/2010/main" xmlns:com="http://schemas.openxmlformats.org/drawingml/2006/compatibility" xmlns:pvml="urn:schemas-microsoft-com:office:powerpoint" xmlns:v="urn:schemas-microsoft-com:vml" xmlns:o="urn:schemas-microsoft-com:office:office" xmlns:dgm="http://schemas.openxmlformats.org/drawingml/2006/diagram" xmlns:c="http://schemas.openxmlformats.org/drawingml/2006/chart" xmlns:mv="urn:schemas-microsoft-com:mac:vml" xmlns:mc="http://schemas.openxmlformats.org/markup-compatibility/2006" xmlns="" r:id="rId49" roundtripDataSignature="AMtx7mgWqGpmJnm2LhSO/E7EgiMMs26KqA=="/>
     </p:ext>
   </p:extLst>
 </p:presentation>
@@ -11877,6 +11887,250 @@
   <p:cSld>
     <p:spTree>
       <p:nvGrpSpPr>
+        <p:cNvPr id="1" name="Shape 172"/>
+        <p:cNvGrpSpPr/>
+        <p:nvPr/>
+      </p:nvGrpSpPr>
+      <p:grpSpPr>
+        <a:xfrm>
+          <a:off x="0" y="0"/>
+          <a:ext cx="0" cy="0"/>
+          <a:chOff x="0" y="0"/>
+          <a:chExt cx="0" cy="0"/>
+        </a:xfrm>
+      </p:grpSpPr>
+      <p:sp>
+        <p:nvSpPr>
+          <p:cNvPr id="173" name="Google Shape;173;p6:notes"/>
+          <p:cNvSpPr>
+            <a:spLocks noGrp="1" noRot="1" noChangeAspect="1"/>
+          </p:cNvSpPr>
+          <p:nvPr>
+            <p:ph type="sldImg" idx="2"/>
+          </p:nvPr>
+        </p:nvSpPr>
+        <p:spPr>
+          <a:xfrm>
+            <a:off x="381300" y="685800"/>
+            <a:ext cx="6096000" cy="3429000"/>
+          </a:xfrm>
+          <a:custGeom>
+            <a:avLst/>
+            <a:gdLst/>
+            <a:ahLst/>
+            <a:cxnLst/>
+            <a:rect l="l" t="t" r="r" b="b"/>
+            <a:pathLst>
+              <a:path w="120000" h="120000" extrusionOk="0">
+                <a:moveTo>
+                  <a:pt x="0" y="0"/>
+                </a:moveTo>
+                <a:lnTo>
+                  <a:pt x="120000" y="0"/>
+                </a:lnTo>
+                <a:lnTo>
+                  <a:pt x="120000" y="120000"/>
+                </a:lnTo>
+                <a:lnTo>
+                  <a:pt x="0" y="120000"/>
+                </a:lnTo>
+                <a:close/>
+              </a:path>
+            </a:pathLst>
+          </a:custGeom>
+          <a:noFill/>
+          <a:ln w="12700" cap="flat" cmpd="sng">
+            <a:solidFill>
+              <a:srgbClr val="000000"/>
+            </a:solidFill>
+            <a:prstDash val="solid"/>
+            <a:round/>
+            <a:headEnd type="none" w="sm" len="sm"/>
+            <a:tailEnd type="none" w="sm" len="sm"/>
+          </a:ln>
+        </p:spPr>
+      </p:sp>
+      <p:sp>
+        <p:nvSpPr>
+          <p:cNvPr id="174" name="Google Shape;174;p6:notes"/>
+          <p:cNvSpPr txBox="1">
+            <a:spLocks noGrp="1"/>
+          </p:cNvSpPr>
+          <p:nvPr>
+            <p:ph type="body" idx="1"/>
+          </p:nvPr>
+        </p:nvSpPr>
+        <p:spPr>
+          <a:xfrm>
+            <a:off x="685800" y="4343400"/>
+            <a:ext cx="5486400" cy="4114800"/>
+          </a:xfrm>
+          <a:prstGeom prst="rect">
+            <a:avLst/>
+          </a:prstGeom>
+          <a:noFill/>
+          <a:ln>
+            <a:noFill/>
+          </a:ln>
+        </p:spPr>
+        <p:txBody>
+          <a:bodyPr spcFirstLastPara="1" wrap="square" lIns="91425" tIns="91425" rIns="91425" bIns="91425" anchor="t" anchorCtr="0">
+            <a:noAutofit/>
+          </a:bodyPr>
+          <a:lstStyle/>
+          <a:p>
+            <a:pPr marL="0" lvl="0" indent="0" algn="l" rtl="0">
+              <a:lnSpc>
+                <a:spcPct val="100000"/>
+              </a:lnSpc>
+              <a:spcBef>
+                <a:spcPts val="0"/>
+              </a:spcBef>
+              <a:spcAft>
+                <a:spcPts val="0"/>
+              </a:spcAft>
+              <a:buSzPts val="1400"/>
+              <a:buNone/>
+            </a:pPr>
+            <a:endParaRPr/>
+          </a:p>
+        </p:txBody>
+      </p:sp>
+    </p:spTree>
+  </p:cSld>
+  <p:clrMapOvr>
+    <a:masterClrMapping/>
+  </p:clrMapOvr>
+</p:notes>
+</file>
+
+<file path=ppt/notesSlides/notesSlide11.xml><?xml version="1.0" encoding="utf-8"?>
+<p:notes xmlns:a="http://schemas.openxmlformats.org/drawingml/2006/main" xmlns:r="http://schemas.openxmlformats.org/officeDocument/2006/relationships" xmlns:p="http://schemas.openxmlformats.org/presentationml/2006/main" showMasterSp="0" showMasterPhAnim="0">
+  <p:cSld>
+    <p:spTree>
+      <p:nvGrpSpPr>
+        <p:cNvPr id="1" name="Shape 178"/>
+        <p:cNvGrpSpPr/>
+        <p:nvPr/>
+      </p:nvGrpSpPr>
+      <p:grpSpPr>
+        <a:xfrm>
+          <a:off x="0" y="0"/>
+          <a:ext cx="0" cy="0"/>
+          <a:chOff x="0" y="0"/>
+          <a:chExt cx="0" cy="0"/>
+        </a:xfrm>
+      </p:grpSpPr>
+      <p:sp>
+        <p:nvSpPr>
+          <p:cNvPr id="179" name="Google Shape;179;p29:notes"/>
+          <p:cNvSpPr>
+            <a:spLocks noGrp="1" noRot="1" noChangeAspect="1"/>
+          </p:cNvSpPr>
+          <p:nvPr>
+            <p:ph type="sldImg" idx="2"/>
+          </p:nvPr>
+        </p:nvSpPr>
+        <p:spPr>
+          <a:xfrm>
+            <a:off x="381000" y="685800"/>
+            <a:ext cx="6096000" cy="3429000"/>
+          </a:xfrm>
+          <a:custGeom>
+            <a:avLst/>
+            <a:gdLst/>
+            <a:ahLst/>
+            <a:cxnLst/>
+            <a:rect l="l" t="t" r="r" b="b"/>
+            <a:pathLst>
+              <a:path w="120000" h="120000" extrusionOk="0">
+                <a:moveTo>
+                  <a:pt x="0" y="0"/>
+                </a:moveTo>
+                <a:lnTo>
+                  <a:pt x="120000" y="0"/>
+                </a:lnTo>
+                <a:lnTo>
+                  <a:pt x="120000" y="120000"/>
+                </a:lnTo>
+                <a:lnTo>
+                  <a:pt x="0" y="120000"/>
+                </a:lnTo>
+                <a:close/>
+              </a:path>
+            </a:pathLst>
+          </a:custGeom>
+          <a:noFill/>
+          <a:ln w="12700" cap="flat" cmpd="sng">
+            <a:solidFill>
+              <a:srgbClr val="000000"/>
+            </a:solidFill>
+            <a:prstDash val="solid"/>
+            <a:round/>
+            <a:headEnd type="none" w="sm" len="sm"/>
+            <a:tailEnd type="none" w="sm" len="sm"/>
+          </a:ln>
+        </p:spPr>
+      </p:sp>
+      <p:sp>
+        <p:nvSpPr>
+          <p:cNvPr id="180" name="Google Shape;180;p29:notes"/>
+          <p:cNvSpPr txBox="1">
+            <a:spLocks noGrp="1"/>
+          </p:cNvSpPr>
+          <p:nvPr>
+            <p:ph type="body" idx="1"/>
+          </p:nvPr>
+        </p:nvSpPr>
+        <p:spPr>
+          <a:xfrm>
+            <a:off x="685800" y="4343400"/>
+            <a:ext cx="5486400" cy="4114800"/>
+          </a:xfrm>
+          <a:prstGeom prst="rect">
+            <a:avLst/>
+          </a:prstGeom>
+          <a:noFill/>
+          <a:ln>
+            <a:noFill/>
+          </a:ln>
+        </p:spPr>
+        <p:txBody>
+          <a:bodyPr spcFirstLastPara="1" wrap="square" lIns="91425" tIns="91425" rIns="91425" bIns="91425" anchor="t" anchorCtr="0">
+            <a:noAutofit/>
+          </a:bodyPr>
+          <a:lstStyle/>
+          <a:p>
+            <a:pPr marL="0" lvl="0" indent="0" algn="l" rtl="0">
+              <a:lnSpc>
+                <a:spcPct val="100000"/>
+              </a:lnSpc>
+              <a:spcBef>
+                <a:spcPts val="0"/>
+              </a:spcBef>
+              <a:spcAft>
+                <a:spcPts val="0"/>
+              </a:spcAft>
+              <a:buSzPts val="1400"/>
+              <a:buNone/>
+            </a:pPr>
+            <a:endParaRPr/>
+          </a:p>
+        </p:txBody>
+      </p:sp>
+    </p:spTree>
+  </p:cSld>
+  <p:clrMapOvr>
+    <a:masterClrMapping/>
+  </p:clrMapOvr>
+</p:notes>
+</file>
+
+<file path=ppt/notesSlides/notesSlide12.xml><?xml version="1.0" encoding="utf-8"?>
+<p:notes xmlns:a="http://schemas.openxmlformats.org/drawingml/2006/main" xmlns:r="http://schemas.openxmlformats.org/officeDocument/2006/relationships" xmlns:p="http://schemas.openxmlformats.org/presentationml/2006/main" showMasterSp="0" showMasterPhAnim="0">
+  <p:cSld>
+    <p:spTree>
+      <p:nvGrpSpPr>
         <p:cNvPr id="1" name="Shape 191"/>
         <p:cNvGrpSpPr/>
         <p:nvPr/>
@@ -11994,7 +12248,7 @@
 </p:notes>
 </file>
 
-<file path=ppt/notesSlides/notesSlide11.xml><?xml version="1.0" encoding="utf-8"?>
+<file path=ppt/notesSlides/notesSlide13.xml><?xml version="1.0" encoding="utf-8"?>
 <p:notes xmlns:a="http://schemas.openxmlformats.org/drawingml/2006/main" xmlns:r="http://schemas.openxmlformats.org/officeDocument/2006/relationships" xmlns:p="http://schemas.openxmlformats.org/presentationml/2006/main" showMasterSp="0" showMasterPhAnim="0">
   <p:cSld>
     <p:spTree>
@@ -12116,7 +12370,926 @@
 </p:notes>
 </file>
 
-<file path=ppt/notesSlides/notesSlide12.xml><?xml version="1.0" encoding="utf-8"?>
+<file path=ppt/notesSlides/notesSlide14.xml><?xml version="1.0" encoding="utf-8"?>
+<p:notes xmlns:a="http://schemas.openxmlformats.org/drawingml/2006/main" xmlns:r="http://schemas.openxmlformats.org/officeDocument/2006/relationships" xmlns:p="http://schemas.openxmlformats.org/presentationml/2006/main" showMasterSp="0" showMasterPhAnim="0">
+  <p:cSld>
+    <p:spTree>
+      <p:nvGrpSpPr>
+        <p:cNvPr id="1" name="Shape 1222"/>
+        <p:cNvGrpSpPr/>
+        <p:nvPr/>
+      </p:nvGrpSpPr>
+      <p:grpSpPr>
+        <a:xfrm>
+          <a:off x="0" y="0"/>
+          <a:ext cx="0" cy="0"/>
+          <a:chOff x="0" y="0"/>
+          <a:chExt cx="0" cy="0"/>
+        </a:xfrm>
+      </p:grpSpPr>
+      <p:sp>
+        <p:nvSpPr>
+          <p:cNvPr id="1223" name="Google Shape;1223;g5b0c8fd486_0_967:notes"/>
+          <p:cNvSpPr>
+            <a:spLocks noGrp="1" noRot="1" noChangeAspect="1"/>
+          </p:cNvSpPr>
+          <p:nvPr>
+            <p:ph type="sldImg" idx="2"/>
+          </p:nvPr>
+        </p:nvSpPr>
+        <p:spPr>
+          <a:xfrm>
+            <a:off x="381000" y="685800"/>
+            <a:ext cx="6096000" cy="3429000"/>
+          </a:xfrm>
+          <a:custGeom>
+            <a:avLst/>
+            <a:gdLst/>
+            <a:ahLst/>
+            <a:cxnLst/>
+            <a:rect l="l" t="t" r="r" b="b"/>
+            <a:pathLst>
+              <a:path w="120000" h="120000" extrusionOk="0">
+                <a:moveTo>
+                  <a:pt x="0" y="0"/>
+                </a:moveTo>
+                <a:lnTo>
+                  <a:pt x="120000" y="0"/>
+                </a:lnTo>
+                <a:lnTo>
+                  <a:pt x="120000" y="120000"/>
+                </a:lnTo>
+                <a:lnTo>
+                  <a:pt x="0" y="120000"/>
+                </a:lnTo>
+                <a:close/>
+              </a:path>
+            </a:pathLst>
+          </a:custGeom>
+        </p:spPr>
+      </p:sp>
+      <p:sp>
+        <p:nvSpPr>
+          <p:cNvPr id="1224" name="Google Shape;1224;g5b0c8fd486_0_967:notes"/>
+          <p:cNvSpPr txBox="1">
+            <a:spLocks noGrp="1"/>
+          </p:cNvSpPr>
+          <p:nvPr>
+            <p:ph type="body" idx="1"/>
+          </p:nvPr>
+        </p:nvSpPr>
+        <p:spPr>
+          <a:xfrm>
+            <a:off x="685800" y="4343400"/>
+            <a:ext cx="5486400" cy="4114800"/>
+          </a:xfrm>
+          <a:prstGeom prst="rect">
+            <a:avLst/>
+          </a:prstGeom>
+        </p:spPr>
+        <p:txBody>
+          <a:bodyPr spcFirstLastPara="1" wrap="square" lIns="91425" tIns="91425" rIns="91425" bIns="91425" anchor="t" anchorCtr="0">
+            <a:noAutofit/>
+          </a:bodyPr>
+          <a:lstStyle/>
+          <a:p>
+            <a:pPr marL="0" lvl="0" indent="0" algn="l" rtl="0">
+              <a:spcBef>
+                <a:spcPts val="0"/>
+              </a:spcBef>
+              <a:spcAft>
+                <a:spcPts val="0"/>
+              </a:spcAft>
+              <a:buNone/>
+            </a:pPr>
+            <a:endParaRPr/>
+          </a:p>
+        </p:txBody>
+      </p:sp>
+    </p:spTree>
+    <p:extLst>
+      <p:ext uri="{BB962C8B-B14F-4D97-AF65-F5344CB8AC3E}">
+        <p14:creationId xmlns:p14="http://schemas.microsoft.com/office/powerpoint/2010/main" val="2285806410"/>
+      </p:ext>
+    </p:extLst>
+  </p:cSld>
+  <p:clrMapOvr>
+    <a:masterClrMapping/>
+  </p:clrMapOvr>
+</p:notes>
+</file>
+
+<file path=ppt/notesSlides/notesSlide15.xml><?xml version="1.0" encoding="utf-8"?>
+<p:notes xmlns:a="http://schemas.openxmlformats.org/drawingml/2006/main" xmlns:r="http://schemas.openxmlformats.org/officeDocument/2006/relationships" xmlns:p="http://schemas.openxmlformats.org/presentationml/2006/main" showMasterSp="0" showMasterPhAnim="0">
+  <p:cSld>
+    <p:spTree>
+      <p:nvGrpSpPr>
+        <p:cNvPr id="1" name="Shape 1222"/>
+        <p:cNvGrpSpPr/>
+        <p:nvPr/>
+      </p:nvGrpSpPr>
+      <p:grpSpPr>
+        <a:xfrm>
+          <a:off x="0" y="0"/>
+          <a:ext cx="0" cy="0"/>
+          <a:chOff x="0" y="0"/>
+          <a:chExt cx="0" cy="0"/>
+        </a:xfrm>
+      </p:grpSpPr>
+      <p:sp>
+        <p:nvSpPr>
+          <p:cNvPr id="1223" name="Google Shape;1223;g5b0c8fd486_0_967:notes"/>
+          <p:cNvSpPr>
+            <a:spLocks noGrp="1" noRot="1" noChangeAspect="1"/>
+          </p:cNvSpPr>
+          <p:nvPr>
+            <p:ph type="sldImg" idx="2"/>
+          </p:nvPr>
+        </p:nvSpPr>
+        <p:spPr>
+          <a:xfrm>
+            <a:off x="381000" y="685800"/>
+            <a:ext cx="6096000" cy="3429000"/>
+          </a:xfrm>
+          <a:custGeom>
+            <a:avLst/>
+            <a:gdLst/>
+            <a:ahLst/>
+            <a:cxnLst/>
+            <a:rect l="l" t="t" r="r" b="b"/>
+            <a:pathLst>
+              <a:path w="120000" h="120000" extrusionOk="0">
+                <a:moveTo>
+                  <a:pt x="0" y="0"/>
+                </a:moveTo>
+                <a:lnTo>
+                  <a:pt x="120000" y="0"/>
+                </a:lnTo>
+                <a:lnTo>
+                  <a:pt x="120000" y="120000"/>
+                </a:lnTo>
+                <a:lnTo>
+                  <a:pt x="0" y="120000"/>
+                </a:lnTo>
+                <a:close/>
+              </a:path>
+            </a:pathLst>
+          </a:custGeom>
+        </p:spPr>
+      </p:sp>
+      <p:sp>
+        <p:nvSpPr>
+          <p:cNvPr id="1224" name="Google Shape;1224;g5b0c8fd486_0_967:notes"/>
+          <p:cNvSpPr txBox="1">
+            <a:spLocks noGrp="1"/>
+          </p:cNvSpPr>
+          <p:nvPr>
+            <p:ph type="body" idx="1"/>
+          </p:nvPr>
+        </p:nvSpPr>
+        <p:spPr>
+          <a:xfrm>
+            <a:off x="685800" y="4343400"/>
+            <a:ext cx="5486400" cy="4114800"/>
+          </a:xfrm>
+          <a:prstGeom prst="rect">
+            <a:avLst/>
+          </a:prstGeom>
+        </p:spPr>
+        <p:txBody>
+          <a:bodyPr spcFirstLastPara="1" wrap="square" lIns="91425" tIns="91425" rIns="91425" bIns="91425" anchor="t" anchorCtr="0">
+            <a:noAutofit/>
+          </a:bodyPr>
+          <a:lstStyle/>
+          <a:p>
+            <a:pPr marL="0" lvl="0" indent="0" algn="l" rtl="0">
+              <a:spcBef>
+                <a:spcPts val="0"/>
+              </a:spcBef>
+              <a:spcAft>
+                <a:spcPts val="0"/>
+              </a:spcAft>
+              <a:buNone/>
+            </a:pPr>
+            <a:endParaRPr/>
+          </a:p>
+        </p:txBody>
+      </p:sp>
+    </p:spTree>
+    <p:extLst>
+      <p:ext uri="{BB962C8B-B14F-4D97-AF65-F5344CB8AC3E}">
+        <p14:creationId xmlns:p14="http://schemas.microsoft.com/office/powerpoint/2010/main" val="935025798"/>
+      </p:ext>
+    </p:extLst>
+  </p:cSld>
+  <p:clrMapOvr>
+    <a:masterClrMapping/>
+  </p:clrMapOvr>
+</p:notes>
+</file>
+
+<file path=ppt/notesSlides/notesSlide16.xml><?xml version="1.0" encoding="utf-8"?>
+<p:notes xmlns:a="http://schemas.openxmlformats.org/drawingml/2006/main" xmlns:r="http://schemas.openxmlformats.org/officeDocument/2006/relationships" xmlns:p="http://schemas.openxmlformats.org/presentationml/2006/main" showMasterSp="0" showMasterPhAnim="0">
+  <p:cSld>
+    <p:spTree>
+      <p:nvGrpSpPr>
+        <p:cNvPr id="1" name="Shape 1222"/>
+        <p:cNvGrpSpPr/>
+        <p:nvPr/>
+      </p:nvGrpSpPr>
+      <p:grpSpPr>
+        <a:xfrm>
+          <a:off x="0" y="0"/>
+          <a:ext cx="0" cy="0"/>
+          <a:chOff x="0" y="0"/>
+          <a:chExt cx="0" cy="0"/>
+        </a:xfrm>
+      </p:grpSpPr>
+      <p:sp>
+        <p:nvSpPr>
+          <p:cNvPr id="1223" name="Google Shape;1223;g5b0c8fd486_0_967:notes"/>
+          <p:cNvSpPr>
+            <a:spLocks noGrp="1" noRot="1" noChangeAspect="1"/>
+          </p:cNvSpPr>
+          <p:nvPr>
+            <p:ph type="sldImg" idx="2"/>
+          </p:nvPr>
+        </p:nvSpPr>
+        <p:spPr>
+          <a:xfrm>
+            <a:off x="381000" y="685800"/>
+            <a:ext cx="6096000" cy="3429000"/>
+          </a:xfrm>
+          <a:custGeom>
+            <a:avLst/>
+            <a:gdLst/>
+            <a:ahLst/>
+            <a:cxnLst/>
+            <a:rect l="l" t="t" r="r" b="b"/>
+            <a:pathLst>
+              <a:path w="120000" h="120000" extrusionOk="0">
+                <a:moveTo>
+                  <a:pt x="0" y="0"/>
+                </a:moveTo>
+                <a:lnTo>
+                  <a:pt x="120000" y="0"/>
+                </a:lnTo>
+                <a:lnTo>
+                  <a:pt x="120000" y="120000"/>
+                </a:lnTo>
+                <a:lnTo>
+                  <a:pt x="0" y="120000"/>
+                </a:lnTo>
+                <a:close/>
+              </a:path>
+            </a:pathLst>
+          </a:custGeom>
+        </p:spPr>
+      </p:sp>
+      <p:sp>
+        <p:nvSpPr>
+          <p:cNvPr id="1224" name="Google Shape;1224;g5b0c8fd486_0_967:notes"/>
+          <p:cNvSpPr txBox="1">
+            <a:spLocks noGrp="1"/>
+          </p:cNvSpPr>
+          <p:nvPr>
+            <p:ph type="body" idx="1"/>
+          </p:nvPr>
+        </p:nvSpPr>
+        <p:spPr>
+          <a:xfrm>
+            <a:off x="685800" y="4343400"/>
+            <a:ext cx="5486400" cy="4114800"/>
+          </a:xfrm>
+          <a:prstGeom prst="rect">
+            <a:avLst/>
+          </a:prstGeom>
+        </p:spPr>
+        <p:txBody>
+          <a:bodyPr spcFirstLastPara="1" wrap="square" lIns="91425" tIns="91425" rIns="91425" bIns="91425" anchor="t" anchorCtr="0">
+            <a:noAutofit/>
+          </a:bodyPr>
+          <a:lstStyle/>
+          <a:p>
+            <a:pPr marL="0" lvl="0" indent="0" algn="l" rtl="0">
+              <a:spcBef>
+                <a:spcPts val="0"/>
+              </a:spcBef>
+              <a:spcAft>
+                <a:spcPts val="0"/>
+              </a:spcAft>
+              <a:buNone/>
+            </a:pPr>
+            <a:endParaRPr/>
+          </a:p>
+        </p:txBody>
+      </p:sp>
+    </p:spTree>
+    <p:extLst>
+      <p:ext uri="{BB962C8B-B14F-4D97-AF65-F5344CB8AC3E}">
+        <p14:creationId xmlns:p14="http://schemas.microsoft.com/office/powerpoint/2010/main" val="634231143"/>
+      </p:ext>
+    </p:extLst>
+  </p:cSld>
+  <p:clrMapOvr>
+    <a:masterClrMapping/>
+  </p:clrMapOvr>
+</p:notes>
+</file>
+
+<file path=ppt/notesSlides/notesSlide17.xml><?xml version="1.0" encoding="utf-8"?>
+<p:notes xmlns:a="http://schemas.openxmlformats.org/drawingml/2006/main" xmlns:r="http://schemas.openxmlformats.org/officeDocument/2006/relationships" xmlns:p="http://schemas.openxmlformats.org/presentationml/2006/main" showMasterSp="0" showMasterPhAnim="0">
+  <p:cSld>
+    <p:spTree>
+      <p:nvGrpSpPr>
+        <p:cNvPr id="1" name="Shape 1222"/>
+        <p:cNvGrpSpPr/>
+        <p:nvPr/>
+      </p:nvGrpSpPr>
+      <p:grpSpPr>
+        <a:xfrm>
+          <a:off x="0" y="0"/>
+          <a:ext cx="0" cy="0"/>
+          <a:chOff x="0" y="0"/>
+          <a:chExt cx="0" cy="0"/>
+        </a:xfrm>
+      </p:grpSpPr>
+      <p:sp>
+        <p:nvSpPr>
+          <p:cNvPr id="1223" name="Google Shape;1223;g5b0c8fd486_0_967:notes"/>
+          <p:cNvSpPr>
+            <a:spLocks noGrp="1" noRot="1" noChangeAspect="1"/>
+          </p:cNvSpPr>
+          <p:nvPr>
+            <p:ph type="sldImg" idx="2"/>
+          </p:nvPr>
+        </p:nvSpPr>
+        <p:spPr>
+          <a:xfrm>
+            <a:off x="381000" y="685800"/>
+            <a:ext cx="6096000" cy="3429000"/>
+          </a:xfrm>
+          <a:custGeom>
+            <a:avLst/>
+            <a:gdLst/>
+            <a:ahLst/>
+            <a:cxnLst/>
+            <a:rect l="l" t="t" r="r" b="b"/>
+            <a:pathLst>
+              <a:path w="120000" h="120000" extrusionOk="0">
+                <a:moveTo>
+                  <a:pt x="0" y="0"/>
+                </a:moveTo>
+                <a:lnTo>
+                  <a:pt x="120000" y="0"/>
+                </a:lnTo>
+                <a:lnTo>
+                  <a:pt x="120000" y="120000"/>
+                </a:lnTo>
+                <a:lnTo>
+                  <a:pt x="0" y="120000"/>
+                </a:lnTo>
+                <a:close/>
+              </a:path>
+            </a:pathLst>
+          </a:custGeom>
+        </p:spPr>
+      </p:sp>
+      <p:sp>
+        <p:nvSpPr>
+          <p:cNvPr id="1224" name="Google Shape;1224;g5b0c8fd486_0_967:notes"/>
+          <p:cNvSpPr txBox="1">
+            <a:spLocks noGrp="1"/>
+          </p:cNvSpPr>
+          <p:nvPr>
+            <p:ph type="body" idx="1"/>
+          </p:nvPr>
+        </p:nvSpPr>
+        <p:spPr>
+          <a:xfrm>
+            <a:off x="685800" y="4343400"/>
+            <a:ext cx="5486400" cy="4114800"/>
+          </a:xfrm>
+          <a:prstGeom prst="rect">
+            <a:avLst/>
+          </a:prstGeom>
+        </p:spPr>
+        <p:txBody>
+          <a:bodyPr spcFirstLastPara="1" wrap="square" lIns="91425" tIns="91425" rIns="91425" bIns="91425" anchor="t" anchorCtr="0">
+            <a:noAutofit/>
+          </a:bodyPr>
+          <a:lstStyle/>
+          <a:p>
+            <a:pPr marL="0" lvl="0" indent="0" algn="l" rtl="0">
+              <a:spcBef>
+                <a:spcPts val="0"/>
+              </a:spcBef>
+              <a:spcAft>
+                <a:spcPts val="0"/>
+              </a:spcAft>
+              <a:buNone/>
+            </a:pPr>
+            <a:endParaRPr/>
+          </a:p>
+        </p:txBody>
+      </p:sp>
+    </p:spTree>
+    <p:extLst>
+      <p:ext uri="{BB962C8B-B14F-4D97-AF65-F5344CB8AC3E}">
+        <p14:creationId xmlns:p14="http://schemas.microsoft.com/office/powerpoint/2010/main" val="1326784957"/>
+      </p:ext>
+    </p:extLst>
+  </p:cSld>
+  <p:clrMapOvr>
+    <a:masterClrMapping/>
+  </p:clrMapOvr>
+</p:notes>
+</file>
+
+<file path=ppt/notesSlides/notesSlide18.xml><?xml version="1.0" encoding="utf-8"?>
+<p:notes xmlns:a="http://schemas.openxmlformats.org/drawingml/2006/main" xmlns:r="http://schemas.openxmlformats.org/officeDocument/2006/relationships" xmlns:p="http://schemas.openxmlformats.org/presentationml/2006/main" showMasterSp="0" showMasterPhAnim="0">
+  <p:cSld>
+    <p:spTree>
+      <p:nvGrpSpPr>
+        <p:cNvPr id="1" name="Shape 1222"/>
+        <p:cNvGrpSpPr/>
+        <p:nvPr/>
+      </p:nvGrpSpPr>
+      <p:grpSpPr>
+        <a:xfrm>
+          <a:off x="0" y="0"/>
+          <a:ext cx="0" cy="0"/>
+          <a:chOff x="0" y="0"/>
+          <a:chExt cx="0" cy="0"/>
+        </a:xfrm>
+      </p:grpSpPr>
+      <p:sp>
+        <p:nvSpPr>
+          <p:cNvPr id="1223" name="Google Shape;1223;g5b0c8fd486_0_967:notes"/>
+          <p:cNvSpPr>
+            <a:spLocks noGrp="1" noRot="1" noChangeAspect="1"/>
+          </p:cNvSpPr>
+          <p:nvPr>
+            <p:ph type="sldImg" idx="2"/>
+          </p:nvPr>
+        </p:nvSpPr>
+        <p:spPr>
+          <a:xfrm>
+            <a:off x="381000" y="685800"/>
+            <a:ext cx="6096000" cy="3429000"/>
+          </a:xfrm>
+          <a:custGeom>
+            <a:avLst/>
+            <a:gdLst/>
+            <a:ahLst/>
+            <a:cxnLst/>
+            <a:rect l="l" t="t" r="r" b="b"/>
+            <a:pathLst>
+              <a:path w="120000" h="120000" extrusionOk="0">
+                <a:moveTo>
+                  <a:pt x="0" y="0"/>
+                </a:moveTo>
+                <a:lnTo>
+                  <a:pt x="120000" y="0"/>
+                </a:lnTo>
+                <a:lnTo>
+                  <a:pt x="120000" y="120000"/>
+                </a:lnTo>
+                <a:lnTo>
+                  <a:pt x="0" y="120000"/>
+                </a:lnTo>
+                <a:close/>
+              </a:path>
+            </a:pathLst>
+          </a:custGeom>
+        </p:spPr>
+      </p:sp>
+      <p:sp>
+        <p:nvSpPr>
+          <p:cNvPr id="1224" name="Google Shape;1224;g5b0c8fd486_0_967:notes"/>
+          <p:cNvSpPr txBox="1">
+            <a:spLocks noGrp="1"/>
+          </p:cNvSpPr>
+          <p:nvPr>
+            <p:ph type="body" idx="1"/>
+          </p:nvPr>
+        </p:nvSpPr>
+        <p:spPr>
+          <a:xfrm>
+            <a:off x="685800" y="4343400"/>
+            <a:ext cx="5486400" cy="4114800"/>
+          </a:xfrm>
+          <a:prstGeom prst="rect">
+            <a:avLst/>
+          </a:prstGeom>
+        </p:spPr>
+        <p:txBody>
+          <a:bodyPr spcFirstLastPara="1" wrap="square" lIns="91425" tIns="91425" rIns="91425" bIns="91425" anchor="t" anchorCtr="0">
+            <a:noAutofit/>
+          </a:bodyPr>
+          <a:lstStyle/>
+          <a:p>
+            <a:pPr marL="0" lvl="0" indent="0" algn="l" rtl="0">
+              <a:spcBef>
+                <a:spcPts val="0"/>
+              </a:spcBef>
+              <a:spcAft>
+                <a:spcPts val="0"/>
+              </a:spcAft>
+              <a:buNone/>
+            </a:pPr>
+            <a:endParaRPr/>
+          </a:p>
+        </p:txBody>
+      </p:sp>
+    </p:spTree>
+    <p:extLst>
+      <p:ext uri="{BB962C8B-B14F-4D97-AF65-F5344CB8AC3E}">
+        <p14:creationId xmlns:p14="http://schemas.microsoft.com/office/powerpoint/2010/main" val="1867815353"/>
+      </p:ext>
+    </p:extLst>
+  </p:cSld>
+  <p:clrMapOvr>
+    <a:masterClrMapping/>
+  </p:clrMapOvr>
+</p:notes>
+</file>
+
+<file path=ppt/notesSlides/notesSlide19.xml><?xml version="1.0" encoding="utf-8"?>
+<p:notes xmlns:a="http://schemas.openxmlformats.org/drawingml/2006/main" xmlns:r="http://schemas.openxmlformats.org/officeDocument/2006/relationships" xmlns:p="http://schemas.openxmlformats.org/presentationml/2006/main" showMasterSp="0" showMasterPhAnim="0">
+  <p:cSld>
+    <p:spTree>
+      <p:nvGrpSpPr>
+        <p:cNvPr id="1" name="Shape 1222"/>
+        <p:cNvGrpSpPr/>
+        <p:nvPr/>
+      </p:nvGrpSpPr>
+      <p:grpSpPr>
+        <a:xfrm>
+          <a:off x="0" y="0"/>
+          <a:ext cx="0" cy="0"/>
+          <a:chOff x="0" y="0"/>
+          <a:chExt cx="0" cy="0"/>
+        </a:xfrm>
+      </p:grpSpPr>
+      <p:sp>
+        <p:nvSpPr>
+          <p:cNvPr id="1223" name="Google Shape;1223;g5b0c8fd486_0_967:notes"/>
+          <p:cNvSpPr>
+            <a:spLocks noGrp="1" noRot="1" noChangeAspect="1"/>
+          </p:cNvSpPr>
+          <p:nvPr>
+            <p:ph type="sldImg" idx="2"/>
+          </p:nvPr>
+        </p:nvSpPr>
+        <p:spPr>
+          <a:xfrm>
+            <a:off x="381000" y="685800"/>
+            <a:ext cx="6096000" cy="3429000"/>
+          </a:xfrm>
+          <a:custGeom>
+            <a:avLst/>
+            <a:gdLst/>
+            <a:ahLst/>
+            <a:cxnLst/>
+            <a:rect l="l" t="t" r="r" b="b"/>
+            <a:pathLst>
+              <a:path w="120000" h="120000" extrusionOk="0">
+                <a:moveTo>
+                  <a:pt x="0" y="0"/>
+                </a:moveTo>
+                <a:lnTo>
+                  <a:pt x="120000" y="0"/>
+                </a:lnTo>
+                <a:lnTo>
+                  <a:pt x="120000" y="120000"/>
+                </a:lnTo>
+                <a:lnTo>
+                  <a:pt x="0" y="120000"/>
+                </a:lnTo>
+                <a:close/>
+              </a:path>
+            </a:pathLst>
+          </a:custGeom>
+        </p:spPr>
+      </p:sp>
+      <p:sp>
+        <p:nvSpPr>
+          <p:cNvPr id="1224" name="Google Shape;1224;g5b0c8fd486_0_967:notes"/>
+          <p:cNvSpPr txBox="1">
+            <a:spLocks noGrp="1"/>
+          </p:cNvSpPr>
+          <p:nvPr>
+            <p:ph type="body" idx="1"/>
+          </p:nvPr>
+        </p:nvSpPr>
+        <p:spPr>
+          <a:xfrm>
+            <a:off x="685800" y="4343400"/>
+            <a:ext cx="5486400" cy="4114800"/>
+          </a:xfrm>
+          <a:prstGeom prst="rect">
+            <a:avLst/>
+          </a:prstGeom>
+        </p:spPr>
+        <p:txBody>
+          <a:bodyPr spcFirstLastPara="1" wrap="square" lIns="91425" tIns="91425" rIns="91425" bIns="91425" anchor="t" anchorCtr="0">
+            <a:noAutofit/>
+          </a:bodyPr>
+          <a:lstStyle/>
+          <a:p>
+            <a:pPr marL="0" lvl="0" indent="0" algn="l" rtl="0">
+              <a:spcBef>
+                <a:spcPts val="0"/>
+              </a:spcBef>
+              <a:spcAft>
+                <a:spcPts val="0"/>
+              </a:spcAft>
+              <a:buNone/>
+            </a:pPr>
+            <a:endParaRPr/>
+          </a:p>
+        </p:txBody>
+      </p:sp>
+    </p:spTree>
+    <p:extLst>
+      <p:ext uri="{BB962C8B-B14F-4D97-AF65-F5344CB8AC3E}">
+        <p14:creationId xmlns:p14="http://schemas.microsoft.com/office/powerpoint/2010/main" val="343103832"/>
+      </p:ext>
+    </p:extLst>
+  </p:cSld>
+  <p:clrMapOvr>
+    <a:masterClrMapping/>
+  </p:clrMapOvr>
+</p:notes>
+</file>
+
+<file path=ppt/notesSlides/notesSlide2.xml><?xml version="1.0" encoding="utf-8"?>
+<p:notes xmlns:a="http://schemas.openxmlformats.org/drawingml/2006/main" xmlns:r="http://schemas.openxmlformats.org/officeDocument/2006/relationships" xmlns:p="http://schemas.openxmlformats.org/presentationml/2006/main" showMasterSp="0" showMasterPhAnim="0">
+  <p:cSld>
+    <p:spTree>
+      <p:nvGrpSpPr>
+        <p:cNvPr id="1" name="Shape 116"/>
+        <p:cNvGrpSpPr/>
+        <p:nvPr/>
+      </p:nvGrpSpPr>
+      <p:grpSpPr>
+        <a:xfrm>
+          <a:off x="0" y="0"/>
+          <a:ext cx="0" cy="0"/>
+          <a:chOff x="0" y="0"/>
+          <a:chExt cx="0" cy="0"/>
+        </a:xfrm>
+      </p:grpSpPr>
+      <p:sp>
+        <p:nvSpPr>
+          <p:cNvPr id="117" name="Google Shape;117;g71c382910d_0_6:notes"/>
+          <p:cNvSpPr>
+            <a:spLocks noGrp="1" noRot="1" noChangeAspect="1"/>
+          </p:cNvSpPr>
+          <p:nvPr>
+            <p:ph type="sldImg" idx="2"/>
+          </p:nvPr>
+        </p:nvSpPr>
+        <p:spPr>
+          <a:xfrm>
+            <a:off x="685800" y="1143000"/>
+            <a:ext cx="5486400" cy="3086100"/>
+          </a:xfrm>
+          <a:custGeom>
+            <a:avLst/>
+            <a:gdLst/>
+            <a:ahLst/>
+            <a:cxnLst/>
+            <a:rect l="l" t="t" r="r" b="b"/>
+            <a:pathLst>
+              <a:path w="120000" h="120000" extrusionOk="0">
+                <a:moveTo>
+                  <a:pt x="0" y="0"/>
+                </a:moveTo>
+                <a:lnTo>
+                  <a:pt x="120000" y="0"/>
+                </a:lnTo>
+                <a:lnTo>
+                  <a:pt x="120000" y="120000"/>
+                </a:lnTo>
+                <a:lnTo>
+                  <a:pt x="0" y="120000"/>
+                </a:lnTo>
+                <a:close/>
+              </a:path>
+            </a:pathLst>
+          </a:custGeom>
+        </p:spPr>
+      </p:sp>
+      <p:sp>
+        <p:nvSpPr>
+          <p:cNvPr id="118" name="Google Shape;118;g71c382910d_0_6:notes"/>
+          <p:cNvSpPr txBox="1">
+            <a:spLocks noGrp="1"/>
+          </p:cNvSpPr>
+          <p:nvPr>
+            <p:ph type="body" idx="1"/>
+          </p:nvPr>
+        </p:nvSpPr>
+        <p:spPr>
+          <a:xfrm>
+            <a:off x="685800" y="4400550"/>
+            <a:ext cx="5486400" cy="3600600"/>
+          </a:xfrm>
+          <a:prstGeom prst="rect">
+            <a:avLst/>
+          </a:prstGeom>
+        </p:spPr>
+        <p:txBody>
+          <a:bodyPr spcFirstLastPara="1" wrap="square" lIns="91425" tIns="45700" rIns="91425" bIns="45700" anchor="t" anchorCtr="0">
+            <a:noAutofit/>
+          </a:bodyPr>
+          <a:lstStyle/>
+          <a:p>
+            <a:pPr marL="0" lvl="0" indent="0" algn="l" rtl="0">
+              <a:spcBef>
+                <a:spcPts val="0"/>
+              </a:spcBef>
+              <a:spcAft>
+                <a:spcPts val="0"/>
+              </a:spcAft>
+              <a:buNone/>
+            </a:pPr>
+            <a:endParaRPr/>
+          </a:p>
+        </p:txBody>
+      </p:sp>
+      <p:sp>
+        <p:nvSpPr>
+          <p:cNvPr id="119" name="Google Shape;119;g71c382910d_0_6:notes"/>
+          <p:cNvSpPr txBox="1">
+            <a:spLocks noGrp="1"/>
+          </p:cNvSpPr>
+          <p:nvPr>
+            <p:ph type="sldNum" idx="12"/>
+          </p:nvPr>
+        </p:nvSpPr>
+        <p:spPr>
+          <a:xfrm>
+            <a:off x="3884613" y="8685213"/>
+            <a:ext cx="2971800" cy="458700"/>
+          </a:xfrm>
+          <a:prstGeom prst="rect">
+            <a:avLst/>
+          </a:prstGeom>
+        </p:spPr>
+        <p:txBody>
+          <a:bodyPr spcFirstLastPara="1" wrap="square" lIns="91425" tIns="45700" rIns="91425" bIns="45700" anchor="b" anchorCtr="0">
+            <a:noAutofit/>
+          </a:bodyPr>
+          <a:lstStyle/>
+          <a:p>
+            <a:pPr marL="0" lvl="0" indent="0" algn="r" rtl="0">
+              <a:spcBef>
+                <a:spcPts val="0"/>
+              </a:spcBef>
+              <a:spcAft>
+                <a:spcPts val="0"/>
+              </a:spcAft>
+              <a:buClr>
+                <a:srgbClr val="000000"/>
+              </a:buClr>
+              <a:buSzPts val="1200"/>
+              <a:buFont typeface="Arial"/>
+              <a:buNone/>
+            </a:pPr>
+            <a:fld id="{00000000-1234-1234-1234-123412341234}" type="slidenum">
+              <a:rPr lang="en-US"/>
+              <a:t>11</a:t>
+            </a:fld>
+            <a:endParaRPr/>
+          </a:p>
+        </p:txBody>
+      </p:sp>
+    </p:spTree>
+    <p:extLst>
+      <p:ext uri="{BB962C8B-B14F-4D97-AF65-F5344CB8AC3E}">
+        <p14:creationId xmlns:p14="http://schemas.microsoft.com/office/powerpoint/2010/main" val="1469223669"/>
+      </p:ext>
+    </p:extLst>
+  </p:cSld>
+  <p:clrMapOvr>
+    <a:masterClrMapping/>
+  </p:clrMapOvr>
+</p:notes>
+</file>
+
+<file path=ppt/notesSlides/notesSlide20.xml><?xml version="1.0" encoding="utf-8"?>
+<p:notes xmlns:a="http://schemas.openxmlformats.org/drawingml/2006/main" xmlns:r="http://schemas.openxmlformats.org/officeDocument/2006/relationships" xmlns:p="http://schemas.openxmlformats.org/presentationml/2006/main" showMasterSp="0" showMasterPhAnim="0">
+  <p:cSld>
+    <p:spTree>
+      <p:nvGrpSpPr>
+        <p:cNvPr id="1" name="Shape 1222"/>
+        <p:cNvGrpSpPr/>
+        <p:nvPr/>
+      </p:nvGrpSpPr>
+      <p:grpSpPr>
+        <a:xfrm>
+          <a:off x="0" y="0"/>
+          <a:ext cx="0" cy="0"/>
+          <a:chOff x="0" y="0"/>
+          <a:chExt cx="0" cy="0"/>
+        </a:xfrm>
+      </p:grpSpPr>
+      <p:sp>
+        <p:nvSpPr>
+          <p:cNvPr id="1223" name="Google Shape;1223;g5b0c8fd486_0_967:notes"/>
+          <p:cNvSpPr>
+            <a:spLocks noGrp="1" noRot="1" noChangeAspect="1"/>
+          </p:cNvSpPr>
+          <p:nvPr>
+            <p:ph type="sldImg" idx="2"/>
+          </p:nvPr>
+        </p:nvSpPr>
+        <p:spPr>
+          <a:xfrm>
+            <a:off x="381000" y="685800"/>
+            <a:ext cx="6096000" cy="3429000"/>
+          </a:xfrm>
+          <a:custGeom>
+            <a:avLst/>
+            <a:gdLst/>
+            <a:ahLst/>
+            <a:cxnLst/>
+            <a:rect l="l" t="t" r="r" b="b"/>
+            <a:pathLst>
+              <a:path w="120000" h="120000" extrusionOk="0">
+                <a:moveTo>
+                  <a:pt x="0" y="0"/>
+                </a:moveTo>
+                <a:lnTo>
+                  <a:pt x="120000" y="0"/>
+                </a:lnTo>
+                <a:lnTo>
+                  <a:pt x="120000" y="120000"/>
+                </a:lnTo>
+                <a:lnTo>
+                  <a:pt x="0" y="120000"/>
+                </a:lnTo>
+                <a:close/>
+              </a:path>
+            </a:pathLst>
+          </a:custGeom>
+        </p:spPr>
+      </p:sp>
+      <p:sp>
+        <p:nvSpPr>
+          <p:cNvPr id="1224" name="Google Shape;1224;g5b0c8fd486_0_967:notes"/>
+          <p:cNvSpPr txBox="1">
+            <a:spLocks noGrp="1"/>
+          </p:cNvSpPr>
+          <p:nvPr>
+            <p:ph type="body" idx="1"/>
+          </p:nvPr>
+        </p:nvSpPr>
+        <p:spPr>
+          <a:xfrm>
+            <a:off x="685800" y="4343400"/>
+            <a:ext cx="5486400" cy="4114800"/>
+          </a:xfrm>
+          <a:prstGeom prst="rect">
+            <a:avLst/>
+          </a:prstGeom>
+        </p:spPr>
+        <p:txBody>
+          <a:bodyPr spcFirstLastPara="1" wrap="square" lIns="91425" tIns="91425" rIns="91425" bIns="91425" anchor="t" anchorCtr="0">
+            <a:noAutofit/>
+          </a:bodyPr>
+          <a:lstStyle/>
+          <a:p>
+            <a:pPr marL="0" lvl="0" indent="0" algn="l" rtl="0">
+              <a:spcBef>
+                <a:spcPts val="0"/>
+              </a:spcBef>
+              <a:spcAft>
+                <a:spcPts val="0"/>
+              </a:spcAft>
+              <a:buNone/>
+            </a:pPr>
+            <a:endParaRPr/>
+          </a:p>
+        </p:txBody>
+      </p:sp>
+    </p:spTree>
+    <p:extLst>
+      <p:ext uri="{BB962C8B-B14F-4D97-AF65-F5344CB8AC3E}">
+        <p14:creationId xmlns:p14="http://schemas.microsoft.com/office/powerpoint/2010/main" val="2485728360"/>
+      </p:ext>
+    </p:extLst>
+  </p:cSld>
+  <p:clrMapOvr>
+    <a:masterClrMapping/>
+  </p:clrMapOvr>
+</p:notes>
+</file>
+
+<file path=ppt/notesSlides/notesSlide21.xml><?xml version="1.0" encoding="utf-8"?>
 <p:notes xmlns:a="http://schemas.openxmlformats.org/drawingml/2006/main" xmlns:r="http://schemas.openxmlformats.org/officeDocument/2006/relationships" xmlns:p="http://schemas.openxmlformats.org/presentationml/2006/main" showMasterSp="0" showMasterPhAnim="0">
   <p:cSld>
     <p:spTree>
@@ -12213,6 +13386,11 @@
         </p:spPr>
       </p:sp>
     </p:spTree>
+    <p:extLst>
+      <p:ext uri="{BB962C8B-B14F-4D97-AF65-F5344CB8AC3E}">
+        <p14:creationId xmlns:p14="http://schemas.microsoft.com/office/powerpoint/2010/main" val="376711222"/>
+      </p:ext>
+    </p:extLst>
   </p:cSld>
   <p:clrMapOvr>
     <a:masterClrMapping/>
@@ -12220,7 +13398,7 @@
 </p:notes>
 </file>
 
-<file path=ppt/notesSlides/notesSlide13.xml><?xml version="1.0" encoding="utf-8"?>
+<file path=ppt/notesSlides/notesSlide22.xml><?xml version="1.0" encoding="utf-8"?>
 <p:notes xmlns:a="http://schemas.openxmlformats.org/drawingml/2006/main" xmlns:r="http://schemas.openxmlformats.org/officeDocument/2006/relationships" xmlns:p="http://schemas.openxmlformats.org/presentationml/2006/main" showMasterSp="0" showMasterPhAnim="0">
   <p:cSld>
     <p:spTree>
@@ -12324,7 +13502,7 @@
 </p:notes>
 </file>
 
-<file path=ppt/notesSlides/notesSlide14.xml><?xml version="1.0" encoding="utf-8"?>
+<file path=ppt/notesSlides/notesSlide23.xml><?xml version="1.0" encoding="utf-8"?>
 <p:notes xmlns:a="http://schemas.openxmlformats.org/drawingml/2006/main" xmlns:r="http://schemas.openxmlformats.org/officeDocument/2006/relationships" xmlns:p="http://schemas.openxmlformats.org/presentationml/2006/main" showMasterSp="0" showMasterPhAnim="0">
   <p:cSld>
     <p:spTree>
@@ -12428,7 +13606,7 @@
 </p:notes>
 </file>
 
-<file path=ppt/notesSlides/notesSlide15.xml><?xml version="1.0" encoding="utf-8"?>
+<file path=ppt/notesSlides/notesSlide24.xml><?xml version="1.0" encoding="utf-8"?>
 <p:notes xmlns:a="http://schemas.openxmlformats.org/drawingml/2006/main" xmlns:r="http://schemas.openxmlformats.org/officeDocument/2006/relationships" xmlns:p="http://schemas.openxmlformats.org/presentationml/2006/main" showMasterSp="0" showMasterPhAnim="0">
   <p:cSld>
     <p:spTree>
@@ -12532,7 +13710,7 @@
 </p:notes>
 </file>
 
-<file path=ppt/notesSlides/notesSlide16.xml><?xml version="1.0" encoding="utf-8"?>
+<file path=ppt/notesSlides/notesSlide25.xml><?xml version="1.0" encoding="utf-8"?>
 <p:notes xmlns:a="http://schemas.openxmlformats.org/drawingml/2006/main" xmlns:r="http://schemas.openxmlformats.org/officeDocument/2006/relationships" xmlns:p="http://schemas.openxmlformats.org/presentationml/2006/main" showMasterSp="0" showMasterPhAnim="0">
   <p:cSld>
     <p:spTree>
@@ -12636,7 +13814,7 @@
 </p:notes>
 </file>
 
-<file path=ppt/notesSlides/notesSlide17.xml><?xml version="1.0" encoding="utf-8"?>
+<file path=ppt/notesSlides/notesSlide26.xml><?xml version="1.0" encoding="utf-8"?>
 <p:notes xmlns:a="http://schemas.openxmlformats.org/drawingml/2006/main" xmlns:r="http://schemas.openxmlformats.org/officeDocument/2006/relationships" xmlns:p="http://schemas.openxmlformats.org/presentationml/2006/main" showMasterSp="0" showMasterPhAnim="0">
   <p:cSld>
     <p:spTree>
@@ -12740,7 +13918,7 @@
 </p:notes>
 </file>
 
-<file path=ppt/notesSlides/notesSlide18.xml><?xml version="1.0" encoding="utf-8"?>
+<file path=ppt/notesSlides/notesSlide27.xml><?xml version="1.0" encoding="utf-8"?>
 <p:notes xmlns:a="http://schemas.openxmlformats.org/drawingml/2006/main" xmlns:r="http://schemas.openxmlformats.org/officeDocument/2006/relationships" xmlns:p="http://schemas.openxmlformats.org/presentationml/2006/main" showMasterSp="0" showMasterPhAnim="0">
   <p:cSld>
     <p:spTree>
@@ -12849,7 +14027,7 @@
 </p:notes>
 </file>
 
-<file path=ppt/notesSlides/notesSlide19.xml><?xml version="1.0" encoding="utf-8"?>
+<file path=ppt/notesSlides/notesSlide28.xml><?xml version="1.0" encoding="utf-8"?>
 <p:notes xmlns:a="http://schemas.openxmlformats.org/drawingml/2006/main" xmlns:r="http://schemas.openxmlformats.org/officeDocument/2006/relationships" xmlns:p="http://schemas.openxmlformats.org/presentationml/2006/main" showMasterSp="0" showMasterPhAnim="0">
   <p:cSld>
     <p:spTree>
@@ -12953,7 +14131,111 @@
 </p:notes>
 </file>
 
-<file path=ppt/notesSlides/notesSlide2.xml><?xml version="1.0" encoding="utf-8"?>
+<file path=ppt/notesSlides/notesSlide29.xml><?xml version="1.0" encoding="utf-8"?>
+<p:notes xmlns:a="http://schemas.openxmlformats.org/drawingml/2006/main" xmlns:r="http://schemas.openxmlformats.org/officeDocument/2006/relationships" xmlns:p="http://schemas.openxmlformats.org/presentationml/2006/main" showMasterSp="0" showMasterPhAnim="0">
+  <p:cSld>
+    <p:spTree>
+      <p:nvGrpSpPr>
+        <p:cNvPr id="1" name="Shape 266"/>
+        <p:cNvGrpSpPr/>
+        <p:nvPr/>
+      </p:nvGrpSpPr>
+      <p:grpSpPr>
+        <a:xfrm>
+          <a:off x="0" y="0"/>
+          <a:ext cx="0" cy="0"/>
+          <a:chOff x="0" y="0"/>
+          <a:chExt cx="0" cy="0"/>
+        </a:xfrm>
+      </p:grpSpPr>
+      <p:sp>
+        <p:nvSpPr>
+          <p:cNvPr id="267" name="Google Shape;267;p38:notes"/>
+          <p:cNvSpPr txBox="1">
+            <a:spLocks noGrp="1"/>
+          </p:cNvSpPr>
+          <p:nvPr>
+            <p:ph type="body" idx="1"/>
+          </p:nvPr>
+        </p:nvSpPr>
+        <p:spPr>
+          <a:xfrm>
+            <a:off x="685800" y="4400550"/>
+            <a:ext cx="5486400" cy="3600450"/>
+          </a:xfrm>
+          <a:prstGeom prst="rect">
+            <a:avLst/>
+          </a:prstGeom>
+        </p:spPr>
+        <p:txBody>
+          <a:bodyPr spcFirstLastPara="1" wrap="square" lIns="91425" tIns="45700" rIns="91425" bIns="45700" anchor="t" anchorCtr="0">
+            <a:noAutofit/>
+          </a:bodyPr>
+          <a:lstStyle/>
+          <a:p>
+            <a:pPr marL="0" lvl="0" indent="0" algn="l" rtl="0">
+              <a:spcBef>
+                <a:spcPts val="0"/>
+              </a:spcBef>
+              <a:spcAft>
+                <a:spcPts val="0"/>
+              </a:spcAft>
+              <a:buNone/>
+            </a:pPr>
+            <a:endParaRPr/>
+          </a:p>
+        </p:txBody>
+      </p:sp>
+      <p:sp>
+        <p:nvSpPr>
+          <p:cNvPr id="268" name="Google Shape;268;p38:notes"/>
+          <p:cNvSpPr>
+            <a:spLocks noGrp="1" noRot="1" noChangeAspect="1"/>
+          </p:cNvSpPr>
+          <p:nvPr>
+            <p:ph type="sldImg" idx="2"/>
+          </p:nvPr>
+        </p:nvSpPr>
+        <p:spPr>
+          <a:xfrm>
+            <a:off x="685800" y="1143000"/>
+            <a:ext cx="5486400" cy="3086100"/>
+          </a:xfrm>
+          <a:custGeom>
+            <a:avLst/>
+            <a:gdLst/>
+            <a:ahLst/>
+            <a:cxnLst/>
+            <a:rect l="l" t="t" r="r" b="b"/>
+            <a:pathLst>
+              <a:path w="120000" h="120000" extrusionOk="0">
+                <a:moveTo>
+                  <a:pt x="0" y="0"/>
+                </a:moveTo>
+                <a:lnTo>
+                  <a:pt x="120000" y="0"/>
+                </a:lnTo>
+                <a:lnTo>
+                  <a:pt x="120000" y="120000"/>
+                </a:lnTo>
+                <a:lnTo>
+                  <a:pt x="0" y="120000"/>
+                </a:lnTo>
+                <a:close/>
+              </a:path>
+            </a:pathLst>
+          </a:custGeom>
+        </p:spPr>
+      </p:sp>
+    </p:spTree>
+  </p:cSld>
+  <p:clrMapOvr>
+    <a:masterClrMapping/>
+  </p:clrMapOvr>
+</p:notes>
+</file>
+
+<file path=ppt/notesSlides/notesSlide3.xml><?xml version="1.0" encoding="utf-8"?>
 <p:notes xmlns:a="http://schemas.openxmlformats.org/drawingml/2006/main" xmlns:r="http://schemas.openxmlformats.org/officeDocument/2006/relationships" xmlns:p="http://schemas.openxmlformats.org/presentationml/2006/main" showMasterSp="0" showMasterPhAnim="0">
   <p:cSld>
     <p:spTree>
@@ -13057,111 +14339,7 @@
 </p:notes>
 </file>
 
-<file path=ppt/notesSlides/notesSlide20.xml><?xml version="1.0" encoding="utf-8"?>
-<p:notes xmlns:a="http://schemas.openxmlformats.org/drawingml/2006/main" xmlns:r="http://schemas.openxmlformats.org/officeDocument/2006/relationships" xmlns:p="http://schemas.openxmlformats.org/presentationml/2006/main" showMasterSp="0" showMasterPhAnim="0">
-  <p:cSld>
-    <p:spTree>
-      <p:nvGrpSpPr>
-        <p:cNvPr id="1" name="Shape 266"/>
-        <p:cNvGrpSpPr/>
-        <p:nvPr/>
-      </p:nvGrpSpPr>
-      <p:grpSpPr>
-        <a:xfrm>
-          <a:off x="0" y="0"/>
-          <a:ext cx="0" cy="0"/>
-          <a:chOff x="0" y="0"/>
-          <a:chExt cx="0" cy="0"/>
-        </a:xfrm>
-      </p:grpSpPr>
-      <p:sp>
-        <p:nvSpPr>
-          <p:cNvPr id="267" name="Google Shape;267;p38:notes"/>
-          <p:cNvSpPr txBox="1">
-            <a:spLocks noGrp="1"/>
-          </p:cNvSpPr>
-          <p:nvPr>
-            <p:ph type="body" idx="1"/>
-          </p:nvPr>
-        </p:nvSpPr>
-        <p:spPr>
-          <a:xfrm>
-            <a:off x="685800" y="4400550"/>
-            <a:ext cx="5486400" cy="3600450"/>
-          </a:xfrm>
-          <a:prstGeom prst="rect">
-            <a:avLst/>
-          </a:prstGeom>
-        </p:spPr>
-        <p:txBody>
-          <a:bodyPr spcFirstLastPara="1" wrap="square" lIns="91425" tIns="45700" rIns="91425" bIns="45700" anchor="t" anchorCtr="0">
-            <a:noAutofit/>
-          </a:bodyPr>
-          <a:lstStyle/>
-          <a:p>
-            <a:pPr marL="0" lvl="0" indent="0" algn="l" rtl="0">
-              <a:spcBef>
-                <a:spcPts val="0"/>
-              </a:spcBef>
-              <a:spcAft>
-                <a:spcPts val="0"/>
-              </a:spcAft>
-              <a:buNone/>
-            </a:pPr>
-            <a:endParaRPr/>
-          </a:p>
-        </p:txBody>
-      </p:sp>
-      <p:sp>
-        <p:nvSpPr>
-          <p:cNvPr id="268" name="Google Shape;268;p38:notes"/>
-          <p:cNvSpPr>
-            <a:spLocks noGrp="1" noRot="1" noChangeAspect="1"/>
-          </p:cNvSpPr>
-          <p:nvPr>
-            <p:ph type="sldImg" idx="2"/>
-          </p:nvPr>
-        </p:nvSpPr>
-        <p:spPr>
-          <a:xfrm>
-            <a:off x="685800" y="1143000"/>
-            <a:ext cx="5486400" cy="3086100"/>
-          </a:xfrm>
-          <a:custGeom>
-            <a:avLst/>
-            <a:gdLst/>
-            <a:ahLst/>
-            <a:cxnLst/>
-            <a:rect l="l" t="t" r="r" b="b"/>
-            <a:pathLst>
-              <a:path w="120000" h="120000" extrusionOk="0">
-                <a:moveTo>
-                  <a:pt x="0" y="0"/>
-                </a:moveTo>
-                <a:lnTo>
-                  <a:pt x="120000" y="0"/>
-                </a:lnTo>
-                <a:lnTo>
-                  <a:pt x="120000" y="120000"/>
-                </a:lnTo>
-                <a:lnTo>
-                  <a:pt x="0" y="120000"/>
-                </a:lnTo>
-                <a:close/>
-              </a:path>
-            </a:pathLst>
-          </a:custGeom>
-        </p:spPr>
-      </p:sp>
-    </p:spTree>
-  </p:cSld>
-  <p:clrMapOvr>
-    <a:masterClrMapping/>
-  </p:clrMapOvr>
-</p:notes>
-</file>
-
-<file path=ppt/notesSlides/notesSlide21.xml><?xml version="1.0" encoding="utf-8"?>
+<file path=ppt/notesSlides/notesSlide30.xml><?xml version="1.0" encoding="utf-8"?>
 <p:notes xmlns:a="http://schemas.openxmlformats.org/drawingml/2006/main" xmlns:r="http://schemas.openxmlformats.org/officeDocument/2006/relationships" xmlns:p="http://schemas.openxmlformats.org/presentationml/2006/main" showMasterSp="0" showMasterPhAnim="0">
   <p:cSld>
     <p:spTree>
@@ -13265,7 +14443,7 @@
 </p:notes>
 </file>
 
-<file path=ppt/notesSlides/notesSlide22.xml><?xml version="1.0" encoding="utf-8"?>
+<file path=ppt/notesSlides/notesSlide31.xml><?xml version="1.0" encoding="utf-8"?>
 <p:notes xmlns:a="http://schemas.openxmlformats.org/drawingml/2006/main" xmlns:r="http://schemas.openxmlformats.org/officeDocument/2006/relationships" xmlns:p="http://schemas.openxmlformats.org/presentationml/2006/main" showMasterSp="0" showMasterPhAnim="0">
   <p:cSld>
     <p:spTree>
@@ -13369,7 +14547,7 @@
 </p:notes>
 </file>
 
-<file path=ppt/notesSlides/notesSlide3.xml><?xml version="1.0" encoding="utf-8"?>
+<file path=ppt/notesSlides/notesSlide4.xml><?xml version="1.0" encoding="utf-8"?>
 <p:notes xmlns:a="http://schemas.openxmlformats.org/drawingml/2006/main" xmlns:r="http://schemas.openxmlformats.org/officeDocument/2006/relationships" xmlns:p="http://schemas.openxmlformats.org/presentationml/2006/main" showMasterSp="0" showMasterPhAnim="0">
   <p:cSld>
     <p:spTree>
@@ -13473,7 +14651,116 @@
 </p:notes>
 </file>
 
-<file path=ppt/notesSlides/notesSlide4.xml><?xml version="1.0" encoding="utf-8"?>
+<file path=ppt/notesSlides/notesSlide5.xml><?xml version="1.0" encoding="utf-8"?>
+<p:notes xmlns:a="http://schemas.openxmlformats.org/drawingml/2006/main" xmlns:r="http://schemas.openxmlformats.org/officeDocument/2006/relationships" xmlns:p="http://schemas.openxmlformats.org/presentationml/2006/main" showMasterSp="0" showMasterPhAnim="0">
+  <p:cSld>
+    <p:spTree>
+      <p:nvGrpSpPr>
+        <p:cNvPr id="1" name="Shape 254"/>
+        <p:cNvGrpSpPr/>
+        <p:nvPr/>
+      </p:nvGrpSpPr>
+      <p:grpSpPr>
+        <a:xfrm>
+          <a:off x="0" y="0"/>
+          <a:ext cx="0" cy="0"/>
+          <a:chOff x="0" y="0"/>
+          <a:chExt cx="0" cy="0"/>
+        </a:xfrm>
+      </p:grpSpPr>
+      <p:sp>
+        <p:nvSpPr>
+          <p:cNvPr id="255" name="Google Shape;255;p36:notes"/>
+          <p:cNvSpPr txBox="1">
+            <a:spLocks noGrp="1"/>
+          </p:cNvSpPr>
+          <p:nvPr>
+            <p:ph type="body" idx="1"/>
+          </p:nvPr>
+        </p:nvSpPr>
+        <p:spPr>
+          <a:xfrm>
+            <a:off x="685800" y="4400550"/>
+            <a:ext cx="5486400" cy="3600450"/>
+          </a:xfrm>
+          <a:prstGeom prst="rect">
+            <a:avLst/>
+          </a:prstGeom>
+        </p:spPr>
+        <p:txBody>
+          <a:bodyPr spcFirstLastPara="1" wrap="square" lIns="91425" tIns="45700" rIns="91425" bIns="45700" anchor="t" anchorCtr="0">
+            <a:noAutofit/>
+          </a:bodyPr>
+          <a:lstStyle/>
+          <a:p>
+            <a:pPr marL="0" lvl="0" indent="0" algn="l" rtl="0">
+              <a:spcBef>
+                <a:spcPts val="0"/>
+              </a:spcBef>
+              <a:spcAft>
+                <a:spcPts val="0"/>
+              </a:spcAft>
+              <a:buNone/>
+            </a:pPr>
+            <a:endParaRPr/>
+          </a:p>
+        </p:txBody>
+      </p:sp>
+      <p:sp>
+        <p:nvSpPr>
+          <p:cNvPr id="256" name="Google Shape;256;p36:notes"/>
+          <p:cNvSpPr>
+            <a:spLocks noGrp="1" noRot="1" noChangeAspect="1"/>
+          </p:cNvSpPr>
+          <p:nvPr>
+            <p:ph type="sldImg" idx="2"/>
+          </p:nvPr>
+        </p:nvSpPr>
+        <p:spPr>
+          <a:xfrm>
+            <a:off x="685800" y="1143000"/>
+            <a:ext cx="5486400" cy="3086100"/>
+          </a:xfrm>
+          <a:custGeom>
+            <a:avLst/>
+            <a:gdLst/>
+            <a:ahLst/>
+            <a:cxnLst/>
+            <a:rect l="l" t="t" r="r" b="b"/>
+            <a:pathLst>
+              <a:path w="120000" h="120000" extrusionOk="0">
+                <a:moveTo>
+                  <a:pt x="0" y="0"/>
+                </a:moveTo>
+                <a:lnTo>
+                  <a:pt x="120000" y="0"/>
+                </a:lnTo>
+                <a:lnTo>
+                  <a:pt x="120000" y="120000"/>
+                </a:lnTo>
+                <a:lnTo>
+                  <a:pt x="0" y="120000"/>
+                </a:lnTo>
+                <a:close/>
+              </a:path>
+            </a:pathLst>
+          </a:custGeom>
+        </p:spPr>
+      </p:sp>
+    </p:spTree>
+    <p:extLst>
+      <p:ext uri="{BB962C8B-B14F-4D97-AF65-F5344CB8AC3E}">
+        <p14:creationId xmlns:p14="http://schemas.microsoft.com/office/powerpoint/2010/main" val="1048021393"/>
+      </p:ext>
+    </p:extLst>
+  </p:cSld>
+  <p:clrMapOvr>
+    <a:masterClrMapping/>
+  </p:clrMapOvr>
+</p:notes>
+</file>
+
+<file path=ppt/notesSlides/notesSlide6.xml><?xml version="1.0" encoding="utf-8"?>
 <p:notes xmlns:a="http://schemas.openxmlformats.org/drawingml/2006/main" xmlns:r="http://schemas.openxmlformats.org/officeDocument/2006/relationships" xmlns:p="http://schemas.openxmlformats.org/presentationml/2006/main" showMasterSp="0" showMasterPhAnim="0">
   <p:cSld>
     <p:spTree>
@@ -13577,7 +14864,7 @@
 </p:notes>
 </file>
 
-<file path=ppt/notesSlides/notesSlide5.xml><?xml version="1.0" encoding="utf-8"?>
+<file path=ppt/notesSlides/notesSlide7.xml><?xml version="1.0" encoding="utf-8"?>
 <p:notes xmlns:a="http://schemas.openxmlformats.org/drawingml/2006/main" xmlns:r="http://schemas.openxmlformats.org/officeDocument/2006/relationships" xmlns:p="http://schemas.openxmlformats.org/presentationml/2006/main" showMasterSp="0" showMasterPhAnim="0">
   <p:cSld>
     <p:spTree>
@@ -13699,7 +14986,7 @@
 </p:notes>
 </file>
 
-<file path=ppt/notesSlides/notesSlide6.xml><?xml version="1.0" encoding="utf-8"?>
+<file path=ppt/notesSlides/notesSlide8.xml><?xml version="1.0" encoding="utf-8"?>
 <p:notes xmlns:a="http://schemas.openxmlformats.org/drawingml/2006/main" xmlns:r="http://schemas.openxmlformats.org/officeDocument/2006/relationships" xmlns:p="http://schemas.openxmlformats.org/presentationml/2006/main" showMasterSp="0" showMasterPhAnim="0">
   <p:cSld>
     <p:spTree>
@@ -13821,7 +15108,7 @@
 </p:notes>
 </file>
 
-<file path=ppt/notesSlides/notesSlide7.xml><?xml version="1.0" encoding="utf-8"?>
+<file path=ppt/notesSlides/notesSlide9.xml><?xml version="1.0" encoding="utf-8"?>
 <p:notes xmlns:a="http://schemas.openxmlformats.org/drawingml/2006/main" xmlns:r="http://schemas.openxmlformats.org/officeDocument/2006/relationships" xmlns:p="http://schemas.openxmlformats.org/presentationml/2006/main" showMasterSp="0" showMasterPhAnim="0">
   <p:cSld>
     <p:spTree>
@@ -13892,250 +15179,6 @@
       <p:sp>
         <p:nvSpPr>
           <p:cNvPr id="161" name="Google Shape;161;p28:notes"/>
-          <p:cNvSpPr txBox="1">
-            <a:spLocks noGrp="1"/>
-          </p:cNvSpPr>
-          <p:nvPr>
-            <p:ph type="body" idx="1"/>
-          </p:nvPr>
-        </p:nvSpPr>
-        <p:spPr>
-          <a:xfrm>
-            <a:off x="685800" y="4343400"/>
-            <a:ext cx="5486400" cy="4114800"/>
-          </a:xfrm>
-          <a:prstGeom prst="rect">
-            <a:avLst/>
-          </a:prstGeom>
-          <a:noFill/>
-          <a:ln>
-            <a:noFill/>
-          </a:ln>
-        </p:spPr>
-        <p:txBody>
-          <a:bodyPr spcFirstLastPara="1" wrap="square" lIns="91425" tIns="91425" rIns="91425" bIns="91425" anchor="t" anchorCtr="0">
-            <a:noAutofit/>
-          </a:bodyPr>
-          <a:lstStyle/>
-          <a:p>
-            <a:pPr marL="0" lvl="0" indent="0" algn="l" rtl="0">
-              <a:lnSpc>
-                <a:spcPct val="100000"/>
-              </a:lnSpc>
-              <a:spcBef>
-                <a:spcPts val="0"/>
-              </a:spcBef>
-              <a:spcAft>
-                <a:spcPts val="0"/>
-              </a:spcAft>
-              <a:buSzPts val="1400"/>
-              <a:buNone/>
-            </a:pPr>
-            <a:endParaRPr/>
-          </a:p>
-        </p:txBody>
-      </p:sp>
-    </p:spTree>
-  </p:cSld>
-  <p:clrMapOvr>
-    <a:masterClrMapping/>
-  </p:clrMapOvr>
-</p:notes>
-</file>
-
-<file path=ppt/notesSlides/notesSlide8.xml><?xml version="1.0" encoding="utf-8"?>
-<p:notes xmlns:a="http://schemas.openxmlformats.org/drawingml/2006/main" xmlns:r="http://schemas.openxmlformats.org/officeDocument/2006/relationships" xmlns:p="http://schemas.openxmlformats.org/presentationml/2006/main" showMasterSp="0" showMasterPhAnim="0">
-  <p:cSld>
-    <p:spTree>
-      <p:nvGrpSpPr>
-        <p:cNvPr id="1" name="Shape 172"/>
-        <p:cNvGrpSpPr/>
-        <p:nvPr/>
-      </p:nvGrpSpPr>
-      <p:grpSpPr>
-        <a:xfrm>
-          <a:off x="0" y="0"/>
-          <a:ext cx="0" cy="0"/>
-          <a:chOff x="0" y="0"/>
-          <a:chExt cx="0" cy="0"/>
-        </a:xfrm>
-      </p:grpSpPr>
-      <p:sp>
-        <p:nvSpPr>
-          <p:cNvPr id="173" name="Google Shape;173;p6:notes"/>
-          <p:cNvSpPr>
-            <a:spLocks noGrp="1" noRot="1" noChangeAspect="1"/>
-          </p:cNvSpPr>
-          <p:nvPr>
-            <p:ph type="sldImg" idx="2"/>
-          </p:nvPr>
-        </p:nvSpPr>
-        <p:spPr>
-          <a:xfrm>
-            <a:off x="381300" y="685800"/>
-            <a:ext cx="6096000" cy="3429000"/>
-          </a:xfrm>
-          <a:custGeom>
-            <a:avLst/>
-            <a:gdLst/>
-            <a:ahLst/>
-            <a:cxnLst/>
-            <a:rect l="l" t="t" r="r" b="b"/>
-            <a:pathLst>
-              <a:path w="120000" h="120000" extrusionOk="0">
-                <a:moveTo>
-                  <a:pt x="0" y="0"/>
-                </a:moveTo>
-                <a:lnTo>
-                  <a:pt x="120000" y="0"/>
-                </a:lnTo>
-                <a:lnTo>
-                  <a:pt x="120000" y="120000"/>
-                </a:lnTo>
-                <a:lnTo>
-                  <a:pt x="0" y="120000"/>
-                </a:lnTo>
-                <a:close/>
-              </a:path>
-            </a:pathLst>
-          </a:custGeom>
-          <a:noFill/>
-          <a:ln w="12700" cap="flat" cmpd="sng">
-            <a:solidFill>
-              <a:srgbClr val="000000"/>
-            </a:solidFill>
-            <a:prstDash val="solid"/>
-            <a:round/>
-            <a:headEnd type="none" w="sm" len="sm"/>
-            <a:tailEnd type="none" w="sm" len="sm"/>
-          </a:ln>
-        </p:spPr>
-      </p:sp>
-      <p:sp>
-        <p:nvSpPr>
-          <p:cNvPr id="174" name="Google Shape;174;p6:notes"/>
-          <p:cNvSpPr txBox="1">
-            <a:spLocks noGrp="1"/>
-          </p:cNvSpPr>
-          <p:nvPr>
-            <p:ph type="body" idx="1"/>
-          </p:nvPr>
-        </p:nvSpPr>
-        <p:spPr>
-          <a:xfrm>
-            <a:off x="685800" y="4343400"/>
-            <a:ext cx="5486400" cy="4114800"/>
-          </a:xfrm>
-          <a:prstGeom prst="rect">
-            <a:avLst/>
-          </a:prstGeom>
-          <a:noFill/>
-          <a:ln>
-            <a:noFill/>
-          </a:ln>
-        </p:spPr>
-        <p:txBody>
-          <a:bodyPr spcFirstLastPara="1" wrap="square" lIns="91425" tIns="91425" rIns="91425" bIns="91425" anchor="t" anchorCtr="0">
-            <a:noAutofit/>
-          </a:bodyPr>
-          <a:lstStyle/>
-          <a:p>
-            <a:pPr marL="0" lvl="0" indent="0" algn="l" rtl="0">
-              <a:lnSpc>
-                <a:spcPct val="100000"/>
-              </a:lnSpc>
-              <a:spcBef>
-                <a:spcPts val="0"/>
-              </a:spcBef>
-              <a:spcAft>
-                <a:spcPts val="0"/>
-              </a:spcAft>
-              <a:buSzPts val="1400"/>
-              <a:buNone/>
-            </a:pPr>
-            <a:endParaRPr/>
-          </a:p>
-        </p:txBody>
-      </p:sp>
-    </p:spTree>
-  </p:cSld>
-  <p:clrMapOvr>
-    <a:masterClrMapping/>
-  </p:clrMapOvr>
-</p:notes>
-</file>
-
-<file path=ppt/notesSlides/notesSlide9.xml><?xml version="1.0" encoding="utf-8"?>
-<p:notes xmlns:a="http://schemas.openxmlformats.org/drawingml/2006/main" xmlns:r="http://schemas.openxmlformats.org/officeDocument/2006/relationships" xmlns:p="http://schemas.openxmlformats.org/presentationml/2006/main" showMasterSp="0" showMasterPhAnim="0">
-  <p:cSld>
-    <p:spTree>
-      <p:nvGrpSpPr>
-        <p:cNvPr id="1" name="Shape 178"/>
-        <p:cNvGrpSpPr/>
-        <p:nvPr/>
-      </p:nvGrpSpPr>
-      <p:grpSpPr>
-        <a:xfrm>
-          <a:off x="0" y="0"/>
-          <a:ext cx="0" cy="0"/>
-          <a:chOff x="0" y="0"/>
-          <a:chExt cx="0" cy="0"/>
-        </a:xfrm>
-      </p:grpSpPr>
-      <p:sp>
-        <p:nvSpPr>
-          <p:cNvPr id="179" name="Google Shape;179;p29:notes"/>
-          <p:cNvSpPr>
-            <a:spLocks noGrp="1" noRot="1" noChangeAspect="1"/>
-          </p:cNvSpPr>
-          <p:nvPr>
-            <p:ph type="sldImg" idx="2"/>
-          </p:nvPr>
-        </p:nvSpPr>
-        <p:spPr>
-          <a:xfrm>
-            <a:off x="381000" y="685800"/>
-            <a:ext cx="6096000" cy="3429000"/>
-          </a:xfrm>
-          <a:custGeom>
-            <a:avLst/>
-            <a:gdLst/>
-            <a:ahLst/>
-            <a:cxnLst/>
-            <a:rect l="l" t="t" r="r" b="b"/>
-            <a:pathLst>
-              <a:path w="120000" h="120000" extrusionOk="0">
-                <a:moveTo>
-                  <a:pt x="0" y="0"/>
-                </a:moveTo>
-                <a:lnTo>
-                  <a:pt x="120000" y="0"/>
-                </a:lnTo>
-                <a:lnTo>
-                  <a:pt x="120000" y="120000"/>
-                </a:lnTo>
-                <a:lnTo>
-                  <a:pt x="0" y="120000"/>
-                </a:lnTo>
-                <a:close/>
-              </a:path>
-            </a:pathLst>
-          </a:custGeom>
-          <a:noFill/>
-          <a:ln w="12700" cap="flat" cmpd="sng">
-            <a:solidFill>
-              <a:srgbClr val="000000"/>
-            </a:solidFill>
-            <a:prstDash val="solid"/>
-            <a:round/>
-            <a:headEnd type="none" w="sm" len="sm"/>
-            <a:tailEnd type="none" w="sm" len="sm"/>
-          </a:ln>
-        </p:spPr>
-      </p:sp>
-      <p:sp>
-        <p:nvSpPr>
-          <p:cNvPr id="180" name="Google Shape;180;p29:notes"/>
           <p:cNvSpPr txBox="1">
             <a:spLocks noGrp="1"/>
           </p:cNvSpPr>
@@ -20294,6 +21337,319 @@
   <p:cSld>
     <p:spTree>
       <p:nvGrpSpPr>
+        <p:cNvPr id="1" name="Shape 120"/>
+        <p:cNvGrpSpPr/>
+        <p:nvPr/>
+      </p:nvGrpSpPr>
+      <p:grpSpPr>
+        <a:xfrm>
+          <a:off x="0" y="0"/>
+          <a:ext cx="0" cy="0"/>
+          <a:chOff x="0" y="0"/>
+          <a:chExt cx="0" cy="0"/>
+        </a:xfrm>
+      </p:grpSpPr>
+      <p:sp>
+        <p:nvSpPr>
+          <p:cNvPr id="121" name="Google Shape;121;g71c382910d_0_6"/>
+          <p:cNvSpPr txBox="1">
+            <a:spLocks noGrp="1"/>
+          </p:cNvSpPr>
+          <p:nvPr>
+            <p:ph type="title"/>
+          </p:nvPr>
+        </p:nvSpPr>
+        <p:spPr>
+          <a:xfrm>
+            <a:off x="415600" y="86563"/>
+            <a:ext cx="11360700" cy="763500"/>
+          </a:xfrm>
+          <a:prstGeom prst="rect">
+            <a:avLst/>
+          </a:prstGeom>
+        </p:spPr>
+        <p:txBody>
+          <a:bodyPr spcFirstLastPara="1" wrap="square" lIns="121900" tIns="121900" rIns="121900" bIns="121900" anchor="t" anchorCtr="0">
+            <a:noAutofit/>
+          </a:bodyPr>
+          <a:lstStyle/>
+          <a:p>
+            <a:pPr marL="0" lvl="0" indent="0" algn="l" rtl="0">
+              <a:spcBef>
+                <a:spcPts val="0"/>
+              </a:spcBef>
+              <a:spcAft>
+                <a:spcPts val="0"/>
+              </a:spcAft>
+              <a:buNone/>
+            </a:pPr>
+            <a:r>
+              <a:rPr lang="en-US" dirty="0"/>
+              <a:t>Module 3 Presentation Reminders</a:t>
+            </a:r>
+            <a:endParaRPr dirty="0"/>
+          </a:p>
+        </p:txBody>
+      </p:sp>
+      <p:sp>
+        <p:nvSpPr>
+          <p:cNvPr id="122" name="Google Shape;122;g71c382910d_0_6"/>
+          <p:cNvSpPr txBox="1">
+            <a:spLocks noGrp="1"/>
+          </p:cNvSpPr>
+          <p:nvPr>
+            <p:ph type="body" idx="1"/>
+          </p:nvPr>
+        </p:nvSpPr>
+        <p:spPr>
+          <a:xfrm>
+            <a:off x="415600" y="1536633"/>
+            <a:ext cx="11360700" cy="4555200"/>
+          </a:xfrm>
+          <a:prstGeom prst="rect">
+            <a:avLst/>
+          </a:prstGeom>
+        </p:spPr>
+        <p:txBody>
+          <a:bodyPr spcFirstLastPara="1" wrap="square" lIns="121900" tIns="121900" rIns="121900" bIns="121900" anchor="t" anchorCtr="0">
+            <a:noAutofit/>
+          </a:bodyPr>
+          <a:lstStyle/>
+          <a:p>
+            <a:pPr marL="76200" lvl="0" indent="0" algn="l" rtl="0">
+              <a:spcBef>
+                <a:spcPts val="0"/>
+              </a:spcBef>
+              <a:spcAft>
+                <a:spcPts val="0"/>
+              </a:spcAft>
+              <a:buSzPts val="2400"/>
+              <a:buNone/>
+            </a:pPr>
+            <a:r>
+              <a:rPr lang="en-US" dirty="0"/>
+              <a:t>High-level introduction and how the method works 			~2 minutes</a:t>
+            </a:r>
+            <a:br>
+              <a:rPr lang="en-US" dirty="0"/>
+            </a:br>
+            <a:endParaRPr lang="en-US" dirty="0"/>
+          </a:p>
+          <a:p>
+            <a:pPr marL="76200" lvl="0" indent="0" algn="l" rtl="0">
+              <a:spcBef>
+                <a:spcPts val="0"/>
+              </a:spcBef>
+              <a:spcAft>
+                <a:spcPts val="0"/>
+              </a:spcAft>
+              <a:buSzPts val="2400"/>
+              <a:buNone/>
+            </a:pPr>
+            <a:r>
+              <a:rPr lang="en-US" dirty="0"/>
+              <a:t>What you had to do to apply it to your project 				~4 minutes</a:t>
+            </a:r>
+            <a:br>
+              <a:rPr lang="en-US" dirty="0"/>
+            </a:br>
+            <a:endParaRPr lang="en-US" dirty="0"/>
+          </a:p>
+          <a:p>
+            <a:pPr marL="76200" lvl="0" indent="0" algn="l" rtl="0">
+              <a:spcBef>
+                <a:spcPts val="0"/>
+              </a:spcBef>
+              <a:spcAft>
+                <a:spcPts val="0"/>
+              </a:spcAft>
+              <a:buSzPts val="2400"/>
+              <a:buNone/>
+            </a:pPr>
+            <a:r>
+              <a:rPr lang="en-US" dirty="0"/>
+              <a:t>Results from your analysis 						~5 minutes</a:t>
+            </a:r>
+            <a:br>
+              <a:rPr lang="en-US" dirty="0"/>
+            </a:br>
+            <a:endParaRPr lang="en-US" dirty="0"/>
+          </a:p>
+          <a:p>
+            <a:pPr marL="76200" lvl="0" indent="0" algn="l" rtl="0">
+              <a:spcBef>
+                <a:spcPts val="0"/>
+              </a:spcBef>
+              <a:spcAft>
+                <a:spcPts val="0"/>
+              </a:spcAft>
+              <a:buSzPts val="2400"/>
+              <a:buNone/>
+            </a:pPr>
+            <a:r>
+              <a:rPr lang="en-US" dirty="0"/>
+              <a:t>General strengths/weaknesses, suggestions for improvements 	~4 minutes</a:t>
+            </a:r>
+          </a:p>
+        </p:txBody>
+      </p:sp>
+    </p:spTree>
+    <p:extLst>
+      <p:ext uri="{BB962C8B-B14F-4D97-AF65-F5344CB8AC3E}">
+        <p14:creationId xmlns:p14="http://schemas.microsoft.com/office/powerpoint/2010/main" val="884717939"/>
+      </p:ext>
+    </p:extLst>
+  </p:cSld>
+  <p:clrMapOvr>
+    <a:masterClrMapping/>
+  </p:clrMapOvr>
+</p:sld>
+</file>
+
+<file path=ppt/slides/slide12.xml><?xml version="1.0" encoding="utf-8"?>
+<p:sld xmlns:a="http://schemas.openxmlformats.org/drawingml/2006/main" xmlns:r="http://schemas.openxmlformats.org/officeDocument/2006/relationships" xmlns:p="http://schemas.openxmlformats.org/presentationml/2006/main">
+  <p:cSld>
+    <p:spTree>
+      <p:nvGrpSpPr>
+        <p:cNvPr id="1" name=""/>
+        <p:cNvGrpSpPr/>
+        <p:nvPr/>
+      </p:nvGrpSpPr>
+      <p:grpSpPr>
+        <a:xfrm>
+          <a:off x="0" y="0"/>
+          <a:ext cx="0" cy="0"/>
+          <a:chOff x="0" y="0"/>
+          <a:chExt cx="0" cy="0"/>
+        </a:xfrm>
+      </p:grpSpPr>
+      <p:sp>
+        <p:nvSpPr>
+          <p:cNvPr id="3" name="Title 2">
+            <a:extLst>
+              <a:ext uri="{FF2B5EF4-FFF2-40B4-BE49-F238E27FC236}">
+                <a16:creationId xmlns:a16="http://schemas.microsoft.com/office/drawing/2014/main" id="{9323871C-7CA8-1448-8FFC-1AE6E1838941}"/>
+              </a:ext>
+            </a:extLst>
+          </p:cNvPr>
+          <p:cNvSpPr>
+            <a:spLocks noGrp="1"/>
+          </p:cNvSpPr>
+          <p:nvPr>
+            <p:ph type="title"/>
+          </p:nvPr>
+        </p:nvSpPr>
+        <p:spPr/>
+        <p:txBody>
+          <a:bodyPr/>
+          <a:lstStyle/>
+          <a:p>
+            <a:r>
+              <a:rPr lang="en-US" dirty="0"/>
+              <a:t>Module 3 Presentation Reminders</a:t>
+            </a:r>
+          </a:p>
+        </p:txBody>
+      </p:sp>
+      <p:sp>
+        <p:nvSpPr>
+          <p:cNvPr id="5" name="Text Placeholder 4">
+            <a:extLst>
+              <a:ext uri="{FF2B5EF4-FFF2-40B4-BE49-F238E27FC236}">
+                <a16:creationId xmlns:a16="http://schemas.microsoft.com/office/drawing/2014/main" id="{F4E0A5F0-1D89-954D-91FB-596CD9E690F2}"/>
+              </a:ext>
+            </a:extLst>
+          </p:cNvPr>
+          <p:cNvSpPr>
+            <a:spLocks noGrp="1"/>
+          </p:cNvSpPr>
+          <p:nvPr>
+            <p:ph type="body" idx="1"/>
+          </p:nvPr>
+        </p:nvSpPr>
+        <p:spPr>
+          <a:xfrm>
+            <a:off x="415600" y="1252603"/>
+            <a:ext cx="11360700" cy="4839230"/>
+          </a:xfrm>
+        </p:spPr>
+        <p:txBody>
+          <a:bodyPr/>
+          <a:lstStyle/>
+          <a:p>
+            <a:pPr marL="76200" indent="0">
+              <a:buNone/>
+            </a:pPr>
+            <a:endParaRPr lang="en-US" sz="3200" dirty="0"/>
+          </a:p>
+          <a:p>
+            <a:pPr marL="76200" indent="0">
+              <a:buNone/>
+            </a:pPr>
+            <a:r>
+              <a:rPr lang="en-US" sz="3200" dirty="0"/>
+              <a:t>Focus on appropriate bias metrics</a:t>
+            </a:r>
+          </a:p>
+          <a:p>
+            <a:pPr marL="76200" indent="0">
+              <a:buNone/>
+            </a:pPr>
+            <a:endParaRPr lang="en-US" sz="3200" dirty="0"/>
+          </a:p>
+          <a:p>
+            <a:pPr marL="76200" indent="0">
+              <a:buNone/>
+            </a:pPr>
+            <a:r>
+              <a:rPr lang="en-US" sz="3200" dirty="0"/>
+              <a:t>Are there trade-offs between fairness and precision?</a:t>
+            </a:r>
+          </a:p>
+          <a:p>
+            <a:pPr marL="76200" indent="0">
+              <a:buNone/>
+            </a:pPr>
+            <a:endParaRPr lang="en-US" sz="3200" dirty="0"/>
+          </a:p>
+          <a:p>
+            <a:pPr marL="76200" indent="0">
+              <a:buNone/>
+            </a:pPr>
+            <a:r>
+              <a:rPr lang="en-US" sz="3200" dirty="0"/>
+              <a:t>Choice of group attributes for analyses</a:t>
+            </a:r>
+          </a:p>
+          <a:p>
+            <a:pPr marL="76200" indent="0">
+              <a:buNone/>
+            </a:pPr>
+            <a:endParaRPr lang="en-US" dirty="0"/>
+          </a:p>
+          <a:p>
+            <a:endParaRPr lang="en-US" dirty="0"/>
+          </a:p>
+        </p:txBody>
+      </p:sp>
+    </p:spTree>
+    <p:extLst>
+      <p:ext uri="{BB962C8B-B14F-4D97-AF65-F5344CB8AC3E}">
+        <p14:creationId xmlns:p14="http://schemas.microsoft.com/office/powerpoint/2010/main" val="855646647"/>
+      </p:ext>
+    </p:extLst>
+  </p:cSld>
+  <p:clrMapOvr>
+    <a:masterClrMapping/>
+  </p:clrMapOvr>
+</p:sld>
+</file>
+
+<file path=ppt/slides/slide13.xml><?xml version="1.0" encoding="utf-8"?>
+<p:sld xmlns:a="http://schemas.openxmlformats.org/drawingml/2006/main" xmlns:r="http://schemas.openxmlformats.org/officeDocument/2006/relationships" xmlns:p="http://schemas.openxmlformats.org/presentationml/2006/main">
+  <p:cSld>
+    <p:spTree>
+      <p:nvGrpSpPr>
         <p:cNvPr id="1" name=""/>
         <p:cNvGrpSpPr/>
         <p:nvPr/>
@@ -20345,8 +21701,8 @@
         </p:nvSpPr>
         <p:spPr>
           <a:xfrm>
-            <a:off x="3111799" y="2355925"/>
-            <a:ext cx="5968301" cy="584775"/>
+            <a:off x="2381631" y="2456133"/>
+            <a:ext cx="7428637" cy="707886"/>
           </a:xfrm>
           <a:prstGeom prst="rect">
             <a:avLst/>
@@ -20360,7 +21716,7 @@
           <a:lstStyle/>
           <a:p>
             <a:r>
-              <a:rPr lang="en-US" sz="3200" dirty="0"/>
+              <a:rPr lang="en-US" sz="4000" dirty="0"/>
               <a:t>Fairness / Module 3 Questions?</a:t>
             </a:r>
           </a:p>
@@ -20379,7 +21735,7 @@
 </p:sld>
 </file>
 
-<file path=ppt/slides/slide12.xml><?xml version="1.0" encoding="utf-8"?>
+<file path=ppt/slides/slide14.xml><?xml version="1.0" encoding="utf-8"?>
 <p:sld xmlns:a="http://schemas.openxmlformats.org/drawingml/2006/main" xmlns:r="http://schemas.openxmlformats.org/officeDocument/2006/relationships" xmlns:p="http://schemas.openxmlformats.org/presentationml/2006/main">
   <p:cSld>
     <p:spTree>
@@ -20512,7 +21868,7 @@
 </p:sld>
 </file>
 
-<file path=ppt/slides/slide13.xml><?xml version="1.0" encoding="utf-8"?>
+<file path=ppt/slides/slide15.xml><?xml version="1.0" encoding="utf-8"?>
 <p:sld xmlns:a="http://schemas.openxmlformats.org/drawingml/2006/main" xmlns:r="http://schemas.openxmlformats.org/officeDocument/2006/relationships" xmlns:p="http://schemas.openxmlformats.org/presentationml/2006/main">
   <p:cSld>
     <p:spTree>
@@ -20641,7 +21997,7 @@
 </p:sld>
 </file>
 
-<file path=ppt/slides/slide14.xml><?xml version="1.0" encoding="utf-8"?>
+<file path=ppt/slides/slide16.xml><?xml version="1.0" encoding="utf-8"?>
 <p:sld xmlns:a="http://schemas.openxmlformats.org/drawingml/2006/main" xmlns:r="http://schemas.openxmlformats.org/officeDocument/2006/relationships" xmlns:p="http://schemas.openxmlformats.org/presentationml/2006/main">
   <p:cSld>
     <p:spTree>
@@ -20937,7 +22293,7 @@
 </p:sld>
 </file>
 
-<file path=ppt/slides/slide15.xml><?xml version="1.0" encoding="utf-8"?>
+<file path=ppt/slides/slide17.xml><?xml version="1.0" encoding="utf-8"?>
 <p:sld xmlns:a="http://schemas.openxmlformats.org/drawingml/2006/main" xmlns:r="http://schemas.openxmlformats.org/officeDocument/2006/relationships" xmlns:p="http://schemas.openxmlformats.org/presentationml/2006/main">
   <p:cSld>
     <p:spTree>
@@ -21001,6 +22357,84 @@
             </a:pPr>
             <a:r>
               <a:rPr lang="en-US" dirty="0"/>
+              <a:t>What is the purpose of doing field validation?</a:t>
+            </a:r>
+            <a:endParaRPr dirty="0"/>
+          </a:p>
+        </p:txBody>
+      </p:sp>
+    </p:spTree>
+  </p:cSld>
+  <p:clrMapOvr>
+    <a:masterClrMapping/>
+  </p:clrMapOvr>
+</p:sld>
+</file>
+
+<file path=ppt/slides/slide18.xml><?xml version="1.0" encoding="utf-8"?>
+<p:sld xmlns:a="http://schemas.openxmlformats.org/drawingml/2006/main" xmlns:r="http://schemas.openxmlformats.org/officeDocument/2006/relationships" xmlns:p="http://schemas.openxmlformats.org/presentationml/2006/main">
+  <p:cSld>
+    <p:spTree>
+      <p:nvGrpSpPr>
+        <p:cNvPr id="1" name="Shape 257"/>
+        <p:cNvGrpSpPr/>
+        <p:nvPr/>
+      </p:nvGrpSpPr>
+      <p:grpSpPr>
+        <a:xfrm>
+          <a:off x="0" y="0"/>
+          <a:ext cx="0" cy="0"/>
+          <a:chOff x="0" y="0"/>
+          <a:chExt cx="0" cy="0"/>
+        </a:xfrm>
+      </p:grpSpPr>
+      <p:sp>
+        <p:nvSpPr>
+          <p:cNvPr id="258" name="Google Shape;258;p36"/>
+          <p:cNvSpPr txBox="1">
+            <a:spLocks noGrp="1"/>
+          </p:cNvSpPr>
+          <p:nvPr>
+            <p:ph type="title"/>
+          </p:nvPr>
+        </p:nvSpPr>
+        <p:spPr>
+          <a:xfrm>
+            <a:off x="415600" y="86563"/>
+            <a:ext cx="11360700" cy="763500"/>
+          </a:xfrm>
+          <a:prstGeom prst="rect">
+            <a:avLst/>
+          </a:prstGeom>
+          <a:noFill/>
+          <a:ln>
+            <a:noFill/>
+          </a:ln>
+        </p:spPr>
+        <p:txBody>
+          <a:bodyPr spcFirstLastPara="1" wrap="square" lIns="121900" tIns="121900" rIns="121900" bIns="121900" anchor="t" anchorCtr="0">
+            <a:noAutofit/>
+          </a:bodyPr>
+          <a:lstStyle/>
+          <a:p>
+            <a:pPr marL="0" lvl="0" indent="0" algn="l" rtl="0">
+              <a:lnSpc>
+                <a:spcPct val="100000"/>
+              </a:lnSpc>
+              <a:spcBef>
+                <a:spcPts val="0"/>
+              </a:spcBef>
+              <a:spcAft>
+                <a:spcPts val="0"/>
+              </a:spcAft>
+              <a:buClr>
+                <a:srgbClr val="FFFFFF"/>
+              </a:buClr>
+              <a:buSzPts val="3700"/>
+              <a:buNone/>
+            </a:pPr>
+            <a:r>
+              <a:rPr lang="en-US" dirty="0"/>
               <a:t>Field Validation: Beyond A/B Testing</a:t>
             </a:r>
             <a:endParaRPr dirty="0"/>
@@ -21153,6 +22587,11 @@
         </p:txBody>
       </p:sp>
     </p:spTree>
+    <p:extLst>
+      <p:ext uri="{BB962C8B-B14F-4D97-AF65-F5344CB8AC3E}">
+        <p14:creationId xmlns:p14="http://schemas.microsoft.com/office/powerpoint/2010/main" val="2080530178"/>
+      </p:ext>
+    </p:extLst>
   </p:cSld>
   <p:clrMapOvr>
     <a:masterClrMapping/>
@@ -21536,7 +22975,7 @@
 </p:sld>
 </file>
 
-<file path=ppt/slides/slide16.xml><?xml version="1.0" encoding="utf-8"?>
+<file path=ppt/slides/slide19.xml><?xml version="1.0" encoding="utf-8"?>
 <p:sld xmlns:a="http://schemas.openxmlformats.org/drawingml/2006/main" xmlns:r="http://schemas.openxmlformats.org/officeDocument/2006/relationships" xmlns:p="http://schemas.openxmlformats.org/presentationml/2006/main">
   <p:cSld>
     <p:spTree>
@@ -21641,7 +23080,132 @@
 </p:sld>
 </file>
 
-<file path=ppt/slides/slide17.xml><?xml version="1.0" encoding="utf-8"?>
+<file path=ppt/slides/slide2.xml><?xml version="1.0" encoding="utf-8"?>
+<p:sld xmlns:a="http://schemas.openxmlformats.org/drawingml/2006/main" xmlns:r="http://schemas.openxmlformats.org/officeDocument/2006/relationships" xmlns:p="http://schemas.openxmlformats.org/presentationml/2006/main">
+  <p:cSld>
+    <p:spTree>
+      <p:nvGrpSpPr>
+        <p:cNvPr id="1" name=""/>
+        <p:cNvGrpSpPr/>
+        <p:nvPr/>
+      </p:nvGrpSpPr>
+      <p:grpSpPr>
+        <a:xfrm>
+          <a:off x="0" y="0"/>
+          <a:ext cx="0" cy="0"/>
+          <a:chOff x="0" y="0"/>
+          <a:chExt cx="0" cy="0"/>
+        </a:xfrm>
+      </p:grpSpPr>
+      <p:sp>
+        <p:nvSpPr>
+          <p:cNvPr id="3" name="Title 2">
+            <a:extLst>
+              <a:ext uri="{FF2B5EF4-FFF2-40B4-BE49-F238E27FC236}">
+                <a16:creationId xmlns:a16="http://schemas.microsoft.com/office/drawing/2014/main" id="{9323871C-7CA8-1448-8FFC-1AE6E1838941}"/>
+              </a:ext>
+            </a:extLst>
+          </p:cNvPr>
+          <p:cNvSpPr>
+            <a:spLocks noGrp="1"/>
+          </p:cNvSpPr>
+          <p:nvPr>
+            <p:ph type="title"/>
+          </p:nvPr>
+        </p:nvSpPr>
+        <p:spPr/>
+        <p:txBody>
+          <a:bodyPr/>
+          <a:lstStyle/>
+          <a:p>
+            <a:r>
+              <a:rPr lang="en-US" dirty="0"/>
+              <a:t>Reminders</a:t>
+            </a:r>
+          </a:p>
+        </p:txBody>
+      </p:sp>
+      <p:sp>
+        <p:nvSpPr>
+          <p:cNvPr id="5" name="Text Placeholder 4">
+            <a:extLst>
+              <a:ext uri="{FF2B5EF4-FFF2-40B4-BE49-F238E27FC236}">
+                <a16:creationId xmlns:a16="http://schemas.microsoft.com/office/drawing/2014/main" id="{F4E0A5F0-1D89-954D-91FB-596CD9E690F2}"/>
+              </a:ext>
+            </a:extLst>
+          </p:cNvPr>
+          <p:cNvSpPr>
+            <a:spLocks noGrp="1"/>
+          </p:cNvSpPr>
+          <p:nvPr>
+            <p:ph type="body" idx="1"/>
+          </p:nvPr>
+        </p:nvSpPr>
+        <p:spPr/>
+        <p:txBody>
+          <a:bodyPr/>
+          <a:lstStyle/>
+          <a:p>
+            <a:pPr marL="76200" indent="0">
+              <a:buNone/>
+            </a:pPr>
+            <a:r>
+              <a:rPr lang="en-US" b="1" dirty="0"/>
+              <a:t>Coming up next week:</a:t>
+            </a:r>
+          </a:p>
+          <a:p>
+            <a:r>
+              <a:rPr lang="en-US" dirty="0"/>
+              <a:t>Module 3 Presentations – Preprocessing</a:t>
+            </a:r>
+          </a:p>
+          <a:p>
+            <a:pPr marL="76200" indent="0">
+              <a:buNone/>
+            </a:pPr>
+            <a:endParaRPr lang="en-US" dirty="0"/>
+          </a:p>
+          <a:p>
+            <a:pPr marL="76200" indent="0">
+              <a:buNone/>
+            </a:pPr>
+            <a:r>
+              <a:rPr lang="en-US" b="1" dirty="0"/>
+              <a:t>Coming up the following week:</a:t>
+            </a:r>
+          </a:p>
+          <a:p>
+            <a:r>
+              <a:rPr lang="en-US" dirty="0"/>
+              <a:t>Module 3 Presentation Recordings (no class meetings)</a:t>
+            </a:r>
+          </a:p>
+          <a:p>
+            <a:pPr marL="76200" indent="0">
+              <a:buNone/>
+            </a:pPr>
+            <a:endParaRPr lang="en-US" dirty="0"/>
+          </a:p>
+          <a:p>
+            <a:endParaRPr lang="en-US" dirty="0"/>
+          </a:p>
+        </p:txBody>
+      </p:sp>
+    </p:spTree>
+    <p:extLst>
+      <p:ext uri="{BB962C8B-B14F-4D97-AF65-F5344CB8AC3E}">
+        <p14:creationId xmlns:p14="http://schemas.microsoft.com/office/powerpoint/2010/main" val="1921918501"/>
+      </p:ext>
+    </p:extLst>
+  </p:cSld>
+  <p:clrMapOvr>
+    <a:masterClrMapping/>
+  </p:clrMapOvr>
+</p:sld>
+</file>
+
+<file path=ppt/slides/slide20.xml><?xml version="1.0" encoding="utf-8"?>
 <p:sld xmlns:a="http://schemas.openxmlformats.org/drawingml/2006/main" xmlns:r="http://schemas.openxmlformats.org/officeDocument/2006/relationships" xmlns:p="http://schemas.openxmlformats.org/presentationml/2006/main">
   <p:cSld>
     <p:spTree>
@@ -21943,7 +23507,7 @@
 </p:sld>
 </file>
 
-<file path=ppt/slides/slide18.xml><?xml version="1.0" encoding="utf-8"?>
+<file path=ppt/slides/slide21.xml><?xml version="1.0" encoding="utf-8"?>
 <p:sld xmlns:a="http://schemas.openxmlformats.org/drawingml/2006/main" xmlns:r="http://schemas.openxmlformats.org/officeDocument/2006/relationships" xmlns:p="http://schemas.openxmlformats.org/presentationml/2006/main">
   <p:cSld>
     <p:spTree>
@@ -22367,7 +23931,7 @@
 </p:sld>
 </file>
 
-<file path=ppt/slides/slide19.xml><?xml version="1.0" encoding="utf-8"?>
+<file path=ppt/slides/slide22.xml><?xml version="1.0" encoding="utf-8"?>
 <p:sld xmlns:a="http://schemas.openxmlformats.org/drawingml/2006/main" xmlns:r="http://schemas.openxmlformats.org/officeDocument/2006/relationships" xmlns:p="http://schemas.openxmlformats.org/presentationml/2006/main">
   <p:cSld>
     <p:spTree>
@@ -22857,137 +24421,7 @@
 </p:sld>
 </file>
 
-<file path=ppt/slides/slide2.xml><?xml version="1.0" encoding="utf-8"?>
-<p:sld xmlns:a="http://schemas.openxmlformats.org/drawingml/2006/main" xmlns:r="http://schemas.openxmlformats.org/officeDocument/2006/relationships" xmlns:p="http://schemas.openxmlformats.org/presentationml/2006/main">
-  <p:cSld>
-    <p:spTree>
-      <p:nvGrpSpPr>
-        <p:cNvPr id="1" name=""/>
-        <p:cNvGrpSpPr/>
-        <p:nvPr/>
-      </p:nvGrpSpPr>
-      <p:grpSpPr>
-        <a:xfrm>
-          <a:off x="0" y="0"/>
-          <a:ext cx="0" cy="0"/>
-          <a:chOff x="0" y="0"/>
-          <a:chExt cx="0" cy="0"/>
-        </a:xfrm>
-      </p:grpSpPr>
-      <p:sp>
-        <p:nvSpPr>
-          <p:cNvPr id="3" name="Title 2">
-            <a:extLst>
-              <a:ext uri="{FF2B5EF4-FFF2-40B4-BE49-F238E27FC236}">
-                <a16:creationId xmlns:a16="http://schemas.microsoft.com/office/drawing/2014/main" id="{9323871C-7CA8-1448-8FFC-1AE6E1838941}"/>
-              </a:ext>
-            </a:extLst>
-          </p:cNvPr>
-          <p:cNvSpPr>
-            <a:spLocks noGrp="1"/>
-          </p:cNvSpPr>
-          <p:nvPr>
-            <p:ph type="title"/>
-          </p:nvPr>
-        </p:nvSpPr>
-        <p:spPr/>
-        <p:txBody>
-          <a:bodyPr/>
-          <a:lstStyle/>
-          <a:p>
-            <a:r>
-              <a:rPr lang="en-US" dirty="0"/>
-              <a:t>Reminders</a:t>
-            </a:r>
-          </a:p>
-        </p:txBody>
-      </p:sp>
-      <p:sp>
-        <p:nvSpPr>
-          <p:cNvPr id="5" name="Text Placeholder 4">
-            <a:extLst>
-              <a:ext uri="{FF2B5EF4-FFF2-40B4-BE49-F238E27FC236}">
-                <a16:creationId xmlns:a16="http://schemas.microsoft.com/office/drawing/2014/main" id="{F4E0A5F0-1D89-954D-91FB-596CD9E690F2}"/>
-              </a:ext>
-            </a:extLst>
-          </p:cNvPr>
-          <p:cNvSpPr>
-            <a:spLocks noGrp="1"/>
-          </p:cNvSpPr>
-          <p:nvPr>
-            <p:ph type="body" idx="1"/>
-          </p:nvPr>
-        </p:nvSpPr>
-        <p:spPr/>
-        <p:txBody>
-          <a:bodyPr/>
-          <a:lstStyle/>
-          <a:p>
-            <a:pPr marL="76200" indent="0">
-              <a:buNone/>
-            </a:pPr>
-            <a:r>
-              <a:rPr lang="en-US" b="1" dirty="0"/>
-              <a:t>This week:</a:t>
-            </a:r>
-            <a:endParaRPr lang="en-US" dirty="0"/>
-          </a:p>
-          <a:p>
-            <a:r>
-              <a:rPr lang="en-US" dirty="0">
-                <a:solidFill>
-                  <a:srgbClr val="FF0000"/>
-                </a:solidFill>
-              </a:rPr>
-              <a:t>Rescheduling Pre-Processing Presentations to Nov 23</a:t>
-            </a:r>
-          </a:p>
-          <a:p>
-            <a:pPr marL="76200" indent="0">
-              <a:buNone/>
-            </a:pPr>
-            <a:endParaRPr lang="en-US" dirty="0"/>
-          </a:p>
-          <a:p>
-            <a:pPr marL="76200" indent="0">
-              <a:buNone/>
-            </a:pPr>
-            <a:r>
-              <a:rPr lang="en-US" b="1" dirty="0"/>
-              <a:t>Coming up next week:</a:t>
-            </a:r>
-          </a:p>
-          <a:p>
-            <a:r>
-              <a:rPr lang="en-US" dirty="0"/>
-              <a:t>Module 3 Presentations</a:t>
-            </a:r>
-          </a:p>
-          <a:p>
-            <a:pPr marL="76200" indent="0">
-              <a:buNone/>
-            </a:pPr>
-            <a:endParaRPr lang="en-US" dirty="0"/>
-          </a:p>
-          <a:p>
-            <a:endParaRPr lang="en-US" dirty="0"/>
-          </a:p>
-        </p:txBody>
-      </p:sp>
-    </p:spTree>
-    <p:extLst>
-      <p:ext uri="{BB962C8B-B14F-4D97-AF65-F5344CB8AC3E}">
-        <p14:creationId xmlns:p14="http://schemas.microsoft.com/office/powerpoint/2010/main" val="554123417"/>
-      </p:ext>
-    </p:extLst>
-  </p:cSld>
-  <p:clrMapOvr>
-    <a:masterClrMapping/>
-  </p:clrMapOvr>
-</p:sld>
-</file>
-
-<file path=ppt/slides/slide20.xml><?xml version="1.0" encoding="utf-8"?>
+<file path=ppt/slides/slide23.xml><?xml version="1.0" encoding="utf-8"?>
 <p:sld xmlns:a="http://schemas.openxmlformats.org/drawingml/2006/main" xmlns:r="http://schemas.openxmlformats.org/officeDocument/2006/relationships" xmlns:p="http://schemas.openxmlformats.org/presentationml/2006/main">
   <p:cSld>
     <p:spTree>
@@ -23155,7 +24589,7 @@
 </p:sld>
 </file>
 
-<file path=ppt/slides/slide21.xml><?xml version="1.0" encoding="utf-8"?>
+<file path=ppt/slides/slide24.xml><?xml version="1.0" encoding="utf-8"?>
 <p:sld xmlns:a="http://schemas.openxmlformats.org/drawingml/2006/main" xmlns:r="http://schemas.openxmlformats.org/officeDocument/2006/relationships" xmlns:p="http://schemas.openxmlformats.org/presentationml/2006/main">
   <p:cSld>
     <p:spTree>
@@ -23637,7 +25071,7 @@
 </p:sld>
 </file>
 
-<file path=ppt/slides/slide22.xml><?xml version="1.0" encoding="utf-8"?>
+<file path=ppt/slides/slide25.xml><?xml version="1.0" encoding="utf-8"?>
 <p:sld xmlns:a="http://schemas.openxmlformats.org/drawingml/2006/main" xmlns:r="http://schemas.openxmlformats.org/officeDocument/2006/relationships" xmlns:p="http://schemas.openxmlformats.org/presentationml/2006/main">
   <p:cSld>
     <p:spTree>
@@ -24119,7 +25553,7 @@
 </p:sld>
 </file>
 
-<file path=ppt/slides/slide23.xml><?xml version="1.0" encoding="utf-8"?>
+<file path=ppt/slides/slide26.xml><?xml version="1.0" encoding="utf-8"?>
 <p:sld xmlns:a="http://schemas.openxmlformats.org/drawingml/2006/main" xmlns:r="http://schemas.openxmlformats.org/officeDocument/2006/relationships" xmlns:p="http://schemas.openxmlformats.org/presentationml/2006/main">
   <p:cSld>
     <p:spTree>
@@ -24551,7 +25985,5876 @@
 </p:sld>
 </file>
 
-<file path=ppt/slides/slide24.xml><?xml version="1.0" encoding="utf-8"?>
+<file path=ppt/slides/slide27.xml><?xml version="1.0" encoding="utf-8"?>
+<p:sld xmlns:a="http://schemas.openxmlformats.org/drawingml/2006/main" xmlns:r="http://schemas.openxmlformats.org/officeDocument/2006/relationships" xmlns:p="http://schemas.openxmlformats.org/presentationml/2006/main">
+  <p:cSld>
+    <p:spTree>
+      <p:nvGrpSpPr>
+        <p:cNvPr id="1" name="Shape 1225"/>
+        <p:cNvGrpSpPr/>
+        <p:nvPr/>
+      </p:nvGrpSpPr>
+      <p:grpSpPr>
+        <a:xfrm>
+          <a:off x="0" y="0"/>
+          <a:ext cx="0" cy="0"/>
+          <a:chOff x="0" y="0"/>
+          <a:chExt cx="0" cy="0"/>
+        </a:xfrm>
+      </p:grpSpPr>
+      <p:sp>
+        <p:nvSpPr>
+          <p:cNvPr id="1226" name="Google Shape;1226;p142"/>
+          <p:cNvSpPr txBox="1">
+            <a:spLocks noGrp="1"/>
+          </p:cNvSpPr>
+          <p:nvPr>
+            <p:ph type="title"/>
+          </p:nvPr>
+        </p:nvSpPr>
+        <p:spPr>
+          <a:prstGeom prst="rect">
+            <a:avLst/>
+          </a:prstGeom>
+        </p:spPr>
+        <p:txBody>
+          <a:bodyPr spcFirstLastPara="1" wrap="square" lIns="121900" tIns="121900" rIns="121900" bIns="121900" anchor="ctr" anchorCtr="0">
+            <a:noAutofit/>
+          </a:bodyPr>
+          <a:lstStyle/>
+          <a:p>
+            <a:r>
+              <a:rPr lang="en-US" sz="3200" dirty="0"/>
+              <a:t>CASE STUDY: Mental Health and Incarceration</a:t>
+            </a:r>
+            <a:endParaRPr sz="3200" dirty="0"/>
+          </a:p>
+        </p:txBody>
+      </p:sp>
+      <p:sp>
+        <p:nvSpPr>
+          <p:cNvPr id="14" name="Google Shape;63;p9">
+            <a:extLst>
+              <a:ext uri="{FF2B5EF4-FFF2-40B4-BE49-F238E27FC236}">
+                <a16:creationId xmlns:a16="http://schemas.microsoft.com/office/drawing/2014/main" id="{101348C2-B86F-FD43-A555-E138761C408A}"/>
+              </a:ext>
+            </a:extLst>
+          </p:cNvPr>
+          <p:cNvSpPr/>
+          <p:nvPr/>
+        </p:nvSpPr>
+        <p:spPr>
+          <a:xfrm>
+            <a:off x="1382184" y="2163433"/>
+            <a:ext cx="2036000" cy="1173600"/>
+          </a:xfrm>
+          <a:prstGeom prst="rect">
+            <a:avLst/>
+          </a:prstGeom>
+          <a:solidFill>
+            <a:schemeClr val="lt2"/>
+          </a:solidFill>
+          <a:ln w="9525" cap="flat" cmpd="sng">
+            <a:solidFill>
+              <a:schemeClr val="dk2"/>
+            </a:solidFill>
+            <a:prstDash val="solid"/>
+            <a:round/>
+            <a:headEnd type="none" w="sm" len="sm"/>
+            <a:tailEnd type="none" w="sm" len="sm"/>
+          </a:ln>
+        </p:spPr>
+        <p:txBody>
+          <a:bodyPr spcFirstLastPara="1" wrap="square" lIns="121900" tIns="121900" rIns="121900" bIns="121900" anchor="ctr" anchorCtr="0">
+            <a:noAutofit/>
+          </a:bodyPr>
+          <a:lstStyle/>
+          <a:p>
+            <a:pPr algn="ctr"/>
+            <a:r>
+              <a:rPr lang="en" sz="1867">
+                <a:latin typeface="Century Gothic"/>
+                <a:ea typeface="Century Gothic"/>
+                <a:cs typeface="Century Gothic"/>
+                <a:sym typeface="Century Gothic"/>
+              </a:rPr>
+              <a:t>UNMET</a:t>
+            </a:r>
+            <a:endParaRPr sz="1867">
+              <a:latin typeface="Century Gothic"/>
+              <a:ea typeface="Century Gothic"/>
+              <a:cs typeface="Century Gothic"/>
+              <a:sym typeface="Century Gothic"/>
+            </a:endParaRPr>
+          </a:p>
+          <a:p>
+            <a:pPr algn="ctr"/>
+            <a:r>
+              <a:rPr lang="en" sz="1867">
+                <a:latin typeface="Century Gothic"/>
+                <a:ea typeface="Century Gothic"/>
+                <a:cs typeface="Century Gothic"/>
+                <a:sym typeface="Century Gothic"/>
+              </a:rPr>
+              <a:t>NEEDS</a:t>
+            </a:r>
+            <a:endParaRPr sz="1867">
+              <a:latin typeface="Century Gothic"/>
+              <a:ea typeface="Century Gothic"/>
+              <a:cs typeface="Century Gothic"/>
+              <a:sym typeface="Century Gothic"/>
+            </a:endParaRPr>
+          </a:p>
+        </p:txBody>
+      </p:sp>
+      <p:sp>
+        <p:nvSpPr>
+          <p:cNvPr id="15" name="Google Shape;64;p9">
+            <a:extLst>
+              <a:ext uri="{FF2B5EF4-FFF2-40B4-BE49-F238E27FC236}">
+                <a16:creationId xmlns:a16="http://schemas.microsoft.com/office/drawing/2014/main" id="{90B171BF-4614-864D-AD83-2EAB6E0F4918}"/>
+              </a:ext>
+            </a:extLst>
+          </p:cNvPr>
+          <p:cNvSpPr/>
+          <p:nvPr/>
+        </p:nvSpPr>
+        <p:spPr>
+          <a:xfrm>
+            <a:off x="5078000" y="2163433"/>
+            <a:ext cx="2036000" cy="1173600"/>
+          </a:xfrm>
+          <a:prstGeom prst="rect">
+            <a:avLst/>
+          </a:prstGeom>
+          <a:solidFill>
+            <a:schemeClr val="lt2"/>
+          </a:solidFill>
+          <a:ln w="9525" cap="flat" cmpd="sng">
+            <a:solidFill>
+              <a:schemeClr val="dk2"/>
+            </a:solidFill>
+            <a:prstDash val="solid"/>
+            <a:round/>
+            <a:headEnd type="none" w="sm" len="sm"/>
+            <a:tailEnd type="none" w="sm" len="sm"/>
+          </a:ln>
+        </p:spPr>
+        <p:txBody>
+          <a:bodyPr spcFirstLastPara="1" wrap="square" lIns="121900" tIns="121900" rIns="121900" bIns="121900" anchor="ctr" anchorCtr="0">
+            <a:noAutofit/>
+          </a:bodyPr>
+          <a:lstStyle/>
+          <a:p>
+            <a:pPr algn="ctr"/>
+            <a:r>
+              <a:rPr lang="en" sz="1867">
+                <a:latin typeface="Century Gothic"/>
+                <a:ea typeface="Century Gothic"/>
+                <a:cs typeface="Century Gothic"/>
+                <a:sym typeface="Century Gothic"/>
+              </a:rPr>
+              <a:t>MISDEMEANOR</a:t>
+            </a:r>
+            <a:endParaRPr sz="1867">
+              <a:latin typeface="Century Gothic"/>
+              <a:ea typeface="Century Gothic"/>
+              <a:cs typeface="Century Gothic"/>
+              <a:sym typeface="Century Gothic"/>
+            </a:endParaRPr>
+          </a:p>
+          <a:p>
+            <a:pPr algn="ctr"/>
+            <a:r>
+              <a:rPr lang="en" sz="1867">
+                <a:latin typeface="Century Gothic"/>
+                <a:ea typeface="Century Gothic"/>
+                <a:cs typeface="Century Gothic"/>
+                <a:sym typeface="Century Gothic"/>
+              </a:rPr>
+              <a:t>ARREST</a:t>
+            </a:r>
+            <a:endParaRPr sz="1867">
+              <a:latin typeface="Century Gothic"/>
+              <a:ea typeface="Century Gothic"/>
+              <a:cs typeface="Century Gothic"/>
+              <a:sym typeface="Century Gothic"/>
+            </a:endParaRPr>
+          </a:p>
+        </p:txBody>
+      </p:sp>
+      <p:sp>
+        <p:nvSpPr>
+          <p:cNvPr id="16" name="Google Shape;65;p9">
+            <a:extLst>
+              <a:ext uri="{FF2B5EF4-FFF2-40B4-BE49-F238E27FC236}">
+                <a16:creationId xmlns:a16="http://schemas.microsoft.com/office/drawing/2014/main" id="{DF55D5B7-716B-6D45-B6C9-4C3F3598882F}"/>
+              </a:ext>
+            </a:extLst>
+          </p:cNvPr>
+          <p:cNvSpPr/>
+          <p:nvPr/>
+        </p:nvSpPr>
+        <p:spPr>
+          <a:xfrm>
+            <a:off x="8773817" y="2163433"/>
+            <a:ext cx="2036000" cy="1173600"/>
+          </a:xfrm>
+          <a:prstGeom prst="rect">
+            <a:avLst/>
+          </a:prstGeom>
+          <a:solidFill>
+            <a:schemeClr val="lt2"/>
+          </a:solidFill>
+          <a:ln w="9525" cap="flat" cmpd="sng">
+            <a:solidFill>
+              <a:schemeClr val="dk2"/>
+            </a:solidFill>
+            <a:prstDash val="solid"/>
+            <a:round/>
+            <a:headEnd type="none" w="sm" len="sm"/>
+            <a:tailEnd type="none" w="sm" len="sm"/>
+          </a:ln>
+        </p:spPr>
+        <p:txBody>
+          <a:bodyPr spcFirstLastPara="1" wrap="square" lIns="121900" tIns="121900" rIns="121900" bIns="121900" anchor="ctr" anchorCtr="0">
+            <a:noAutofit/>
+          </a:bodyPr>
+          <a:lstStyle/>
+          <a:p>
+            <a:pPr algn="ctr"/>
+            <a:r>
+              <a:rPr lang="en" sz="1867">
+                <a:latin typeface="Century Gothic"/>
+                <a:ea typeface="Century Gothic"/>
+                <a:cs typeface="Century Gothic"/>
+                <a:sym typeface="Century Gothic"/>
+              </a:rPr>
+              <a:t>JAIL</a:t>
+            </a:r>
+            <a:endParaRPr sz="1867">
+              <a:latin typeface="Century Gothic"/>
+              <a:ea typeface="Century Gothic"/>
+              <a:cs typeface="Century Gothic"/>
+              <a:sym typeface="Century Gothic"/>
+            </a:endParaRPr>
+          </a:p>
+        </p:txBody>
+      </p:sp>
+      <p:cxnSp>
+        <p:nvCxnSpPr>
+          <p:cNvPr id="17" name="Google Shape;66;p9">
+            <a:extLst>
+              <a:ext uri="{FF2B5EF4-FFF2-40B4-BE49-F238E27FC236}">
+                <a16:creationId xmlns:a16="http://schemas.microsoft.com/office/drawing/2014/main" id="{D7190CA9-3CAA-9C48-9722-3EA125A638DD}"/>
+              </a:ext>
+            </a:extLst>
+          </p:cNvPr>
+          <p:cNvCxnSpPr>
+            <a:stCxn id="14" idx="3"/>
+            <a:endCxn id="15" idx="1"/>
+          </p:cNvCxnSpPr>
+          <p:nvPr/>
+        </p:nvCxnSpPr>
+        <p:spPr>
+          <a:xfrm>
+            <a:off x="3418184" y="2750233"/>
+            <a:ext cx="1660000" cy="0"/>
+          </a:xfrm>
+          <a:prstGeom prst="straightConnector1">
+            <a:avLst/>
+          </a:prstGeom>
+          <a:noFill/>
+          <a:ln w="38100" cap="flat" cmpd="sng">
+            <a:solidFill>
+              <a:srgbClr val="000000"/>
+            </a:solidFill>
+            <a:prstDash val="solid"/>
+            <a:round/>
+            <a:headEnd type="none" w="med" len="med"/>
+            <a:tailEnd type="triangle" w="med" len="med"/>
+          </a:ln>
+        </p:spPr>
+      </p:cxnSp>
+      <p:cxnSp>
+        <p:nvCxnSpPr>
+          <p:cNvPr id="18" name="Google Shape;67;p9">
+            <a:extLst>
+              <a:ext uri="{FF2B5EF4-FFF2-40B4-BE49-F238E27FC236}">
+                <a16:creationId xmlns:a16="http://schemas.microsoft.com/office/drawing/2014/main" id="{A5B35F6F-F55D-834A-B034-67596A21B238}"/>
+              </a:ext>
+            </a:extLst>
+          </p:cNvPr>
+          <p:cNvCxnSpPr>
+            <a:stCxn id="15" idx="3"/>
+            <a:endCxn id="16" idx="1"/>
+          </p:cNvCxnSpPr>
+          <p:nvPr/>
+        </p:nvCxnSpPr>
+        <p:spPr>
+          <a:xfrm>
+            <a:off x="7114000" y="2750233"/>
+            <a:ext cx="1660000" cy="0"/>
+          </a:xfrm>
+          <a:prstGeom prst="straightConnector1">
+            <a:avLst/>
+          </a:prstGeom>
+          <a:noFill/>
+          <a:ln w="38100" cap="flat" cmpd="sng">
+            <a:solidFill>
+              <a:srgbClr val="000000"/>
+            </a:solidFill>
+            <a:prstDash val="solid"/>
+            <a:round/>
+            <a:headEnd type="none" w="med" len="med"/>
+            <a:tailEnd type="triangle" w="med" len="med"/>
+          </a:ln>
+        </p:spPr>
+      </p:cxnSp>
+      <p:cxnSp>
+        <p:nvCxnSpPr>
+          <p:cNvPr id="19" name="Google Shape;68;p9">
+            <a:extLst>
+              <a:ext uri="{FF2B5EF4-FFF2-40B4-BE49-F238E27FC236}">
+                <a16:creationId xmlns:a16="http://schemas.microsoft.com/office/drawing/2014/main" id="{02B36974-2DB9-264F-A114-77788DBC9A3A}"/>
+              </a:ext>
+            </a:extLst>
+          </p:cNvPr>
+          <p:cNvCxnSpPr>
+            <a:stCxn id="16" idx="2"/>
+            <a:endCxn id="14" idx="2"/>
+          </p:cNvCxnSpPr>
+          <p:nvPr/>
+        </p:nvCxnSpPr>
+        <p:spPr>
+          <a:xfrm rot="5400000">
+            <a:off x="6095617" y="-358367"/>
+            <a:ext cx="800" cy="7391600"/>
+          </a:xfrm>
+          <a:prstGeom prst="curvedConnector3">
+            <a:avLst>
+              <a:gd name="adj1" fmla="val 174991667"/>
+            </a:avLst>
+          </a:prstGeom>
+          <a:noFill/>
+          <a:ln w="38100" cap="flat" cmpd="sng">
+            <a:solidFill>
+              <a:srgbClr val="000000"/>
+            </a:solidFill>
+            <a:prstDash val="solid"/>
+            <a:round/>
+            <a:headEnd type="none" w="med" len="med"/>
+            <a:tailEnd type="triangle" w="med" len="med"/>
+          </a:ln>
+        </p:spPr>
+      </p:cxnSp>
+      <p:sp>
+        <p:nvSpPr>
+          <p:cNvPr id="20" name="Google Shape;70;p9">
+            <a:extLst>
+              <a:ext uri="{FF2B5EF4-FFF2-40B4-BE49-F238E27FC236}">
+                <a16:creationId xmlns:a16="http://schemas.microsoft.com/office/drawing/2014/main" id="{9CFFFC2A-EF74-6244-90BA-AE0EC1F84273}"/>
+              </a:ext>
+            </a:extLst>
+          </p:cNvPr>
+          <p:cNvSpPr txBox="1"/>
+          <p:nvPr/>
+        </p:nvSpPr>
+        <p:spPr>
+          <a:xfrm>
+            <a:off x="4029967" y="4736967"/>
+            <a:ext cx="4050400" cy="573600"/>
+          </a:xfrm>
+          <a:prstGeom prst="rect">
+            <a:avLst/>
+          </a:prstGeom>
+          <a:noFill/>
+          <a:ln>
+            <a:noFill/>
+          </a:ln>
+        </p:spPr>
+        <p:txBody>
+          <a:bodyPr spcFirstLastPara="1" wrap="square" lIns="121900" tIns="121900" rIns="121900" bIns="121900" anchor="t" anchorCtr="0">
+            <a:noAutofit/>
+          </a:bodyPr>
+          <a:lstStyle/>
+          <a:p>
+            <a:pPr algn="ctr"/>
+            <a:r>
+              <a:rPr lang="en" sz="1867">
+                <a:latin typeface="Century Gothic"/>
+                <a:ea typeface="Century Gothic"/>
+                <a:cs typeface="Century Gothic"/>
+                <a:sym typeface="Century Gothic"/>
+              </a:rPr>
+              <a:t>worsening or failing to improve</a:t>
+            </a:r>
+            <a:endParaRPr sz="1867">
+              <a:latin typeface="Century Gothic"/>
+              <a:ea typeface="Century Gothic"/>
+              <a:cs typeface="Century Gothic"/>
+              <a:sym typeface="Century Gothic"/>
+            </a:endParaRPr>
+          </a:p>
+        </p:txBody>
+      </p:sp>
+      <p:sp>
+        <p:nvSpPr>
+          <p:cNvPr id="21" name="Google Shape;69;p9">
+            <a:extLst>
+              <a:ext uri="{FF2B5EF4-FFF2-40B4-BE49-F238E27FC236}">
+                <a16:creationId xmlns:a16="http://schemas.microsoft.com/office/drawing/2014/main" id="{2EE88406-084C-7842-9ACA-C23A6C7E978E}"/>
+              </a:ext>
+            </a:extLst>
+          </p:cNvPr>
+          <p:cNvSpPr txBox="1"/>
+          <p:nvPr/>
+        </p:nvSpPr>
+        <p:spPr>
+          <a:xfrm>
+            <a:off x="415600" y="1145433"/>
+            <a:ext cx="11694000" cy="1018000"/>
+          </a:xfrm>
+          <a:prstGeom prst="rect">
+            <a:avLst/>
+          </a:prstGeom>
+          <a:noFill/>
+          <a:ln>
+            <a:noFill/>
+          </a:ln>
+        </p:spPr>
+        <p:txBody>
+          <a:bodyPr spcFirstLastPara="1" wrap="square" lIns="121900" tIns="121900" rIns="121900" bIns="121900" anchor="t" anchorCtr="0">
+            <a:noAutofit/>
+          </a:bodyPr>
+          <a:lstStyle/>
+          <a:p>
+            <a:pPr algn="ctr"/>
+            <a:r>
+              <a:rPr lang="en" sz="3200" dirty="0">
+                <a:latin typeface="Century Gothic"/>
+                <a:ea typeface="Century Gothic"/>
+                <a:cs typeface="Century Gothic"/>
+                <a:sym typeface="Century Gothic"/>
+              </a:rPr>
+              <a:t>Cycle of Incarceration</a:t>
+            </a:r>
+            <a:endParaRPr sz="3200" dirty="0">
+              <a:latin typeface="Century Gothic"/>
+              <a:ea typeface="Century Gothic"/>
+              <a:cs typeface="Century Gothic"/>
+              <a:sym typeface="Century Gothic"/>
+            </a:endParaRPr>
+          </a:p>
+        </p:txBody>
+      </p:sp>
+    </p:spTree>
+    <p:extLst>
+      <p:ext uri="{BB962C8B-B14F-4D97-AF65-F5344CB8AC3E}">
+        <p14:creationId xmlns:p14="http://schemas.microsoft.com/office/powerpoint/2010/main" val="2082171762"/>
+      </p:ext>
+    </p:extLst>
+  </p:cSld>
+  <p:clrMapOvr>
+    <a:masterClrMapping/>
+  </p:clrMapOvr>
+</p:sld>
+</file>
+
+<file path=ppt/slides/slide28.xml><?xml version="1.0" encoding="utf-8"?>
+<p:sld xmlns:a="http://schemas.openxmlformats.org/drawingml/2006/main" xmlns:r="http://schemas.openxmlformats.org/officeDocument/2006/relationships" xmlns:p="http://schemas.openxmlformats.org/presentationml/2006/main">
+  <p:cSld>
+    <p:spTree>
+      <p:nvGrpSpPr>
+        <p:cNvPr id="1" name="Shape 1225"/>
+        <p:cNvGrpSpPr/>
+        <p:nvPr/>
+      </p:nvGrpSpPr>
+      <p:grpSpPr>
+        <a:xfrm>
+          <a:off x="0" y="0"/>
+          <a:ext cx="0" cy="0"/>
+          <a:chOff x="0" y="0"/>
+          <a:chExt cx="0" cy="0"/>
+        </a:xfrm>
+      </p:grpSpPr>
+      <p:sp>
+        <p:nvSpPr>
+          <p:cNvPr id="1226" name="Google Shape;1226;p142"/>
+          <p:cNvSpPr txBox="1">
+            <a:spLocks noGrp="1"/>
+          </p:cNvSpPr>
+          <p:nvPr>
+            <p:ph type="title"/>
+          </p:nvPr>
+        </p:nvSpPr>
+        <p:spPr>
+          <a:prstGeom prst="rect">
+            <a:avLst/>
+          </a:prstGeom>
+        </p:spPr>
+        <p:txBody>
+          <a:bodyPr spcFirstLastPara="1" wrap="square" lIns="121900" tIns="121900" rIns="121900" bIns="121900" anchor="ctr" anchorCtr="0">
+            <a:noAutofit/>
+          </a:bodyPr>
+          <a:lstStyle/>
+          <a:p>
+            <a:r>
+              <a:rPr lang="en-US" sz="3200" dirty="0"/>
+              <a:t>CASE STUDY: Mental Health and Incarceration</a:t>
+            </a:r>
+            <a:endParaRPr sz="3200" dirty="0"/>
+          </a:p>
+        </p:txBody>
+      </p:sp>
+      <p:sp>
+        <p:nvSpPr>
+          <p:cNvPr id="21" name="Google Shape;69;p9">
+            <a:extLst>
+              <a:ext uri="{FF2B5EF4-FFF2-40B4-BE49-F238E27FC236}">
+                <a16:creationId xmlns:a16="http://schemas.microsoft.com/office/drawing/2014/main" id="{2EE88406-084C-7842-9ACA-C23A6C7E978E}"/>
+              </a:ext>
+            </a:extLst>
+          </p:cNvPr>
+          <p:cNvSpPr txBox="1"/>
+          <p:nvPr/>
+        </p:nvSpPr>
+        <p:spPr>
+          <a:xfrm>
+            <a:off x="415600" y="1145433"/>
+            <a:ext cx="11694000" cy="1018000"/>
+          </a:xfrm>
+          <a:prstGeom prst="rect">
+            <a:avLst/>
+          </a:prstGeom>
+          <a:noFill/>
+          <a:ln>
+            <a:noFill/>
+          </a:ln>
+        </p:spPr>
+        <p:txBody>
+          <a:bodyPr spcFirstLastPara="1" wrap="square" lIns="121900" tIns="121900" rIns="121900" bIns="121900" anchor="t" anchorCtr="0">
+            <a:noAutofit/>
+          </a:bodyPr>
+          <a:lstStyle/>
+          <a:p>
+            <a:pPr algn="ctr"/>
+            <a:r>
+              <a:rPr lang="en" sz="3200" dirty="0">
+                <a:latin typeface="Century Gothic"/>
+                <a:ea typeface="Century Gothic"/>
+                <a:cs typeface="Century Gothic"/>
+                <a:sym typeface="Century Gothic"/>
+              </a:rPr>
+              <a:t>Breaking the Cycle</a:t>
+            </a:r>
+            <a:endParaRPr sz="3200" dirty="0">
+              <a:latin typeface="Century Gothic"/>
+              <a:ea typeface="Century Gothic"/>
+              <a:cs typeface="Century Gothic"/>
+              <a:sym typeface="Century Gothic"/>
+            </a:endParaRPr>
+          </a:p>
+        </p:txBody>
+      </p:sp>
+      <p:sp>
+        <p:nvSpPr>
+          <p:cNvPr id="12" name="Google Shape;75;p10">
+            <a:extLst>
+              <a:ext uri="{FF2B5EF4-FFF2-40B4-BE49-F238E27FC236}">
+                <a16:creationId xmlns:a16="http://schemas.microsoft.com/office/drawing/2014/main" id="{8C379909-E112-AF40-AB06-F3DCE0D1D789}"/>
+              </a:ext>
+            </a:extLst>
+          </p:cNvPr>
+          <p:cNvSpPr/>
+          <p:nvPr/>
+        </p:nvSpPr>
+        <p:spPr>
+          <a:xfrm>
+            <a:off x="1382184" y="2163433"/>
+            <a:ext cx="2036000" cy="1173600"/>
+          </a:xfrm>
+          <a:prstGeom prst="rect">
+            <a:avLst/>
+          </a:prstGeom>
+          <a:solidFill>
+            <a:schemeClr val="lt2"/>
+          </a:solidFill>
+          <a:ln w="9525" cap="flat" cmpd="sng">
+            <a:solidFill>
+              <a:schemeClr val="dk2"/>
+            </a:solidFill>
+            <a:prstDash val="solid"/>
+            <a:round/>
+            <a:headEnd type="none" w="sm" len="sm"/>
+            <a:tailEnd type="none" w="sm" len="sm"/>
+          </a:ln>
+        </p:spPr>
+        <p:txBody>
+          <a:bodyPr spcFirstLastPara="1" wrap="square" lIns="121900" tIns="121900" rIns="121900" bIns="121900" anchor="ctr" anchorCtr="0">
+            <a:noAutofit/>
+          </a:bodyPr>
+          <a:lstStyle/>
+          <a:p>
+            <a:pPr algn="ctr"/>
+            <a:r>
+              <a:rPr lang="en" sz="1867">
+                <a:latin typeface="Century Gothic"/>
+                <a:ea typeface="Century Gothic"/>
+                <a:cs typeface="Century Gothic"/>
+                <a:sym typeface="Century Gothic"/>
+              </a:rPr>
+              <a:t>UNMET</a:t>
+            </a:r>
+            <a:endParaRPr sz="1867">
+              <a:latin typeface="Century Gothic"/>
+              <a:ea typeface="Century Gothic"/>
+              <a:cs typeface="Century Gothic"/>
+              <a:sym typeface="Century Gothic"/>
+            </a:endParaRPr>
+          </a:p>
+          <a:p>
+            <a:pPr algn="ctr"/>
+            <a:r>
+              <a:rPr lang="en" sz="1867">
+                <a:latin typeface="Century Gothic"/>
+                <a:ea typeface="Century Gothic"/>
+                <a:cs typeface="Century Gothic"/>
+                <a:sym typeface="Century Gothic"/>
+              </a:rPr>
+              <a:t>NEEDS</a:t>
+            </a:r>
+            <a:endParaRPr sz="1867">
+              <a:latin typeface="Century Gothic"/>
+              <a:ea typeface="Century Gothic"/>
+              <a:cs typeface="Century Gothic"/>
+              <a:sym typeface="Century Gothic"/>
+            </a:endParaRPr>
+          </a:p>
+        </p:txBody>
+      </p:sp>
+      <p:sp>
+        <p:nvSpPr>
+          <p:cNvPr id="13" name="Google Shape;76;p10">
+            <a:extLst>
+              <a:ext uri="{FF2B5EF4-FFF2-40B4-BE49-F238E27FC236}">
+                <a16:creationId xmlns:a16="http://schemas.microsoft.com/office/drawing/2014/main" id="{6B36B48D-D911-014D-8726-16E92C35FEF1}"/>
+              </a:ext>
+            </a:extLst>
+          </p:cNvPr>
+          <p:cNvSpPr/>
+          <p:nvPr/>
+        </p:nvSpPr>
+        <p:spPr>
+          <a:xfrm>
+            <a:off x="5078000" y="2163433"/>
+            <a:ext cx="2036000" cy="1173600"/>
+          </a:xfrm>
+          <a:prstGeom prst="rect">
+            <a:avLst/>
+          </a:prstGeom>
+          <a:solidFill>
+            <a:schemeClr val="lt2"/>
+          </a:solidFill>
+          <a:ln w="9525" cap="flat" cmpd="sng">
+            <a:solidFill>
+              <a:schemeClr val="dk2"/>
+            </a:solidFill>
+            <a:prstDash val="solid"/>
+            <a:round/>
+            <a:headEnd type="none" w="sm" len="sm"/>
+            <a:tailEnd type="none" w="sm" len="sm"/>
+          </a:ln>
+        </p:spPr>
+        <p:txBody>
+          <a:bodyPr spcFirstLastPara="1" wrap="square" lIns="121900" tIns="121900" rIns="121900" bIns="121900" anchor="ctr" anchorCtr="0">
+            <a:noAutofit/>
+          </a:bodyPr>
+          <a:lstStyle/>
+          <a:p>
+            <a:pPr algn="ctr"/>
+            <a:r>
+              <a:rPr lang="en" sz="1867">
+                <a:latin typeface="Century Gothic"/>
+                <a:ea typeface="Century Gothic"/>
+                <a:cs typeface="Century Gothic"/>
+                <a:sym typeface="Century Gothic"/>
+              </a:rPr>
+              <a:t>MISDEMEANOR</a:t>
+            </a:r>
+            <a:endParaRPr sz="1867">
+              <a:latin typeface="Century Gothic"/>
+              <a:ea typeface="Century Gothic"/>
+              <a:cs typeface="Century Gothic"/>
+              <a:sym typeface="Century Gothic"/>
+            </a:endParaRPr>
+          </a:p>
+          <a:p>
+            <a:pPr algn="ctr"/>
+            <a:r>
+              <a:rPr lang="en" sz="1867">
+                <a:latin typeface="Century Gothic"/>
+                <a:ea typeface="Century Gothic"/>
+                <a:cs typeface="Century Gothic"/>
+                <a:sym typeface="Century Gothic"/>
+              </a:rPr>
+              <a:t>ARREST</a:t>
+            </a:r>
+            <a:endParaRPr sz="1867">
+              <a:latin typeface="Century Gothic"/>
+              <a:ea typeface="Century Gothic"/>
+              <a:cs typeface="Century Gothic"/>
+              <a:sym typeface="Century Gothic"/>
+            </a:endParaRPr>
+          </a:p>
+        </p:txBody>
+      </p:sp>
+      <p:sp>
+        <p:nvSpPr>
+          <p:cNvPr id="22" name="Google Shape;77;p10">
+            <a:extLst>
+              <a:ext uri="{FF2B5EF4-FFF2-40B4-BE49-F238E27FC236}">
+                <a16:creationId xmlns:a16="http://schemas.microsoft.com/office/drawing/2014/main" id="{526C5470-8DB2-D149-BBE7-E072920510D1}"/>
+              </a:ext>
+            </a:extLst>
+          </p:cNvPr>
+          <p:cNvSpPr/>
+          <p:nvPr/>
+        </p:nvSpPr>
+        <p:spPr>
+          <a:xfrm>
+            <a:off x="8773817" y="2163433"/>
+            <a:ext cx="2036000" cy="1173600"/>
+          </a:xfrm>
+          <a:prstGeom prst="rect">
+            <a:avLst/>
+          </a:prstGeom>
+          <a:solidFill>
+            <a:schemeClr val="lt2"/>
+          </a:solidFill>
+          <a:ln w="9525" cap="flat" cmpd="sng">
+            <a:solidFill>
+              <a:schemeClr val="dk2"/>
+            </a:solidFill>
+            <a:prstDash val="solid"/>
+            <a:round/>
+            <a:headEnd type="none" w="sm" len="sm"/>
+            <a:tailEnd type="none" w="sm" len="sm"/>
+          </a:ln>
+        </p:spPr>
+        <p:txBody>
+          <a:bodyPr spcFirstLastPara="1" wrap="square" lIns="121900" tIns="121900" rIns="121900" bIns="121900" anchor="ctr" anchorCtr="0">
+            <a:noAutofit/>
+          </a:bodyPr>
+          <a:lstStyle/>
+          <a:p>
+            <a:pPr algn="ctr"/>
+            <a:r>
+              <a:rPr lang="en" sz="1867">
+                <a:latin typeface="Century Gothic"/>
+                <a:ea typeface="Century Gothic"/>
+                <a:cs typeface="Century Gothic"/>
+                <a:sym typeface="Century Gothic"/>
+              </a:rPr>
+              <a:t>JAIL</a:t>
+            </a:r>
+            <a:endParaRPr sz="1867">
+              <a:latin typeface="Century Gothic"/>
+              <a:ea typeface="Century Gothic"/>
+              <a:cs typeface="Century Gothic"/>
+              <a:sym typeface="Century Gothic"/>
+            </a:endParaRPr>
+          </a:p>
+        </p:txBody>
+      </p:sp>
+      <p:cxnSp>
+        <p:nvCxnSpPr>
+          <p:cNvPr id="23" name="Google Shape;78;p10">
+            <a:extLst>
+              <a:ext uri="{FF2B5EF4-FFF2-40B4-BE49-F238E27FC236}">
+                <a16:creationId xmlns:a16="http://schemas.microsoft.com/office/drawing/2014/main" id="{4BD5031D-B79B-4943-9F77-C6A4EDFBA6DD}"/>
+              </a:ext>
+            </a:extLst>
+          </p:cNvPr>
+          <p:cNvCxnSpPr>
+            <a:stCxn id="12" idx="3"/>
+            <a:endCxn id="13" idx="1"/>
+          </p:cNvCxnSpPr>
+          <p:nvPr/>
+        </p:nvCxnSpPr>
+        <p:spPr>
+          <a:xfrm>
+            <a:off x="3418184" y="2750233"/>
+            <a:ext cx="1660000" cy="0"/>
+          </a:xfrm>
+          <a:prstGeom prst="straightConnector1">
+            <a:avLst/>
+          </a:prstGeom>
+          <a:noFill/>
+          <a:ln w="38100" cap="flat" cmpd="sng">
+            <a:solidFill>
+              <a:srgbClr val="000000"/>
+            </a:solidFill>
+            <a:prstDash val="solid"/>
+            <a:round/>
+            <a:headEnd type="none" w="med" len="med"/>
+            <a:tailEnd type="triangle" w="med" len="med"/>
+          </a:ln>
+        </p:spPr>
+      </p:cxnSp>
+      <p:sp>
+        <p:nvSpPr>
+          <p:cNvPr id="24" name="Google Shape;80;p10">
+            <a:extLst>
+              <a:ext uri="{FF2B5EF4-FFF2-40B4-BE49-F238E27FC236}">
+                <a16:creationId xmlns:a16="http://schemas.microsoft.com/office/drawing/2014/main" id="{5812E4DD-93C0-7B4E-BBDE-455D1E0ADBBC}"/>
+              </a:ext>
+            </a:extLst>
+          </p:cNvPr>
+          <p:cNvSpPr/>
+          <p:nvPr/>
+        </p:nvSpPr>
+        <p:spPr>
+          <a:xfrm>
+            <a:off x="5077950" y="5125767"/>
+            <a:ext cx="2036000" cy="1173600"/>
+          </a:xfrm>
+          <a:prstGeom prst="rect">
+            <a:avLst/>
+          </a:prstGeom>
+          <a:solidFill>
+            <a:schemeClr val="lt2"/>
+          </a:solidFill>
+          <a:ln w="9525" cap="flat" cmpd="sng">
+            <a:solidFill>
+              <a:schemeClr val="dk2"/>
+            </a:solidFill>
+            <a:prstDash val="solid"/>
+            <a:round/>
+            <a:headEnd type="none" w="sm" len="sm"/>
+            <a:tailEnd type="none" w="sm" len="sm"/>
+          </a:ln>
+        </p:spPr>
+        <p:txBody>
+          <a:bodyPr spcFirstLastPara="1" wrap="square" lIns="121900" tIns="121900" rIns="121900" bIns="121900" anchor="ctr" anchorCtr="0">
+            <a:noAutofit/>
+          </a:bodyPr>
+          <a:lstStyle/>
+          <a:p>
+            <a:pPr algn="ctr"/>
+            <a:r>
+              <a:rPr lang="en-US" sz="1867" dirty="0">
+                <a:latin typeface="Century Gothic"/>
+                <a:ea typeface="Century Gothic"/>
+                <a:cs typeface="Century Gothic"/>
+                <a:sym typeface="Century Gothic"/>
+              </a:rPr>
+              <a:t>MENTAL HEALTH OUTREACH</a:t>
+            </a:r>
+            <a:endParaRPr sz="1867" dirty="0">
+              <a:latin typeface="Century Gothic"/>
+              <a:ea typeface="Century Gothic"/>
+              <a:cs typeface="Century Gothic"/>
+              <a:sym typeface="Century Gothic"/>
+            </a:endParaRPr>
+          </a:p>
+        </p:txBody>
+      </p:sp>
+      <p:cxnSp>
+        <p:nvCxnSpPr>
+          <p:cNvPr id="26" name="Google Shape;82;p10">
+            <a:extLst>
+              <a:ext uri="{FF2B5EF4-FFF2-40B4-BE49-F238E27FC236}">
+                <a16:creationId xmlns:a16="http://schemas.microsoft.com/office/drawing/2014/main" id="{CBABCD8C-EAB1-534C-BE67-A1BAAD3C30FE}"/>
+              </a:ext>
+            </a:extLst>
+          </p:cNvPr>
+          <p:cNvCxnSpPr>
+            <a:cxnSpLocks/>
+            <a:stCxn id="24" idx="1"/>
+            <a:endCxn id="12" idx="2"/>
+          </p:cNvCxnSpPr>
+          <p:nvPr/>
+        </p:nvCxnSpPr>
+        <p:spPr>
+          <a:xfrm rot="10800000">
+            <a:off x="2400184" y="3337033"/>
+            <a:ext cx="2677766" cy="2375534"/>
+          </a:xfrm>
+          <a:prstGeom prst="curvedConnector2">
+            <a:avLst/>
+          </a:prstGeom>
+          <a:noFill/>
+          <a:ln w="38100" cap="flat" cmpd="sng">
+            <a:solidFill>
+              <a:srgbClr val="000000"/>
+            </a:solidFill>
+            <a:prstDash val="dash"/>
+            <a:round/>
+            <a:headEnd type="none" w="med" len="med"/>
+            <a:tailEnd type="none" w="med" len="med"/>
+          </a:ln>
+        </p:spPr>
+      </p:cxnSp>
+      <p:sp>
+        <p:nvSpPr>
+          <p:cNvPr id="27" name="Google Shape;83;p10">
+            <a:extLst>
+              <a:ext uri="{FF2B5EF4-FFF2-40B4-BE49-F238E27FC236}">
+                <a16:creationId xmlns:a16="http://schemas.microsoft.com/office/drawing/2014/main" id="{2BBE259E-9FFE-BD42-9E46-41C0038E27F8}"/>
+              </a:ext>
+            </a:extLst>
+          </p:cNvPr>
+          <p:cNvSpPr/>
+          <p:nvPr/>
+        </p:nvSpPr>
+        <p:spPr>
+          <a:xfrm rot="-1593903">
+            <a:off x="2005185" y="3358794"/>
+            <a:ext cx="748636" cy="44364"/>
+          </a:xfrm>
+          <a:prstGeom prst="rect">
+            <a:avLst/>
+          </a:prstGeom>
+          <a:solidFill>
+            <a:srgbClr val="000000"/>
+          </a:solidFill>
+          <a:ln w="9525" cap="flat" cmpd="sng">
+            <a:solidFill>
+              <a:srgbClr val="000000"/>
+            </a:solidFill>
+            <a:prstDash val="solid"/>
+            <a:round/>
+            <a:headEnd type="none" w="sm" len="sm"/>
+            <a:tailEnd type="none" w="sm" len="sm"/>
+          </a:ln>
+        </p:spPr>
+        <p:txBody>
+          <a:bodyPr spcFirstLastPara="1" wrap="square" lIns="121900" tIns="121900" rIns="121900" bIns="121900" anchor="ctr" anchorCtr="0">
+            <a:noAutofit/>
+          </a:bodyPr>
+          <a:lstStyle/>
+          <a:p>
+            <a:endParaRPr sz="1867"/>
+          </a:p>
+        </p:txBody>
+      </p:sp>
+      <p:sp>
+        <p:nvSpPr>
+          <p:cNvPr id="3" name="TextBox 2">
+            <a:extLst>
+              <a:ext uri="{FF2B5EF4-FFF2-40B4-BE49-F238E27FC236}">
+                <a16:creationId xmlns:a16="http://schemas.microsoft.com/office/drawing/2014/main" id="{972B982B-DB62-ED4B-BE21-46A790B61DF6}"/>
+              </a:ext>
+            </a:extLst>
+          </p:cNvPr>
+          <p:cNvSpPr txBox="1"/>
+          <p:nvPr/>
+        </p:nvSpPr>
+        <p:spPr>
+          <a:xfrm>
+            <a:off x="3831243" y="2249721"/>
+            <a:ext cx="697627" cy="1015663"/>
+          </a:xfrm>
+          <a:prstGeom prst="rect">
+            <a:avLst/>
+          </a:prstGeom>
+          <a:noFill/>
+        </p:spPr>
+        <p:txBody>
+          <a:bodyPr wrap="none" rtlCol="0">
+            <a:spAutoFit/>
+          </a:bodyPr>
+          <a:lstStyle/>
+          <a:p>
+            <a:r>
+              <a:rPr lang="en-US" sz="6000" dirty="0">
+                <a:solidFill>
+                  <a:srgbClr val="FF0000"/>
+                </a:solidFill>
+              </a:rPr>
+              <a:t>X</a:t>
+            </a:r>
+          </a:p>
+        </p:txBody>
+      </p:sp>
+    </p:spTree>
+    <p:extLst>
+      <p:ext uri="{BB962C8B-B14F-4D97-AF65-F5344CB8AC3E}">
+        <p14:creationId xmlns:p14="http://schemas.microsoft.com/office/powerpoint/2010/main" val="4255188078"/>
+      </p:ext>
+    </p:extLst>
+  </p:cSld>
+  <p:clrMapOvr>
+    <a:masterClrMapping/>
+  </p:clrMapOvr>
+</p:sld>
+</file>
+
+<file path=ppt/slides/slide29.xml><?xml version="1.0" encoding="utf-8"?>
+<p:sld xmlns:a="http://schemas.openxmlformats.org/drawingml/2006/main" xmlns:r="http://schemas.openxmlformats.org/officeDocument/2006/relationships" xmlns:p="http://schemas.openxmlformats.org/presentationml/2006/main">
+  <p:cSld>
+    <p:spTree>
+      <p:nvGrpSpPr>
+        <p:cNvPr id="1" name="Shape 1225"/>
+        <p:cNvGrpSpPr/>
+        <p:nvPr/>
+      </p:nvGrpSpPr>
+      <p:grpSpPr>
+        <a:xfrm>
+          <a:off x="0" y="0"/>
+          <a:ext cx="0" cy="0"/>
+          <a:chOff x="0" y="0"/>
+          <a:chExt cx="0" cy="0"/>
+        </a:xfrm>
+      </p:grpSpPr>
+      <p:sp>
+        <p:nvSpPr>
+          <p:cNvPr id="1226" name="Google Shape;1226;p142"/>
+          <p:cNvSpPr txBox="1">
+            <a:spLocks noGrp="1"/>
+          </p:cNvSpPr>
+          <p:nvPr>
+            <p:ph type="title"/>
+          </p:nvPr>
+        </p:nvSpPr>
+        <p:spPr>
+          <a:prstGeom prst="rect">
+            <a:avLst/>
+          </a:prstGeom>
+        </p:spPr>
+        <p:txBody>
+          <a:bodyPr spcFirstLastPara="1" wrap="square" lIns="121900" tIns="121900" rIns="121900" bIns="121900" anchor="ctr" anchorCtr="0">
+            <a:noAutofit/>
+          </a:bodyPr>
+          <a:lstStyle/>
+          <a:p>
+            <a:r>
+              <a:rPr lang="en-US" sz="3200" dirty="0"/>
+              <a:t>CASE STUDY: Mental Health and Incarceration</a:t>
+            </a:r>
+            <a:endParaRPr sz="3200" dirty="0"/>
+          </a:p>
+        </p:txBody>
+      </p:sp>
+      <p:sp>
+        <p:nvSpPr>
+          <p:cNvPr id="12" name="Google Shape;75;p10">
+            <a:extLst>
+              <a:ext uri="{FF2B5EF4-FFF2-40B4-BE49-F238E27FC236}">
+                <a16:creationId xmlns:a16="http://schemas.microsoft.com/office/drawing/2014/main" id="{8C379909-E112-AF40-AB06-F3DCE0D1D789}"/>
+              </a:ext>
+            </a:extLst>
+          </p:cNvPr>
+          <p:cNvSpPr/>
+          <p:nvPr/>
+        </p:nvSpPr>
+        <p:spPr>
+          <a:xfrm>
+            <a:off x="242315" y="1399344"/>
+            <a:ext cx="3352656" cy="4888721"/>
+          </a:xfrm>
+          <a:prstGeom prst="rect">
+            <a:avLst/>
+          </a:prstGeom>
+          <a:solidFill>
+            <a:schemeClr val="lt2"/>
+          </a:solidFill>
+          <a:ln w="9525" cap="flat" cmpd="sng">
+            <a:solidFill>
+              <a:schemeClr val="dk2"/>
+            </a:solidFill>
+            <a:prstDash val="solid"/>
+            <a:round/>
+            <a:headEnd type="none" w="sm" len="sm"/>
+            <a:tailEnd type="none" w="sm" len="sm"/>
+          </a:ln>
+        </p:spPr>
+        <p:txBody>
+          <a:bodyPr spcFirstLastPara="1" wrap="square" lIns="121900" tIns="121900" rIns="121900" bIns="121900" anchor="ctr" anchorCtr="0">
+            <a:noAutofit/>
+          </a:bodyPr>
+          <a:lstStyle/>
+          <a:p>
+            <a:pPr algn="ctr"/>
+            <a:endParaRPr sz="1867" dirty="0">
+              <a:latin typeface="Century Gothic"/>
+              <a:ea typeface="Century Gothic"/>
+              <a:cs typeface="Century Gothic"/>
+              <a:sym typeface="Century Gothic"/>
+            </a:endParaRPr>
+          </a:p>
+        </p:txBody>
+      </p:sp>
+      <p:sp>
+        <p:nvSpPr>
+          <p:cNvPr id="2" name="TextBox 1">
+            <a:extLst>
+              <a:ext uri="{FF2B5EF4-FFF2-40B4-BE49-F238E27FC236}">
+                <a16:creationId xmlns:a16="http://schemas.microsoft.com/office/drawing/2014/main" id="{624431EB-4D8A-1442-9803-AA95ADA5372B}"/>
+              </a:ext>
+            </a:extLst>
+          </p:cNvPr>
+          <p:cNvSpPr txBox="1"/>
+          <p:nvPr/>
+        </p:nvSpPr>
+        <p:spPr>
+          <a:xfrm>
+            <a:off x="415600" y="1479367"/>
+            <a:ext cx="2959465" cy="830997"/>
+          </a:xfrm>
+          <a:prstGeom prst="rect">
+            <a:avLst/>
+          </a:prstGeom>
+          <a:noFill/>
+        </p:spPr>
+        <p:txBody>
+          <a:bodyPr wrap="none" rtlCol="0">
+            <a:spAutoFit/>
+          </a:bodyPr>
+          <a:lstStyle/>
+          <a:p>
+            <a:r>
+              <a:rPr lang="en-US" sz="2400" dirty="0">
+                <a:latin typeface="Century Gothic" panose="020B0502020202020204" pitchFamily="34" charset="0"/>
+              </a:rPr>
+              <a:t>Released From Jail</a:t>
+            </a:r>
+          </a:p>
+          <a:p>
+            <a:r>
+              <a:rPr lang="en-US" sz="2400" dirty="0">
+                <a:latin typeface="Century Gothic" panose="020B0502020202020204" pitchFamily="34" charset="0"/>
+              </a:rPr>
+              <a:t>In Past 3 Years</a:t>
+            </a:r>
+          </a:p>
+        </p:txBody>
+      </p:sp>
+      <p:sp>
+        <p:nvSpPr>
+          <p:cNvPr id="14" name="Google Shape;75;p10">
+            <a:extLst>
+              <a:ext uri="{FF2B5EF4-FFF2-40B4-BE49-F238E27FC236}">
+                <a16:creationId xmlns:a16="http://schemas.microsoft.com/office/drawing/2014/main" id="{4DF198BD-39AA-964B-8EB5-FB1B260A34A5}"/>
+              </a:ext>
+            </a:extLst>
+          </p:cNvPr>
+          <p:cNvSpPr/>
+          <p:nvPr/>
+        </p:nvSpPr>
+        <p:spPr>
+          <a:xfrm>
+            <a:off x="789142" y="3429000"/>
+            <a:ext cx="2665062" cy="2734106"/>
+          </a:xfrm>
+          <a:prstGeom prst="rect">
+            <a:avLst/>
+          </a:prstGeom>
+          <a:solidFill>
+            <a:srgbClr val="0070C0"/>
+          </a:solidFill>
+          <a:ln w="9525" cap="flat" cmpd="sng">
+            <a:solidFill>
+              <a:schemeClr val="dk2"/>
+            </a:solidFill>
+            <a:prstDash val="solid"/>
+            <a:round/>
+            <a:headEnd type="none" w="sm" len="sm"/>
+            <a:tailEnd type="none" w="sm" len="sm"/>
+          </a:ln>
+        </p:spPr>
+        <p:txBody>
+          <a:bodyPr spcFirstLastPara="1" wrap="square" lIns="121900" tIns="121900" rIns="121900" bIns="121900" anchor="ctr" anchorCtr="0">
+            <a:noAutofit/>
+          </a:bodyPr>
+          <a:lstStyle/>
+          <a:p>
+            <a:pPr algn="ctr"/>
+            <a:endParaRPr sz="1867" dirty="0">
+              <a:latin typeface="Century Gothic"/>
+              <a:ea typeface="Century Gothic"/>
+              <a:cs typeface="Century Gothic"/>
+              <a:sym typeface="Century Gothic"/>
+            </a:endParaRPr>
+          </a:p>
+        </p:txBody>
+      </p:sp>
+      <p:sp>
+        <p:nvSpPr>
+          <p:cNvPr id="15" name="TextBox 14">
+            <a:extLst>
+              <a:ext uri="{FF2B5EF4-FFF2-40B4-BE49-F238E27FC236}">
+                <a16:creationId xmlns:a16="http://schemas.microsoft.com/office/drawing/2014/main" id="{3EE42FA2-6A12-0044-AA06-B868FCDE372D}"/>
+              </a:ext>
+            </a:extLst>
+          </p:cNvPr>
+          <p:cNvSpPr txBox="1"/>
+          <p:nvPr/>
+        </p:nvSpPr>
+        <p:spPr>
+          <a:xfrm>
+            <a:off x="890681" y="3610880"/>
+            <a:ext cx="2563522" cy="1200329"/>
+          </a:xfrm>
+          <a:prstGeom prst="rect">
+            <a:avLst/>
+          </a:prstGeom>
+          <a:noFill/>
+        </p:spPr>
+        <p:txBody>
+          <a:bodyPr wrap="none" rtlCol="0">
+            <a:spAutoFit/>
+          </a:bodyPr>
+          <a:lstStyle/>
+          <a:p>
+            <a:r>
+              <a:rPr lang="en-US" sz="2400" dirty="0">
+                <a:solidFill>
+                  <a:schemeClr val="bg1"/>
+                </a:solidFill>
+                <a:latin typeface="Century Gothic" panose="020B0502020202020204" pitchFamily="34" charset="0"/>
+              </a:rPr>
+              <a:t>…With History of</a:t>
+            </a:r>
+          </a:p>
+          <a:p>
+            <a:r>
+              <a:rPr lang="en-US" sz="2400" dirty="0">
+                <a:solidFill>
+                  <a:schemeClr val="bg1"/>
+                </a:solidFill>
+                <a:latin typeface="Century Gothic" panose="020B0502020202020204" pitchFamily="34" charset="0"/>
+              </a:rPr>
+              <a:t>Mental Health</a:t>
+            </a:r>
+          </a:p>
+          <a:p>
+            <a:r>
+              <a:rPr lang="en-US" sz="2400" dirty="0">
+                <a:solidFill>
+                  <a:schemeClr val="bg1"/>
+                </a:solidFill>
+                <a:latin typeface="Century Gothic" panose="020B0502020202020204" pitchFamily="34" charset="0"/>
+              </a:rPr>
+              <a:t>Needs</a:t>
+            </a:r>
+          </a:p>
+        </p:txBody>
+      </p:sp>
+      <p:grpSp>
+        <p:nvGrpSpPr>
+          <p:cNvPr id="16" name="Group 15">
+            <a:extLst>
+              <a:ext uri="{FF2B5EF4-FFF2-40B4-BE49-F238E27FC236}">
+                <a16:creationId xmlns:a16="http://schemas.microsoft.com/office/drawing/2014/main" id="{893B8E00-7081-1F47-9553-568F65765633}"/>
+              </a:ext>
+            </a:extLst>
+          </p:cNvPr>
+          <p:cNvGrpSpPr/>
+          <p:nvPr/>
+        </p:nvGrpSpPr>
+        <p:grpSpPr>
+          <a:xfrm>
+            <a:off x="3857489" y="3829293"/>
+            <a:ext cx="860597" cy="763501"/>
+            <a:chOff x="4389120" y="2462784"/>
+            <a:chExt cx="1706830" cy="1514258"/>
+          </a:xfrm>
+        </p:grpSpPr>
+        <p:sp>
+          <p:nvSpPr>
+            <p:cNvPr id="17" name="Oval 16">
+              <a:extLst>
+                <a:ext uri="{FF2B5EF4-FFF2-40B4-BE49-F238E27FC236}">
+                  <a16:creationId xmlns:a16="http://schemas.microsoft.com/office/drawing/2014/main" id="{F71938DB-AC52-2A4F-903C-9A0F093EEAA8}"/>
+                </a:ext>
+              </a:extLst>
+            </p:cNvPr>
+            <p:cNvSpPr/>
+            <p:nvPr/>
+          </p:nvSpPr>
+          <p:spPr>
+            <a:xfrm>
+              <a:off x="4389120" y="2462784"/>
+              <a:ext cx="402336" cy="402336"/>
+            </a:xfrm>
+            <a:prstGeom prst="ellipse">
+              <a:avLst/>
+            </a:prstGeom>
+            <a:solidFill>
+              <a:schemeClr val="bg2"/>
+            </a:solidFill>
+            <a:ln w="9525">
+              <a:solidFill>
+                <a:schemeClr val="tx1"/>
+              </a:solidFill>
+            </a:ln>
+          </p:spPr>
+          <p:style>
+            <a:lnRef idx="2">
+              <a:schemeClr val="accent1">
+                <a:shade val="50000"/>
+              </a:schemeClr>
+            </a:lnRef>
+            <a:fillRef idx="1">
+              <a:schemeClr val="accent1"/>
+            </a:fillRef>
+            <a:effectRef idx="0">
+              <a:schemeClr val="accent1"/>
+            </a:effectRef>
+            <a:fontRef idx="minor">
+              <a:schemeClr val="lt1"/>
+            </a:fontRef>
+          </p:style>
+          <p:txBody>
+            <a:bodyPr rtlCol="0" anchor="ctr"/>
+            <a:lstStyle/>
+            <a:p>
+              <a:pPr algn="ctr"/>
+              <a:endParaRPr lang="en-US"/>
+            </a:p>
+          </p:txBody>
+        </p:sp>
+        <p:sp>
+          <p:nvSpPr>
+            <p:cNvPr id="18" name="Oval 17">
+              <a:extLst>
+                <a:ext uri="{FF2B5EF4-FFF2-40B4-BE49-F238E27FC236}">
+                  <a16:creationId xmlns:a16="http://schemas.microsoft.com/office/drawing/2014/main" id="{443EB63D-67D3-4E45-B65B-3AE6C37117B7}"/>
+                </a:ext>
+              </a:extLst>
+            </p:cNvPr>
+            <p:cNvSpPr/>
+            <p:nvPr/>
+          </p:nvSpPr>
+          <p:spPr>
+            <a:xfrm>
+              <a:off x="4389120" y="3018745"/>
+              <a:ext cx="402336" cy="402336"/>
+            </a:xfrm>
+            <a:prstGeom prst="ellipse">
+              <a:avLst/>
+            </a:prstGeom>
+            <a:solidFill>
+              <a:schemeClr val="bg2"/>
+            </a:solidFill>
+            <a:ln w="9525">
+              <a:solidFill>
+                <a:schemeClr val="tx1"/>
+              </a:solidFill>
+            </a:ln>
+          </p:spPr>
+          <p:style>
+            <a:lnRef idx="2">
+              <a:schemeClr val="accent1">
+                <a:shade val="50000"/>
+              </a:schemeClr>
+            </a:lnRef>
+            <a:fillRef idx="1">
+              <a:schemeClr val="accent1"/>
+            </a:fillRef>
+            <a:effectRef idx="0">
+              <a:schemeClr val="accent1"/>
+            </a:effectRef>
+            <a:fontRef idx="minor">
+              <a:schemeClr val="lt1"/>
+            </a:fontRef>
+          </p:style>
+          <p:txBody>
+            <a:bodyPr rtlCol="0" anchor="ctr"/>
+            <a:lstStyle/>
+            <a:p>
+              <a:pPr algn="ctr"/>
+              <a:endParaRPr lang="en-US"/>
+            </a:p>
+          </p:txBody>
+        </p:sp>
+        <p:sp>
+          <p:nvSpPr>
+            <p:cNvPr id="19" name="Oval 18">
+              <a:extLst>
+                <a:ext uri="{FF2B5EF4-FFF2-40B4-BE49-F238E27FC236}">
+                  <a16:creationId xmlns:a16="http://schemas.microsoft.com/office/drawing/2014/main" id="{B868292F-40CE-8846-909D-8E042F9E7876}"/>
+                </a:ext>
+              </a:extLst>
+            </p:cNvPr>
+            <p:cNvSpPr/>
+            <p:nvPr/>
+          </p:nvSpPr>
+          <p:spPr>
+            <a:xfrm>
+              <a:off x="4389120" y="3574706"/>
+              <a:ext cx="402336" cy="402336"/>
+            </a:xfrm>
+            <a:prstGeom prst="ellipse">
+              <a:avLst/>
+            </a:prstGeom>
+            <a:solidFill>
+              <a:schemeClr val="bg2"/>
+            </a:solidFill>
+            <a:ln w="9525">
+              <a:solidFill>
+                <a:schemeClr val="tx1"/>
+              </a:solidFill>
+            </a:ln>
+          </p:spPr>
+          <p:style>
+            <a:lnRef idx="2">
+              <a:schemeClr val="accent1">
+                <a:shade val="50000"/>
+              </a:schemeClr>
+            </a:lnRef>
+            <a:fillRef idx="1">
+              <a:schemeClr val="accent1"/>
+            </a:fillRef>
+            <a:effectRef idx="0">
+              <a:schemeClr val="accent1"/>
+            </a:effectRef>
+            <a:fontRef idx="minor">
+              <a:schemeClr val="lt1"/>
+            </a:fontRef>
+          </p:style>
+          <p:txBody>
+            <a:bodyPr rtlCol="0" anchor="ctr"/>
+            <a:lstStyle/>
+            <a:p>
+              <a:pPr algn="ctr"/>
+              <a:endParaRPr lang="en-US"/>
+            </a:p>
+          </p:txBody>
+        </p:sp>
+        <p:sp>
+          <p:nvSpPr>
+            <p:cNvPr id="20" name="Oval 19">
+              <a:extLst>
+                <a:ext uri="{FF2B5EF4-FFF2-40B4-BE49-F238E27FC236}">
+                  <a16:creationId xmlns:a16="http://schemas.microsoft.com/office/drawing/2014/main" id="{87CBACA9-7504-BE46-A082-FA1F0DB3991A}"/>
+                </a:ext>
+              </a:extLst>
+            </p:cNvPr>
+            <p:cNvSpPr/>
+            <p:nvPr/>
+          </p:nvSpPr>
+          <p:spPr>
+            <a:xfrm>
+              <a:off x="5029200" y="2768809"/>
+              <a:ext cx="402336" cy="402336"/>
+            </a:xfrm>
+            <a:prstGeom prst="ellipse">
+              <a:avLst/>
+            </a:prstGeom>
+            <a:solidFill>
+              <a:schemeClr val="bg2"/>
+            </a:solidFill>
+            <a:ln w="9525">
+              <a:solidFill>
+                <a:schemeClr val="tx1"/>
+              </a:solidFill>
+            </a:ln>
+          </p:spPr>
+          <p:style>
+            <a:lnRef idx="2">
+              <a:schemeClr val="accent1">
+                <a:shade val="50000"/>
+              </a:schemeClr>
+            </a:lnRef>
+            <a:fillRef idx="1">
+              <a:schemeClr val="accent1"/>
+            </a:fillRef>
+            <a:effectRef idx="0">
+              <a:schemeClr val="accent1"/>
+            </a:effectRef>
+            <a:fontRef idx="minor">
+              <a:schemeClr val="lt1"/>
+            </a:fontRef>
+          </p:style>
+          <p:txBody>
+            <a:bodyPr rtlCol="0" anchor="ctr"/>
+            <a:lstStyle/>
+            <a:p>
+              <a:pPr algn="ctr"/>
+              <a:endParaRPr lang="en-US"/>
+            </a:p>
+          </p:txBody>
+        </p:sp>
+        <p:sp>
+          <p:nvSpPr>
+            <p:cNvPr id="25" name="Oval 24">
+              <a:extLst>
+                <a:ext uri="{FF2B5EF4-FFF2-40B4-BE49-F238E27FC236}">
+                  <a16:creationId xmlns:a16="http://schemas.microsoft.com/office/drawing/2014/main" id="{7E7DE2BA-187D-4144-BCB9-4822657FE213}"/>
+                </a:ext>
+              </a:extLst>
+            </p:cNvPr>
+            <p:cNvSpPr/>
+            <p:nvPr/>
+          </p:nvSpPr>
+          <p:spPr>
+            <a:xfrm>
+              <a:off x="5029200" y="3350379"/>
+              <a:ext cx="402336" cy="402336"/>
+            </a:xfrm>
+            <a:prstGeom prst="ellipse">
+              <a:avLst/>
+            </a:prstGeom>
+            <a:solidFill>
+              <a:schemeClr val="bg2"/>
+            </a:solidFill>
+            <a:ln w="9525">
+              <a:solidFill>
+                <a:schemeClr val="tx1"/>
+              </a:solidFill>
+            </a:ln>
+          </p:spPr>
+          <p:style>
+            <a:lnRef idx="2">
+              <a:schemeClr val="accent1">
+                <a:shade val="50000"/>
+              </a:schemeClr>
+            </a:lnRef>
+            <a:fillRef idx="1">
+              <a:schemeClr val="accent1"/>
+            </a:fillRef>
+            <a:effectRef idx="0">
+              <a:schemeClr val="accent1"/>
+            </a:effectRef>
+            <a:fontRef idx="minor">
+              <a:schemeClr val="lt1"/>
+            </a:fontRef>
+          </p:style>
+          <p:txBody>
+            <a:bodyPr rtlCol="0" anchor="ctr"/>
+            <a:lstStyle/>
+            <a:p>
+              <a:pPr algn="ctr"/>
+              <a:endParaRPr lang="en-US"/>
+            </a:p>
+          </p:txBody>
+        </p:sp>
+        <p:sp>
+          <p:nvSpPr>
+            <p:cNvPr id="28" name="Oval 27">
+              <a:extLst>
+                <a:ext uri="{FF2B5EF4-FFF2-40B4-BE49-F238E27FC236}">
+                  <a16:creationId xmlns:a16="http://schemas.microsoft.com/office/drawing/2014/main" id="{1A7BFEE9-9AB5-0E4D-ACF5-9DFA5671C333}"/>
+                </a:ext>
+              </a:extLst>
+            </p:cNvPr>
+            <p:cNvSpPr/>
+            <p:nvPr/>
+          </p:nvSpPr>
+          <p:spPr>
+            <a:xfrm>
+              <a:off x="5693614" y="2757135"/>
+              <a:ext cx="402336" cy="402336"/>
+            </a:xfrm>
+            <a:prstGeom prst="ellipse">
+              <a:avLst/>
+            </a:prstGeom>
+            <a:solidFill>
+              <a:schemeClr val="bg2"/>
+            </a:solidFill>
+            <a:ln w="9525">
+              <a:solidFill>
+                <a:schemeClr val="tx1"/>
+              </a:solidFill>
+            </a:ln>
+          </p:spPr>
+          <p:style>
+            <a:lnRef idx="2">
+              <a:schemeClr val="accent1">
+                <a:shade val="50000"/>
+              </a:schemeClr>
+            </a:lnRef>
+            <a:fillRef idx="1">
+              <a:schemeClr val="accent1"/>
+            </a:fillRef>
+            <a:effectRef idx="0">
+              <a:schemeClr val="accent1"/>
+            </a:effectRef>
+            <a:fontRef idx="minor">
+              <a:schemeClr val="lt1"/>
+            </a:fontRef>
+          </p:style>
+          <p:txBody>
+            <a:bodyPr rtlCol="0" anchor="ctr"/>
+            <a:lstStyle/>
+            <a:p>
+              <a:pPr algn="ctr"/>
+              <a:endParaRPr lang="en-US"/>
+            </a:p>
+          </p:txBody>
+        </p:sp>
+        <p:sp>
+          <p:nvSpPr>
+            <p:cNvPr id="29" name="Oval 28">
+              <a:extLst>
+                <a:ext uri="{FF2B5EF4-FFF2-40B4-BE49-F238E27FC236}">
+                  <a16:creationId xmlns:a16="http://schemas.microsoft.com/office/drawing/2014/main" id="{C6B3BF28-ABC9-CB4E-8050-B49E9B365028}"/>
+                </a:ext>
+              </a:extLst>
+            </p:cNvPr>
+            <p:cNvSpPr/>
+            <p:nvPr/>
+          </p:nvSpPr>
+          <p:spPr>
+            <a:xfrm>
+              <a:off x="5669280" y="3338187"/>
+              <a:ext cx="402336" cy="402336"/>
+            </a:xfrm>
+            <a:prstGeom prst="ellipse">
+              <a:avLst/>
+            </a:prstGeom>
+            <a:solidFill>
+              <a:schemeClr val="bg2"/>
+            </a:solidFill>
+            <a:ln w="9525">
+              <a:solidFill>
+                <a:schemeClr val="tx1"/>
+              </a:solidFill>
+            </a:ln>
+          </p:spPr>
+          <p:style>
+            <a:lnRef idx="2">
+              <a:schemeClr val="accent1">
+                <a:shade val="50000"/>
+              </a:schemeClr>
+            </a:lnRef>
+            <a:fillRef idx="1">
+              <a:schemeClr val="accent1"/>
+            </a:fillRef>
+            <a:effectRef idx="0">
+              <a:schemeClr val="accent1"/>
+            </a:effectRef>
+            <a:fontRef idx="minor">
+              <a:schemeClr val="lt1"/>
+            </a:fontRef>
+          </p:style>
+          <p:txBody>
+            <a:bodyPr rtlCol="0" anchor="ctr"/>
+            <a:lstStyle/>
+            <a:p>
+              <a:pPr algn="ctr"/>
+              <a:endParaRPr lang="en-US"/>
+            </a:p>
+          </p:txBody>
+        </p:sp>
+        <p:cxnSp>
+          <p:nvCxnSpPr>
+            <p:cNvPr id="30" name="Straight Connector 29">
+              <a:extLst>
+                <a:ext uri="{FF2B5EF4-FFF2-40B4-BE49-F238E27FC236}">
+                  <a16:creationId xmlns:a16="http://schemas.microsoft.com/office/drawing/2014/main" id="{8472FECF-6CFC-334F-BE08-5E927AAD8527}"/>
+                </a:ext>
+              </a:extLst>
+            </p:cNvPr>
+            <p:cNvCxnSpPr>
+              <a:stCxn id="17" idx="6"/>
+              <a:endCxn id="20" idx="2"/>
+            </p:cNvCxnSpPr>
+            <p:nvPr/>
+          </p:nvCxnSpPr>
+          <p:spPr>
+            <a:xfrm>
+              <a:off x="4791456" y="2663952"/>
+              <a:ext cx="237744" cy="306025"/>
+            </a:xfrm>
+            <a:prstGeom prst="line">
+              <a:avLst/>
+            </a:prstGeom>
+            <a:ln w="28575"/>
+          </p:spPr>
+          <p:style>
+            <a:lnRef idx="1">
+              <a:schemeClr val="dk1"/>
+            </a:lnRef>
+            <a:fillRef idx="0">
+              <a:schemeClr val="dk1"/>
+            </a:fillRef>
+            <a:effectRef idx="0">
+              <a:schemeClr val="dk1"/>
+            </a:effectRef>
+            <a:fontRef idx="minor">
+              <a:schemeClr val="tx1"/>
+            </a:fontRef>
+          </p:style>
+        </p:cxnSp>
+        <p:cxnSp>
+          <p:nvCxnSpPr>
+            <p:cNvPr id="31" name="Straight Connector 30">
+              <a:extLst>
+                <a:ext uri="{FF2B5EF4-FFF2-40B4-BE49-F238E27FC236}">
+                  <a16:creationId xmlns:a16="http://schemas.microsoft.com/office/drawing/2014/main" id="{FE2C2F4C-E9DD-E64A-8D0A-73CC3AEBD025}"/>
+                </a:ext>
+              </a:extLst>
+            </p:cNvPr>
+            <p:cNvCxnSpPr>
+              <a:cxnSpLocks/>
+              <a:stCxn id="17" idx="6"/>
+            </p:cNvCxnSpPr>
+            <p:nvPr/>
+          </p:nvCxnSpPr>
+          <p:spPr>
+            <a:xfrm>
+              <a:off x="4791456" y="2663952"/>
+              <a:ext cx="237744" cy="861986"/>
+            </a:xfrm>
+            <a:prstGeom prst="line">
+              <a:avLst/>
+            </a:prstGeom>
+            <a:ln w="28575"/>
+          </p:spPr>
+          <p:style>
+            <a:lnRef idx="1">
+              <a:schemeClr val="dk1"/>
+            </a:lnRef>
+            <a:fillRef idx="0">
+              <a:schemeClr val="dk1"/>
+            </a:fillRef>
+            <a:effectRef idx="0">
+              <a:schemeClr val="dk1"/>
+            </a:effectRef>
+            <a:fontRef idx="minor">
+              <a:schemeClr val="tx1"/>
+            </a:fontRef>
+          </p:style>
+        </p:cxnSp>
+        <p:cxnSp>
+          <p:nvCxnSpPr>
+            <p:cNvPr id="32" name="Straight Connector 31">
+              <a:extLst>
+                <a:ext uri="{FF2B5EF4-FFF2-40B4-BE49-F238E27FC236}">
+                  <a16:creationId xmlns:a16="http://schemas.microsoft.com/office/drawing/2014/main" id="{409DE789-770A-774A-9861-6E413217C2BC}"/>
+                </a:ext>
+              </a:extLst>
+            </p:cNvPr>
+            <p:cNvCxnSpPr>
+              <a:cxnSpLocks/>
+              <a:stCxn id="18" idx="6"/>
+              <a:endCxn id="20" idx="2"/>
+            </p:cNvCxnSpPr>
+            <p:nvPr/>
+          </p:nvCxnSpPr>
+          <p:spPr>
+            <a:xfrm flipV="1">
+              <a:off x="4791456" y="2969977"/>
+              <a:ext cx="237744" cy="249936"/>
+            </a:xfrm>
+            <a:prstGeom prst="line">
+              <a:avLst/>
+            </a:prstGeom>
+            <a:ln w="28575"/>
+          </p:spPr>
+          <p:style>
+            <a:lnRef idx="1">
+              <a:schemeClr val="dk1"/>
+            </a:lnRef>
+            <a:fillRef idx="0">
+              <a:schemeClr val="dk1"/>
+            </a:fillRef>
+            <a:effectRef idx="0">
+              <a:schemeClr val="dk1"/>
+            </a:effectRef>
+            <a:fontRef idx="minor">
+              <a:schemeClr val="tx1"/>
+            </a:fontRef>
+          </p:style>
+        </p:cxnSp>
+        <p:cxnSp>
+          <p:nvCxnSpPr>
+            <p:cNvPr id="33" name="Straight Connector 32">
+              <a:extLst>
+                <a:ext uri="{FF2B5EF4-FFF2-40B4-BE49-F238E27FC236}">
+                  <a16:creationId xmlns:a16="http://schemas.microsoft.com/office/drawing/2014/main" id="{70E7FF1A-B3F7-F844-B958-D27F45E1DC2D}"/>
+                </a:ext>
+              </a:extLst>
+            </p:cNvPr>
+            <p:cNvCxnSpPr/>
+            <p:nvPr/>
+          </p:nvCxnSpPr>
+          <p:spPr>
+            <a:xfrm>
+              <a:off x="4794479" y="3244297"/>
+              <a:ext cx="237744" cy="306025"/>
+            </a:xfrm>
+            <a:prstGeom prst="line">
+              <a:avLst/>
+            </a:prstGeom>
+            <a:ln w="28575"/>
+          </p:spPr>
+          <p:style>
+            <a:lnRef idx="1">
+              <a:schemeClr val="dk1"/>
+            </a:lnRef>
+            <a:fillRef idx="0">
+              <a:schemeClr val="dk1"/>
+            </a:fillRef>
+            <a:effectRef idx="0">
+              <a:schemeClr val="dk1"/>
+            </a:effectRef>
+            <a:fontRef idx="minor">
+              <a:schemeClr val="tx1"/>
+            </a:fontRef>
+          </p:style>
+        </p:cxnSp>
+        <p:cxnSp>
+          <p:nvCxnSpPr>
+            <p:cNvPr id="34" name="Straight Connector 33">
+              <a:extLst>
+                <a:ext uri="{FF2B5EF4-FFF2-40B4-BE49-F238E27FC236}">
+                  <a16:creationId xmlns:a16="http://schemas.microsoft.com/office/drawing/2014/main" id="{CC5E2131-B1EE-BC43-AF0F-76A74F8C8107}"/>
+                </a:ext>
+              </a:extLst>
+            </p:cNvPr>
+            <p:cNvCxnSpPr>
+              <a:cxnSpLocks/>
+              <a:endCxn id="20" idx="2"/>
+            </p:cNvCxnSpPr>
+            <p:nvPr/>
+          </p:nvCxnSpPr>
+          <p:spPr>
+            <a:xfrm flipV="1">
+              <a:off x="4791456" y="2969977"/>
+              <a:ext cx="237744" cy="805897"/>
+            </a:xfrm>
+            <a:prstGeom prst="line">
+              <a:avLst/>
+            </a:prstGeom>
+            <a:ln w="28575"/>
+          </p:spPr>
+          <p:style>
+            <a:lnRef idx="1">
+              <a:schemeClr val="dk1"/>
+            </a:lnRef>
+            <a:fillRef idx="0">
+              <a:schemeClr val="dk1"/>
+            </a:fillRef>
+            <a:effectRef idx="0">
+              <a:schemeClr val="dk1"/>
+            </a:effectRef>
+            <a:fontRef idx="minor">
+              <a:schemeClr val="tx1"/>
+            </a:fontRef>
+          </p:style>
+        </p:cxnSp>
+        <p:cxnSp>
+          <p:nvCxnSpPr>
+            <p:cNvPr id="35" name="Straight Connector 34">
+              <a:extLst>
+                <a:ext uri="{FF2B5EF4-FFF2-40B4-BE49-F238E27FC236}">
+                  <a16:creationId xmlns:a16="http://schemas.microsoft.com/office/drawing/2014/main" id="{2DBFED98-B6FA-8B4E-876D-F52C114E6024}"/>
+                </a:ext>
+              </a:extLst>
+            </p:cNvPr>
+            <p:cNvCxnSpPr>
+              <a:cxnSpLocks/>
+              <a:endCxn id="25" idx="2"/>
+            </p:cNvCxnSpPr>
+            <p:nvPr/>
+          </p:nvCxnSpPr>
+          <p:spPr>
+            <a:xfrm flipV="1">
+              <a:off x="4791456" y="3551547"/>
+              <a:ext cx="237744" cy="224327"/>
+            </a:xfrm>
+            <a:prstGeom prst="line">
+              <a:avLst/>
+            </a:prstGeom>
+            <a:ln w="28575"/>
+          </p:spPr>
+          <p:style>
+            <a:lnRef idx="1">
+              <a:schemeClr val="dk1"/>
+            </a:lnRef>
+            <a:fillRef idx="0">
+              <a:schemeClr val="dk1"/>
+            </a:fillRef>
+            <a:effectRef idx="0">
+              <a:schemeClr val="dk1"/>
+            </a:effectRef>
+            <a:fontRef idx="minor">
+              <a:schemeClr val="tx1"/>
+            </a:fontRef>
+          </p:style>
+        </p:cxnSp>
+        <p:cxnSp>
+          <p:nvCxnSpPr>
+            <p:cNvPr id="36" name="Straight Connector 35">
+              <a:extLst>
+                <a:ext uri="{FF2B5EF4-FFF2-40B4-BE49-F238E27FC236}">
+                  <a16:creationId xmlns:a16="http://schemas.microsoft.com/office/drawing/2014/main" id="{791D79EA-EDB5-EB44-BFE1-4E1378E764D2}"/>
+                </a:ext>
+              </a:extLst>
+            </p:cNvPr>
+            <p:cNvCxnSpPr>
+              <a:cxnSpLocks/>
+              <a:endCxn id="28" idx="2"/>
+            </p:cNvCxnSpPr>
+            <p:nvPr/>
+          </p:nvCxnSpPr>
+          <p:spPr>
+            <a:xfrm flipV="1">
+              <a:off x="5431536" y="2958303"/>
+              <a:ext cx="262078" cy="33010"/>
+            </a:xfrm>
+            <a:prstGeom prst="line">
+              <a:avLst/>
+            </a:prstGeom>
+            <a:ln w="28575"/>
+          </p:spPr>
+          <p:style>
+            <a:lnRef idx="1">
+              <a:schemeClr val="dk1"/>
+            </a:lnRef>
+            <a:fillRef idx="0">
+              <a:schemeClr val="dk1"/>
+            </a:fillRef>
+            <a:effectRef idx="0">
+              <a:schemeClr val="dk1"/>
+            </a:effectRef>
+            <a:fontRef idx="minor">
+              <a:schemeClr val="tx1"/>
+            </a:fontRef>
+          </p:style>
+        </p:cxnSp>
+        <p:cxnSp>
+          <p:nvCxnSpPr>
+            <p:cNvPr id="37" name="Straight Connector 36">
+              <a:extLst>
+                <a:ext uri="{FF2B5EF4-FFF2-40B4-BE49-F238E27FC236}">
+                  <a16:creationId xmlns:a16="http://schemas.microsoft.com/office/drawing/2014/main" id="{AC8D7F98-F828-4749-89A9-70A2687F9B2D}"/>
+                </a:ext>
+              </a:extLst>
+            </p:cNvPr>
+            <p:cNvCxnSpPr>
+              <a:cxnSpLocks/>
+              <a:endCxn id="29" idx="2"/>
+            </p:cNvCxnSpPr>
+            <p:nvPr/>
+          </p:nvCxnSpPr>
+          <p:spPr>
+            <a:xfrm>
+              <a:off x="5431536" y="3023616"/>
+              <a:ext cx="237744" cy="515739"/>
+            </a:xfrm>
+            <a:prstGeom prst="line">
+              <a:avLst/>
+            </a:prstGeom>
+            <a:ln w="28575"/>
+          </p:spPr>
+          <p:style>
+            <a:lnRef idx="1">
+              <a:schemeClr val="dk1"/>
+            </a:lnRef>
+            <a:fillRef idx="0">
+              <a:schemeClr val="dk1"/>
+            </a:fillRef>
+            <a:effectRef idx="0">
+              <a:schemeClr val="dk1"/>
+            </a:effectRef>
+            <a:fontRef idx="minor">
+              <a:schemeClr val="tx1"/>
+            </a:fontRef>
+          </p:style>
+        </p:cxnSp>
+        <p:cxnSp>
+          <p:nvCxnSpPr>
+            <p:cNvPr id="38" name="Straight Connector 37">
+              <a:extLst>
+                <a:ext uri="{FF2B5EF4-FFF2-40B4-BE49-F238E27FC236}">
+                  <a16:creationId xmlns:a16="http://schemas.microsoft.com/office/drawing/2014/main" id="{CCAA8FC4-6819-0342-9A83-42B280E06237}"/>
+                </a:ext>
+              </a:extLst>
+            </p:cNvPr>
+            <p:cNvCxnSpPr>
+              <a:cxnSpLocks/>
+              <a:endCxn id="28" idx="2"/>
+            </p:cNvCxnSpPr>
+            <p:nvPr/>
+          </p:nvCxnSpPr>
+          <p:spPr>
+            <a:xfrm flipV="1">
+              <a:off x="5428513" y="2958303"/>
+              <a:ext cx="265101" cy="589598"/>
+            </a:xfrm>
+            <a:prstGeom prst="line">
+              <a:avLst/>
+            </a:prstGeom>
+            <a:ln w="28575"/>
+          </p:spPr>
+          <p:style>
+            <a:lnRef idx="1">
+              <a:schemeClr val="dk1"/>
+            </a:lnRef>
+            <a:fillRef idx="0">
+              <a:schemeClr val="dk1"/>
+            </a:fillRef>
+            <a:effectRef idx="0">
+              <a:schemeClr val="dk1"/>
+            </a:effectRef>
+            <a:fontRef idx="minor">
+              <a:schemeClr val="tx1"/>
+            </a:fontRef>
+          </p:style>
+        </p:cxnSp>
+        <p:cxnSp>
+          <p:nvCxnSpPr>
+            <p:cNvPr id="39" name="Straight Connector 38">
+              <a:extLst>
+                <a:ext uri="{FF2B5EF4-FFF2-40B4-BE49-F238E27FC236}">
+                  <a16:creationId xmlns:a16="http://schemas.microsoft.com/office/drawing/2014/main" id="{9DB29A49-FD36-804C-B626-ECEBE343A946}"/>
+                </a:ext>
+              </a:extLst>
+            </p:cNvPr>
+            <p:cNvCxnSpPr>
+              <a:cxnSpLocks/>
+              <a:endCxn id="29" idx="2"/>
+            </p:cNvCxnSpPr>
+            <p:nvPr/>
+          </p:nvCxnSpPr>
+          <p:spPr>
+            <a:xfrm>
+              <a:off x="5431536" y="3510697"/>
+              <a:ext cx="237744" cy="28658"/>
+            </a:xfrm>
+            <a:prstGeom prst="line">
+              <a:avLst/>
+            </a:prstGeom>
+            <a:ln w="28575"/>
+          </p:spPr>
+          <p:style>
+            <a:lnRef idx="1">
+              <a:schemeClr val="dk1"/>
+            </a:lnRef>
+            <a:fillRef idx="0">
+              <a:schemeClr val="dk1"/>
+            </a:fillRef>
+            <a:effectRef idx="0">
+              <a:schemeClr val="dk1"/>
+            </a:effectRef>
+            <a:fontRef idx="minor">
+              <a:schemeClr val="tx1"/>
+            </a:fontRef>
+          </p:style>
+        </p:cxnSp>
+      </p:grpSp>
+      <p:graphicFrame>
+        <p:nvGraphicFramePr>
+          <p:cNvPr id="5" name="Table 5">
+            <a:extLst>
+              <a:ext uri="{FF2B5EF4-FFF2-40B4-BE49-F238E27FC236}">
+                <a16:creationId xmlns:a16="http://schemas.microsoft.com/office/drawing/2014/main" id="{77FEABA3-487B-1046-962E-19F31B5554DD}"/>
+              </a:ext>
+            </a:extLst>
+          </p:cNvPr>
+          <p:cNvGraphicFramePr>
+            <a:graphicFrameLocks noGrp="1"/>
+          </p:cNvGraphicFramePr>
+          <p:nvPr>
+            <p:extLst>
+              <p:ext uri="{D42A27DB-BD31-4B8C-83A1-F6EECF244321}">
+                <p14:modId xmlns:p14="http://schemas.microsoft.com/office/powerpoint/2010/main" val="2891490566"/>
+              </p:ext>
+            </p:extLst>
+          </p:nvPr>
+        </p:nvGraphicFramePr>
+        <p:xfrm>
+          <a:off x="5382865" y="1803689"/>
+          <a:ext cx="1654828" cy="4876800"/>
+        </p:xfrm>
+        <a:graphic>
+          <a:graphicData uri="http://schemas.openxmlformats.org/drawingml/2006/table">
+            <a:tbl>
+              <a:tblPr firstRow="1" bandRow="1">
+                <a:tableStyleId>{073A0DAA-6AF3-43AB-8588-CEC1D06C72B9}</a:tableStyleId>
+              </a:tblPr>
+              <a:tblGrid>
+                <a:gridCol w="827414">
+                  <a:extLst>
+                    <a:ext uri="{9D8B030D-6E8A-4147-A177-3AD203B41FA5}">
+                      <a16:colId xmlns:a16="http://schemas.microsoft.com/office/drawing/2014/main" val="1088238618"/>
+                    </a:ext>
+                  </a:extLst>
+                </a:gridCol>
+                <a:gridCol w="827414">
+                  <a:extLst>
+                    <a:ext uri="{9D8B030D-6E8A-4147-A177-3AD203B41FA5}">
+                      <a16:colId xmlns:a16="http://schemas.microsoft.com/office/drawing/2014/main" val="2545921369"/>
+                    </a:ext>
+                  </a:extLst>
+                </a:gridCol>
+              </a:tblGrid>
+              <a:tr h="258046">
+                <a:tc>
+                  <a:txBody>
+                    <a:bodyPr/>
+                    <a:lstStyle/>
+                    <a:p>
+                      <a:pPr algn="ctr"/>
+                      <a:r>
+                        <a:rPr lang="en-US" dirty="0"/>
+                        <a:t>ID</a:t>
+                      </a:r>
+                    </a:p>
+                  </a:txBody>
+                  <a:tcPr/>
+                </a:tc>
+                <a:tc>
+                  <a:txBody>
+                    <a:bodyPr/>
+                    <a:lstStyle/>
+                    <a:p>
+                      <a:pPr algn="ctr"/>
+                      <a:r>
+                        <a:rPr lang="en-US" dirty="0"/>
+                        <a:t>SCORE</a:t>
+                      </a:r>
+                    </a:p>
+                  </a:txBody>
+                  <a:tcPr/>
+                </a:tc>
+                <a:extLst>
+                  <a:ext uri="{0D108BD9-81ED-4DB2-BD59-A6C34878D82A}">
+                    <a16:rowId xmlns:a16="http://schemas.microsoft.com/office/drawing/2014/main" val="302251417"/>
+                  </a:ext>
+                </a:extLst>
+              </a:tr>
+              <a:tr h="258046">
+                <a:tc>
+                  <a:txBody>
+                    <a:bodyPr/>
+                    <a:lstStyle/>
+                    <a:p>
+                      <a:pPr algn="ctr"/>
+                      <a:r>
+                        <a:rPr lang="en-US" dirty="0"/>
+                        <a:t>27</a:t>
+                      </a:r>
+                    </a:p>
+                  </a:txBody>
+                  <a:tcPr/>
+                </a:tc>
+                <a:tc>
+                  <a:txBody>
+                    <a:bodyPr/>
+                    <a:lstStyle/>
+                    <a:p>
+                      <a:pPr algn="ctr"/>
+                      <a:r>
+                        <a:rPr lang="en-US" dirty="0"/>
+                        <a:t>0.95</a:t>
+                      </a:r>
+                    </a:p>
+                  </a:txBody>
+                  <a:tcPr/>
+                </a:tc>
+                <a:extLst>
+                  <a:ext uri="{0D108BD9-81ED-4DB2-BD59-A6C34878D82A}">
+                    <a16:rowId xmlns:a16="http://schemas.microsoft.com/office/drawing/2014/main" val="122529026"/>
+                  </a:ext>
+                </a:extLst>
+              </a:tr>
+              <a:tr h="258046">
+                <a:tc>
+                  <a:txBody>
+                    <a:bodyPr/>
+                    <a:lstStyle/>
+                    <a:p>
+                      <a:pPr algn="ctr"/>
+                      <a:r>
+                        <a:rPr lang="en-US" dirty="0"/>
+                        <a:t>13</a:t>
+                      </a:r>
+                    </a:p>
+                  </a:txBody>
+                  <a:tcPr/>
+                </a:tc>
+                <a:tc>
+                  <a:txBody>
+                    <a:bodyPr/>
+                    <a:lstStyle/>
+                    <a:p>
+                      <a:pPr algn="ctr"/>
+                      <a:r>
+                        <a:rPr lang="en-US" dirty="0"/>
+                        <a:t>0.93</a:t>
+                      </a:r>
+                    </a:p>
+                  </a:txBody>
+                  <a:tcPr/>
+                </a:tc>
+                <a:extLst>
+                  <a:ext uri="{0D108BD9-81ED-4DB2-BD59-A6C34878D82A}">
+                    <a16:rowId xmlns:a16="http://schemas.microsoft.com/office/drawing/2014/main" val="4025916763"/>
+                  </a:ext>
+                </a:extLst>
+              </a:tr>
+              <a:tr h="258046">
+                <a:tc>
+                  <a:txBody>
+                    <a:bodyPr/>
+                    <a:lstStyle/>
+                    <a:p>
+                      <a:pPr algn="ctr"/>
+                      <a:r>
+                        <a:rPr lang="en-US" dirty="0"/>
+                        <a:t>1</a:t>
+                      </a:r>
+                    </a:p>
+                  </a:txBody>
+                  <a:tcPr/>
+                </a:tc>
+                <a:tc>
+                  <a:txBody>
+                    <a:bodyPr/>
+                    <a:lstStyle/>
+                    <a:p>
+                      <a:pPr algn="ctr"/>
+                      <a:r>
+                        <a:rPr lang="en-US" dirty="0"/>
+                        <a:t>0.89</a:t>
+                      </a:r>
+                    </a:p>
+                  </a:txBody>
+                  <a:tcPr/>
+                </a:tc>
+                <a:extLst>
+                  <a:ext uri="{0D108BD9-81ED-4DB2-BD59-A6C34878D82A}">
+                    <a16:rowId xmlns:a16="http://schemas.microsoft.com/office/drawing/2014/main" val="2323964280"/>
+                  </a:ext>
+                </a:extLst>
+              </a:tr>
+              <a:tr h="258046">
+                <a:tc>
+                  <a:txBody>
+                    <a:bodyPr/>
+                    <a:lstStyle/>
+                    <a:p>
+                      <a:pPr algn="ctr"/>
+                      <a:r>
+                        <a:rPr lang="en-US" dirty="0"/>
+                        <a:t>93</a:t>
+                      </a:r>
+                    </a:p>
+                  </a:txBody>
+                  <a:tcPr/>
+                </a:tc>
+                <a:tc>
+                  <a:txBody>
+                    <a:bodyPr/>
+                    <a:lstStyle/>
+                    <a:p>
+                      <a:pPr algn="ctr"/>
+                      <a:r>
+                        <a:rPr lang="en-US" dirty="0"/>
+                        <a:t>0.89</a:t>
+                      </a:r>
+                    </a:p>
+                  </a:txBody>
+                  <a:tcPr/>
+                </a:tc>
+                <a:extLst>
+                  <a:ext uri="{0D108BD9-81ED-4DB2-BD59-A6C34878D82A}">
+                    <a16:rowId xmlns:a16="http://schemas.microsoft.com/office/drawing/2014/main" val="2948836163"/>
+                  </a:ext>
+                </a:extLst>
+              </a:tr>
+              <a:tr h="258046">
+                <a:tc>
+                  <a:txBody>
+                    <a:bodyPr/>
+                    <a:lstStyle/>
+                    <a:p>
+                      <a:pPr algn="ctr"/>
+                      <a:r>
+                        <a:rPr lang="en-US" dirty="0"/>
+                        <a:t>53</a:t>
+                      </a:r>
+                    </a:p>
+                  </a:txBody>
+                  <a:tcPr/>
+                </a:tc>
+                <a:tc>
+                  <a:txBody>
+                    <a:bodyPr/>
+                    <a:lstStyle/>
+                    <a:p>
+                      <a:pPr algn="ctr"/>
+                      <a:r>
+                        <a:rPr lang="en-US" dirty="0"/>
+                        <a:t>0.82</a:t>
+                      </a:r>
+                    </a:p>
+                  </a:txBody>
+                  <a:tcPr/>
+                </a:tc>
+                <a:extLst>
+                  <a:ext uri="{0D108BD9-81ED-4DB2-BD59-A6C34878D82A}">
+                    <a16:rowId xmlns:a16="http://schemas.microsoft.com/office/drawing/2014/main" val="1952042522"/>
+                  </a:ext>
+                </a:extLst>
+              </a:tr>
+              <a:tr h="258046">
+                <a:tc>
+                  <a:txBody>
+                    <a:bodyPr/>
+                    <a:lstStyle/>
+                    <a:p>
+                      <a:pPr algn="ctr"/>
+                      <a:r>
+                        <a:rPr lang="en-US" dirty="0"/>
+                        <a:t>23</a:t>
+                      </a:r>
+                    </a:p>
+                  </a:txBody>
+                  <a:tcPr/>
+                </a:tc>
+                <a:tc>
+                  <a:txBody>
+                    <a:bodyPr/>
+                    <a:lstStyle/>
+                    <a:p>
+                      <a:pPr algn="ctr"/>
+                      <a:r>
+                        <a:rPr lang="en-US" dirty="0"/>
+                        <a:t>0.75</a:t>
+                      </a:r>
+                    </a:p>
+                  </a:txBody>
+                  <a:tcPr/>
+                </a:tc>
+                <a:extLst>
+                  <a:ext uri="{0D108BD9-81ED-4DB2-BD59-A6C34878D82A}">
+                    <a16:rowId xmlns:a16="http://schemas.microsoft.com/office/drawing/2014/main" val="974555594"/>
+                  </a:ext>
+                </a:extLst>
+              </a:tr>
+              <a:tr h="258046">
+                <a:tc>
+                  <a:txBody>
+                    <a:bodyPr/>
+                    <a:lstStyle/>
+                    <a:p>
+                      <a:pPr algn="ctr"/>
+                      <a:r>
+                        <a:rPr lang="en-US" dirty="0"/>
+                        <a:t>59</a:t>
+                      </a:r>
+                    </a:p>
+                  </a:txBody>
+                  <a:tcPr/>
+                </a:tc>
+                <a:tc>
+                  <a:txBody>
+                    <a:bodyPr/>
+                    <a:lstStyle/>
+                    <a:p>
+                      <a:pPr algn="ctr"/>
+                      <a:r>
+                        <a:rPr lang="en-US" dirty="0"/>
+                        <a:t>0.72</a:t>
+                      </a:r>
+                    </a:p>
+                  </a:txBody>
+                  <a:tcPr/>
+                </a:tc>
+                <a:extLst>
+                  <a:ext uri="{0D108BD9-81ED-4DB2-BD59-A6C34878D82A}">
+                    <a16:rowId xmlns:a16="http://schemas.microsoft.com/office/drawing/2014/main" val="3832195445"/>
+                  </a:ext>
+                </a:extLst>
+              </a:tr>
+              <a:tr h="258046">
+                <a:tc>
+                  <a:txBody>
+                    <a:bodyPr/>
+                    <a:lstStyle/>
+                    <a:p>
+                      <a:pPr algn="ctr"/>
+                      <a:r>
+                        <a:rPr lang="en-US" dirty="0"/>
+                        <a:t>64</a:t>
+                      </a:r>
+                    </a:p>
+                  </a:txBody>
+                  <a:tcPr/>
+                </a:tc>
+                <a:tc>
+                  <a:txBody>
+                    <a:bodyPr/>
+                    <a:lstStyle/>
+                    <a:p>
+                      <a:pPr algn="ctr"/>
+                      <a:r>
+                        <a:rPr lang="en-US" dirty="0"/>
+                        <a:t>0.65</a:t>
+                      </a:r>
+                    </a:p>
+                  </a:txBody>
+                  <a:tcPr/>
+                </a:tc>
+                <a:extLst>
+                  <a:ext uri="{0D108BD9-81ED-4DB2-BD59-A6C34878D82A}">
+                    <a16:rowId xmlns:a16="http://schemas.microsoft.com/office/drawing/2014/main" val="1564902966"/>
+                  </a:ext>
+                </a:extLst>
+              </a:tr>
+              <a:tr h="258046">
+                <a:tc>
+                  <a:txBody>
+                    <a:bodyPr/>
+                    <a:lstStyle/>
+                    <a:p>
+                      <a:pPr algn="ctr"/>
+                      <a:r>
+                        <a:rPr lang="en-US" dirty="0"/>
+                        <a:t>20</a:t>
+                      </a:r>
+                    </a:p>
+                  </a:txBody>
+                  <a:tcPr/>
+                </a:tc>
+                <a:tc>
+                  <a:txBody>
+                    <a:bodyPr/>
+                    <a:lstStyle/>
+                    <a:p>
+                      <a:pPr algn="ctr"/>
+                      <a:r>
+                        <a:rPr lang="en-US" dirty="0"/>
+                        <a:t>0.61</a:t>
+                      </a:r>
+                    </a:p>
+                  </a:txBody>
+                  <a:tcPr/>
+                </a:tc>
+                <a:extLst>
+                  <a:ext uri="{0D108BD9-81ED-4DB2-BD59-A6C34878D82A}">
+                    <a16:rowId xmlns:a16="http://schemas.microsoft.com/office/drawing/2014/main" val="1650052668"/>
+                  </a:ext>
+                </a:extLst>
+              </a:tr>
+              <a:tr h="258046">
+                <a:tc>
+                  <a:txBody>
+                    <a:bodyPr/>
+                    <a:lstStyle/>
+                    <a:p>
+                      <a:pPr algn="ctr"/>
+                      <a:r>
+                        <a:rPr lang="en-US" dirty="0"/>
+                        <a:t>18</a:t>
+                      </a:r>
+                    </a:p>
+                  </a:txBody>
+                  <a:tcPr/>
+                </a:tc>
+                <a:tc>
+                  <a:txBody>
+                    <a:bodyPr/>
+                    <a:lstStyle/>
+                    <a:p>
+                      <a:pPr algn="ctr"/>
+                      <a:r>
+                        <a:rPr lang="en-US" dirty="0"/>
+                        <a:t>0.59</a:t>
+                      </a:r>
+                    </a:p>
+                  </a:txBody>
+                  <a:tcPr/>
+                </a:tc>
+                <a:extLst>
+                  <a:ext uri="{0D108BD9-81ED-4DB2-BD59-A6C34878D82A}">
+                    <a16:rowId xmlns:a16="http://schemas.microsoft.com/office/drawing/2014/main" val="1045450806"/>
+                  </a:ext>
+                </a:extLst>
+              </a:tr>
+              <a:tr h="258046">
+                <a:tc>
+                  <a:txBody>
+                    <a:bodyPr/>
+                    <a:lstStyle/>
+                    <a:p>
+                      <a:pPr algn="ctr"/>
+                      <a:r>
+                        <a:rPr lang="en-US" dirty="0"/>
+                        <a:t>46</a:t>
+                      </a:r>
+                    </a:p>
+                  </a:txBody>
+                  <a:tcPr/>
+                </a:tc>
+                <a:tc>
+                  <a:txBody>
+                    <a:bodyPr/>
+                    <a:lstStyle/>
+                    <a:p>
+                      <a:pPr algn="ctr"/>
+                      <a:r>
+                        <a:rPr lang="en-US" dirty="0"/>
+                        <a:t>0.52</a:t>
+                      </a:r>
+                    </a:p>
+                  </a:txBody>
+                  <a:tcPr/>
+                </a:tc>
+                <a:extLst>
+                  <a:ext uri="{0D108BD9-81ED-4DB2-BD59-A6C34878D82A}">
+                    <a16:rowId xmlns:a16="http://schemas.microsoft.com/office/drawing/2014/main" val="2499045432"/>
+                  </a:ext>
+                </a:extLst>
+              </a:tr>
+              <a:tr h="258046">
+                <a:tc>
+                  <a:txBody>
+                    <a:bodyPr/>
+                    <a:lstStyle/>
+                    <a:p>
+                      <a:pPr algn="ctr"/>
+                      <a:r>
+                        <a:rPr lang="en-US" dirty="0"/>
+                        <a:t>82</a:t>
+                      </a:r>
+                    </a:p>
+                  </a:txBody>
+                  <a:tcPr/>
+                </a:tc>
+                <a:tc>
+                  <a:txBody>
+                    <a:bodyPr/>
+                    <a:lstStyle/>
+                    <a:p>
+                      <a:pPr algn="ctr"/>
+                      <a:r>
+                        <a:rPr lang="en-US" dirty="0"/>
+                        <a:t>0.48</a:t>
+                      </a:r>
+                    </a:p>
+                  </a:txBody>
+                  <a:tcPr/>
+                </a:tc>
+                <a:extLst>
+                  <a:ext uri="{0D108BD9-81ED-4DB2-BD59-A6C34878D82A}">
+                    <a16:rowId xmlns:a16="http://schemas.microsoft.com/office/drawing/2014/main" val="4231666519"/>
+                  </a:ext>
+                </a:extLst>
+              </a:tr>
+              <a:tr h="258046">
+                <a:tc>
+                  <a:txBody>
+                    <a:bodyPr/>
+                    <a:lstStyle/>
+                    <a:p>
+                      <a:pPr algn="ctr"/>
+                      <a:r>
+                        <a:rPr lang="en-US" dirty="0"/>
+                        <a:t>49</a:t>
+                      </a:r>
+                    </a:p>
+                  </a:txBody>
+                  <a:tcPr/>
+                </a:tc>
+                <a:tc>
+                  <a:txBody>
+                    <a:bodyPr/>
+                    <a:lstStyle/>
+                    <a:p>
+                      <a:pPr algn="ctr"/>
+                      <a:r>
+                        <a:rPr lang="en-US" dirty="0"/>
+                        <a:t>0.37</a:t>
+                      </a:r>
+                    </a:p>
+                  </a:txBody>
+                  <a:tcPr/>
+                </a:tc>
+                <a:extLst>
+                  <a:ext uri="{0D108BD9-81ED-4DB2-BD59-A6C34878D82A}">
+                    <a16:rowId xmlns:a16="http://schemas.microsoft.com/office/drawing/2014/main" val="1155732854"/>
+                  </a:ext>
+                </a:extLst>
+              </a:tr>
+              <a:tr h="258046">
+                <a:tc>
+                  <a:txBody>
+                    <a:bodyPr/>
+                    <a:lstStyle/>
+                    <a:p>
+                      <a:pPr algn="ctr"/>
+                      <a:r>
+                        <a:rPr lang="en-US" dirty="0"/>
+                        <a:t>56</a:t>
+                      </a:r>
+                    </a:p>
+                  </a:txBody>
+                  <a:tcPr/>
+                </a:tc>
+                <a:tc>
+                  <a:txBody>
+                    <a:bodyPr/>
+                    <a:lstStyle/>
+                    <a:p>
+                      <a:pPr algn="ctr"/>
+                      <a:r>
+                        <a:rPr lang="en-US" dirty="0"/>
+                        <a:t>0.22</a:t>
+                      </a:r>
+                    </a:p>
+                  </a:txBody>
+                  <a:tcPr/>
+                </a:tc>
+                <a:extLst>
+                  <a:ext uri="{0D108BD9-81ED-4DB2-BD59-A6C34878D82A}">
+                    <a16:rowId xmlns:a16="http://schemas.microsoft.com/office/drawing/2014/main" val="2603839184"/>
+                  </a:ext>
+                </a:extLst>
+              </a:tr>
+              <a:tr h="258046">
+                <a:tc>
+                  <a:txBody>
+                    <a:bodyPr/>
+                    <a:lstStyle/>
+                    <a:p>
+                      <a:pPr algn="ctr"/>
+                      <a:r>
+                        <a:rPr lang="en-US" dirty="0"/>
+                        <a:t>17</a:t>
+                      </a:r>
+                    </a:p>
+                  </a:txBody>
+                  <a:tcPr/>
+                </a:tc>
+                <a:tc>
+                  <a:txBody>
+                    <a:bodyPr/>
+                    <a:lstStyle/>
+                    <a:p>
+                      <a:pPr algn="ctr"/>
+                      <a:r>
+                        <a:rPr lang="en-US" dirty="0"/>
+                        <a:t>0.12</a:t>
+                      </a:r>
+                    </a:p>
+                  </a:txBody>
+                  <a:tcPr/>
+                </a:tc>
+                <a:extLst>
+                  <a:ext uri="{0D108BD9-81ED-4DB2-BD59-A6C34878D82A}">
+                    <a16:rowId xmlns:a16="http://schemas.microsoft.com/office/drawing/2014/main" val="14563681"/>
+                  </a:ext>
+                </a:extLst>
+              </a:tr>
+            </a:tbl>
+          </a:graphicData>
+        </a:graphic>
+      </p:graphicFrame>
+      <p:sp>
+        <p:nvSpPr>
+          <p:cNvPr id="6" name="Right Arrow 5">
+            <a:extLst>
+              <a:ext uri="{FF2B5EF4-FFF2-40B4-BE49-F238E27FC236}">
+                <a16:creationId xmlns:a16="http://schemas.microsoft.com/office/drawing/2014/main" id="{9B6C0F7E-394D-C849-AEEA-57F9432B58C8}"/>
+              </a:ext>
+            </a:extLst>
+          </p:cNvPr>
+          <p:cNvSpPr/>
+          <p:nvPr/>
+        </p:nvSpPr>
+        <p:spPr>
+          <a:xfrm>
+            <a:off x="3454203" y="4622104"/>
+            <a:ext cx="1916392" cy="350729"/>
+          </a:xfrm>
+          <a:prstGeom prst="rightArrow">
+            <a:avLst/>
+          </a:prstGeom>
+          <a:solidFill>
+            <a:srgbClr val="0070C0"/>
+          </a:solidFill>
+          <a:ln>
+            <a:noFill/>
+          </a:ln>
+        </p:spPr>
+        <p:style>
+          <a:lnRef idx="2">
+            <a:schemeClr val="accent1">
+              <a:shade val="50000"/>
+            </a:schemeClr>
+          </a:lnRef>
+          <a:fillRef idx="1">
+            <a:schemeClr val="accent1"/>
+          </a:fillRef>
+          <a:effectRef idx="0">
+            <a:schemeClr val="accent1"/>
+          </a:effectRef>
+          <a:fontRef idx="minor">
+            <a:schemeClr val="lt1"/>
+          </a:fontRef>
+        </p:style>
+        <p:txBody>
+          <a:bodyPr rtlCol="0" anchor="ctr"/>
+          <a:lstStyle/>
+          <a:p>
+            <a:pPr algn="ctr"/>
+            <a:endParaRPr lang="en-US"/>
+          </a:p>
+        </p:txBody>
+      </p:sp>
+      <p:sp>
+        <p:nvSpPr>
+          <p:cNvPr id="40" name="TextBox 39">
+            <a:extLst>
+              <a:ext uri="{FF2B5EF4-FFF2-40B4-BE49-F238E27FC236}">
+                <a16:creationId xmlns:a16="http://schemas.microsoft.com/office/drawing/2014/main" id="{CD8EA7B6-012E-3340-9E87-E323487E7303}"/>
+              </a:ext>
+            </a:extLst>
+          </p:cNvPr>
+          <p:cNvSpPr txBox="1"/>
+          <p:nvPr/>
+        </p:nvSpPr>
+        <p:spPr>
+          <a:xfrm>
+            <a:off x="3696510" y="3272099"/>
+            <a:ext cx="1141659" cy="461665"/>
+          </a:xfrm>
+          <a:prstGeom prst="rect">
+            <a:avLst/>
+          </a:prstGeom>
+          <a:noFill/>
+        </p:spPr>
+        <p:txBody>
+          <a:bodyPr wrap="none" rtlCol="0">
+            <a:spAutoFit/>
+          </a:bodyPr>
+          <a:lstStyle/>
+          <a:p>
+            <a:r>
+              <a:rPr lang="en-US" sz="2400" dirty="0">
+                <a:latin typeface="Century Gothic" panose="020B0502020202020204" pitchFamily="34" charset="0"/>
+              </a:rPr>
+              <a:t>Model</a:t>
+            </a:r>
+          </a:p>
+        </p:txBody>
+      </p:sp>
+      <p:sp>
+        <p:nvSpPr>
+          <p:cNvPr id="41" name="TextBox 40">
+            <a:extLst>
+              <a:ext uri="{FF2B5EF4-FFF2-40B4-BE49-F238E27FC236}">
+                <a16:creationId xmlns:a16="http://schemas.microsoft.com/office/drawing/2014/main" id="{FE13169F-ADA2-914B-8C32-2AD6FA04C976}"/>
+              </a:ext>
+            </a:extLst>
+          </p:cNvPr>
+          <p:cNvSpPr txBox="1"/>
+          <p:nvPr/>
+        </p:nvSpPr>
+        <p:spPr>
+          <a:xfrm>
+            <a:off x="4955885" y="1187209"/>
+            <a:ext cx="2709396" cy="461665"/>
+          </a:xfrm>
+          <a:prstGeom prst="rect">
+            <a:avLst/>
+          </a:prstGeom>
+          <a:noFill/>
+        </p:spPr>
+        <p:txBody>
+          <a:bodyPr wrap="none" rtlCol="0">
+            <a:spAutoFit/>
+          </a:bodyPr>
+          <a:lstStyle/>
+          <a:p>
+            <a:r>
+              <a:rPr lang="en-US" sz="2400" dirty="0">
+                <a:latin typeface="Century Gothic" panose="020B0502020202020204" pitchFamily="34" charset="0"/>
+              </a:rPr>
+              <a:t>Return to Jail Risk</a:t>
+            </a:r>
+          </a:p>
+        </p:txBody>
+      </p:sp>
+      <p:sp>
+        <p:nvSpPr>
+          <p:cNvPr id="7" name="Rectangle 6">
+            <a:extLst>
+              <a:ext uri="{FF2B5EF4-FFF2-40B4-BE49-F238E27FC236}">
+                <a16:creationId xmlns:a16="http://schemas.microsoft.com/office/drawing/2014/main" id="{81BFFD78-6ACB-084C-8897-FB70032B66B3}"/>
+              </a:ext>
+            </a:extLst>
+          </p:cNvPr>
+          <p:cNvSpPr/>
+          <p:nvPr/>
+        </p:nvSpPr>
+        <p:spPr>
+          <a:xfrm>
+            <a:off x="5370595" y="2129425"/>
+            <a:ext cx="1667098" cy="1481455"/>
+          </a:xfrm>
+          <a:prstGeom prst="rect">
+            <a:avLst/>
+          </a:prstGeom>
+          <a:noFill/>
+          <a:ln w="76200">
+            <a:solidFill>
+              <a:srgbClr val="FFC000"/>
+            </a:solidFill>
+          </a:ln>
+        </p:spPr>
+        <p:style>
+          <a:lnRef idx="2">
+            <a:schemeClr val="accent1">
+              <a:shade val="50000"/>
+            </a:schemeClr>
+          </a:lnRef>
+          <a:fillRef idx="1">
+            <a:schemeClr val="accent1"/>
+          </a:fillRef>
+          <a:effectRef idx="0">
+            <a:schemeClr val="accent1"/>
+          </a:effectRef>
+          <a:fontRef idx="minor">
+            <a:schemeClr val="lt1"/>
+          </a:fontRef>
+        </p:style>
+        <p:txBody>
+          <a:bodyPr rtlCol="0" anchor="ctr"/>
+          <a:lstStyle/>
+          <a:p>
+            <a:pPr algn="ctr"/>
+            <a:endParaRPr lang="en-US"/>
+          </a:p>
+        </p:txBody>
+      </p:sp>
+      <p:sp>
+        <p:nvSpPr>
+          <p:cNvPr id="42" name="Right Arrow 41">
+            <a:extLst>
+              <a:ext uri="{FF2B5EF4-FFF2-40B4-BE49-F238E27FC236}">
+                <a16:creationId xmlns:a16="http://schemas.microsoft.com/office/drawing/2014/main" id="{B29C028E-CDA4-604B-9B8F-64BDD06881B5}"/>
+              </a:ext>
+            </a:extLst>
+          </p:cNvPr>
+          <p:cNvSpPr/>
+          <p:nvPr/>
+        </p:nvSpPr>
+        <p:spPr>
+          <a:xfrm>
+            <a:off x="7049963" y="2694787"/>
+            <a:ext cx="1943723" cy="350729"/>
+          </a:xfrm>
+          <a:prstGeom prst="rightArrow">
+            <a:avLst/>
+          </a:prstGeom>
+          <a:solidFill>
+            <a:srgbClr val="FFC000"/>
+          </a:solidFill>
+          <a:ln>
+            <a:noFill/>
+          </a:ln>
+        </p:spPr>
+        <p:style>
+          <a:lnRef idx="2">
+            <a:schemeClr val="accent1">
+              <a:shade val="50000"/>
+            </a:schemeClr>
+          </a:lnRef>
+          <a:fillRef idx="1">
+            <a:schemeClr val="accent1"/>
+          </a:fillRef>
+          <a:effectRef idx="0">
+            <a:schemeClr val="accent1"/>
+          </a:effectRef>
+          <a:fontRef idx="minor">
+            <a:schemeClr val="lt1"/>
+          </a:fontRef>
+        </p:style>
+        <p:txBody>
+          <a:bodyPr rtlCol="0" anchor="ctr"/>
+          <a:lstStyle/>
+          <a:p>
+            <a:pPr algn="ctr"/>
+            <a:endParaRPr lang="en-US"/>
+          </a:p>
+        </p:txBody>
+      </p:sp>
+      <p:sp>
+        <p:nvSpPr>
+          <p:cNvPr id="44" name="Google Shape;75;p10">
+            <a:extLst>
+              <a:ext uri="{FF2B5EF4-FFF2-40B4-BE49-F238E27FC236}">
+                <a16:creationId xmlns:a16="http://schemas.microsoft.com/office/drawing/2014/main" id="{80248251-D983-E945-852F-13ECC4C7A7A1}"/>
+              </a:ext>
+            </a:extLst>
+          </p:cNvPr>
+          <p:cNvSpPr/>
+          <p:nvPr/>
+        </p:nvSpPr>
+        <p:spPr>
+          <a:xfrm>
+            <a:off x="8993687" y="2293565"/>
+            <a:ext cx="1981242" cy="1153172"/>
+          </a:xfrm>
+          <a:prstGeom prst="rect">
+            <a:avLst/>
+          </a:prstGeom>
+          <a:solidFill>
+            <a:schemeClr val="lt2"/>
+          </a:solidFill>
+          <a:ln w="9525" cap="flat" cmpd="sng">
+            <a:solidFill>
+              <a:schemeClr val="dk2"/>
+            </a:solidFill>
+            <a:prstDash val="solid"/>
+            <a:round/>
+            <a:headEnd type="none" w="sm" len="sm"/>
+            <a:tailEnd type="none" w="sm" len="sm"/>
+          </a:ln>
+        </p:spPr>
+        <p:txBody>
+          <a:bodyPr spcFirstLastPara="1" wrap="square" lIns="121900" tIns="121900" rIns="121900" bIns="121900" anchor="ctr" anchorCtr="0">
+            <a:noAutofit/>
+          </a:bodyPr>
+          <a:lstStyle/>
+          <a:p>
+            <a:pPr algn="ctr"/>
+            <a:endParaRPr sz="1867" dirty="0">
+              <a:latin typeface="Century Gothic"/>
+              <a:ea typeface="Century Gothic"/>
+              <a:cs typeface="Century Gothic"/>
+              <a:sym typeface="Century Gothic"/>
+            </a:endParaRPr>
+          </a:p>
+        </p:txBody>
+      </p:sp>
+      <p:sp>
+        <p:nvSpPr>
+          <p:cNvPr id="45" name="TextBox 44">
+            <a:extLst>
+              <a:ext uri="{FF2B5EF4-FFF2-40B4-BE49-F238E27FC236}">
+                <a16:creationId xmlns:a16="http://schemas.microsoft.com/office/drawing/2014/main" id="{E4819DD2-A9C7-A543-9B48-E32CF949C9FE}"/>
+              </a:ext>
+            </a:extLst>
+          </p:cNvPr>
+          <p:cNvSpPr txBox="1"/>
+          <p:nvPr/>
+        </p:nvSpPr>
+        <p:spPr>
+          <a:xfrm>
+            <a:off x="9167417" y="2310364"/>
+            <a:ext cx="1633781" cy="1200329"/>
+          </a:xfrm>
+          <a:prstGeom prst="rect">
+            <a:avLst/>
+          </a:prstGeom>
+          <a:noFill/>
+        </p:spPr>
+        <p:txBody>
+          <a:bodyPr wrap="none" rtlCol="0">
+            <a:spAutoFit/>
+          </a:bodyPr>
+          <a:lstStyle/>
+          <a:p>
+            <a:pPr algn="ctr"/>
+            <a:r>
+              <a:rPr lang="en-US" sz="2400" dirty="0">
+                <a:latin typeface="Century Gothic" panose="020B0502020202020204" pitchFamily="34" charset="0"/>
+              </a:rPr>
+              <a:t>Mental</a:t>
+            </a:r>
+          </a:p>
+          <a:p>
+            <a:pPr algn="ctr"/>
+            <a:r>
+              <a:rPr lang="en-US" sz="2400" dirty="0">
+                <a:latin typeface="Century Gothic" panose="020B0502020202020204" pitchFamily="34" charset="0"/>
+              </a:rPr>
+              <a:t>Health</a:t>
+            </a:r>
+          </a:p>
+          <a:p>
+            <a:pPr algn="ctr"/>
+            <a:r>
+              <a:rPr lang="en-US" sz="2400" dirty="0">
+                <a:latin typeface="Century Gothic" panose="020B0502020202020204" pitchFamily="34" charset="0"/>
+              </a:rPr>
+              <a:t>Outreach</a:t>
+            </a:r>
+          </a:p>
+        </p:txBody>
+      </p:sp>
+      <p:sp>
+        <p:nvSpPr>
+          <p:cNvPr id="46" name="Google Shape;75;p10">
+            <a:extLst>
+              <a:ext uri="{FF2B5EF4-FFF2-40B4-BE49-F238E27FC236}">
+                <a16:creationId xmlns:a16="http://schemas.microsoft.com/office/drawing/2014/main" id="{162E5AA6-9B51-DD4C-9E71-D5D0C0DE7EEC}"/>
+              </a:ext>
+            </a:extLst>
+          </p:cNvPr>
+          <p:cNvSpPr/>
+          <p:nvPr/>
+        </p:nvSpPr>
+        <p:spPr>
+          <a:xfrm>
+            <a:off x="9020826" y="4644025"/>
+            <a:ext cx="1981242" cy="1153172"/>
+          </a:xfrm>
+          <a:prstGeom prst="rect">
+            <a:avLst/>
+          </a:prstGeom>
+          <a:solidFill>
+            <a:schemeClr val="lt2"/>
+          </a:solidFill>
+          <a:ln w="9525" cap="flat" cmpd="sng">
+            <a:solidFill>
+              <a:schemeClr val="dk2"/>
+            </a:solidFill>
+            <a:prstDash val="solid"/>
+            <a:round/>
+            <a:headEnd type="none" w="sm" len="sm"/>
+            <a:tailEnd type="none" w="sm" len="sm"/>
+          </a:ln>
+        </p:spPr>
+        <p:txBody>
+          <a:bodyPr spcFirstLastPara="1" wrap="square" lIns="121900" tIns="121900" rIns="121900" bIns="121900" anchor="ctr" anchorCtr="0">
+            <a:noAutofit/>
+          </a:bodyPr>
+          <a:lstStyle/>
+          <a:p>
+            <a:pPr algn="ctr"/>
+            <a:endParaRPr sz="1867" dirty="0">
+              <a:latin typeface="Century Gothic"/>
+              <a:ea typeface="Century Gothic"/>
+              <a:cs typeface="Century Gothic"/>
+              <a:sym typeface="Century Gothic"/>
+            </a:endParaRPr>
+          </a:p>
+        </p:txBody>
+      </p:sp>
+      <p:sp>
+        <p:nvSpPr>
+          <p:cNvPr id="47" name="TextBox 46">
+            <a:extLst>
+              <a:ext uri="{FF2B5EF4-FFF2-40B4-BE49-F238E27FC236}">
+                <a16:creationId xmlns:a16="http://schemas.microsoft.com/office/drawing/2014/main" id="{2153B0C9-A395-0D4E-9870-A399AAC450A3}"/>
+              </a:ext>
+            </a:extLst>
+          </p:cNvPr>
+          <p:cNvSpPr txBox="1"/>
+          <p:nvPr/>
+        </p:nvSpPr>
+        <p:spPr>
+          <a:xfrm>
+            <a:off x="9265200" y="4811209"/>
+            <a:ext cx="1535998" cy="830997"/>
+          </a:xfrm>
+          <a:prstGeom prst="rect">
+            <a:avLst/>
+          </a:prstGeom>
+          <a:noFill/>
+        </p:spPr>
+        <p:txBody>
+          <a:bodyPr wrap="none" rtlCol="0">
+            <a:spAutoFit/>
+          </a:bodyPr>
+          <a:lstStyle/>
+          <a:p>
+            <a:pPr algn="ctr"/>
+            <a:r>
+              <a:rPr lang="en-US" sz="2400" dirty="0">
+                <a:latin typeface="Century Gothic" panose="020B0502020202020204" pitchFamily="34" charset="0"/>
+              </a:rPr>
+              <a:t>Return to</a:t>
+            </a:r>
+          </a:p>
+          <a:p>
+            <a:pPr algn="ctr"/>
+            <a:r>
+              <a:rPr lang="en-US" sz="2400" dirty="0">
+                <a:latin typeface="Century Gothic" panose="020B0502020202020204" pitchFamily="34" charset="0"/>
+              </a:rPr>
+              <a:t>Jail</a:t>
+            </a:r>
+          </a:p>
+        </p:txBody>
+      </p:sp>
+      <p:sp>
+        <p:nvSpPr>
+          <p:cNvPr id="48" name="Right Arrow 47">
+            <a:extLst>
+              <a:ext uri="{FF2B5EF4-FFF2-40B4-BE49-F238E27FC236}">
+                <a16:creationId xmlns:a16="http://schemas.microsoft.com/office/drawing/2014/main" id="{703A189E-3971-8841-B588-03762A073818}"/>
+              </a:ext>
+            </a:extLst>
+          </p:cNvPr>
+          <p:cNvSpPr/>
+          <p:nvPr/>
+        </p:nvSpPr>
+        <p:spPr>
+          <a:xfrm rot="5400000">
+            <a:off x="9467615" y="3882766"/>
+            <a:ext cx="1033382" cy="350729"/>
+          </a:xfrm>
+          <a:prstGeom prst="rightArrow">
+            <a:avLst/>
+          </a:prstGeom>
+          <a:solidFill>
+            <a:schemeClr val="tx2">
+              <a:lumMod val="75000"/>
+            </a:schemeClr>
+          </a:solidFill>
+          <a:ln>
+            <a:noFill/>
+          </a:ln>
+        </p:spPr>
+        <p:style>
+          <a:lnRef idx="2">
+            <a:schemeClr val="accent1">
+              <a:shade val="50000"/>
+            </a:schemeClr>
+          </a:lnRef>
+          <a:fillRef idx="1">
+            <a:schemeClr val="accent1"/>
+          </a:fillRef>
+          <a:effectRef idx="0">
+            <a:schemeClr val="accent1"/>
+          </a:effectRef>
+          <a:fontRef idx="minor">
+            <a:schemeClr val="lt1"/>
+          </a:fontRef>
+        </p:style>
+        <p:txBody>
+          <a:bodyPr rtlCol="0" anchor="ctr"/>
+          <a:lstStyle/>
+          <a:p>
+            <a:pPr algn="ctr"/>
+            <a:endParaRPr lang="en-US"/>
+          </a:p>
+        </p:txBody>
+      </p:sp>
+      <p:sp>
+        <p:nvSpPr>
+          <p:cNvPr id="49" name="TextBox 48">
+            <a:extLst>
+              <a:ext uri="{FF2B5EF4-FFF2-40B4-BE49-F238E27FC236}">
+                <a16:creationId xmlns:a16="http://schemas.microsoft.com/office/drawing/2014/main" id="{C40228CA-82BC-764B-B936-59C954EB3F4A}"/>
+              </a:ext>
+            </a:extLst>
+          </p:cNvPr>
+          <p:cNvSpPr txBox="1"/>
+          <p:nvPr/>
+        </p:nvSpPr>
+        <p:spPr>
+          <a:xfrm>
+            <a:off x="9635492" y="3446737"/>
+            <a:ext cx="697627" cy="1015663"/>
+          </a:xfrm>
+          <a:prstGeom prst="rect">
+            <a:avLst/>
+          </a:prstGeom>
+          <a:noFill/>
+        </p:spPr>
+        <p:txBody>
+          <a:bodyPr wrap="none" rtlCol="0">
+            <a:spAutoFit/>
+          </a:bodyPr>
+          <a:lstStyle/>
+          <a:p>
+            <a:r>
+              <a:rPr lang="en-US" sz="6000" dirty="0">
+                <a:solidFill>
+                  <a:srgbClr val="FF0000"/>
+                </a:solidFill>
+              </a:rPr>
+              <a:t>X</a:t>
+            </a:r>
+          </a:p>
+        </p:txBody>
+      </p:sp>
+    </p:spTree>
+    <p:extLst>
+      <p:ext uri="{BB962C8B-B14F-4D97-AF65-F5344CB8AC3E}">
+        <p14:creationId xmlns:p14="http://schemas.microsoft.com/office/powerpoint/2010/main" val="701318457"/>
+      </p:ext>
+    </p:extLst>
+  </p:cSld>
+  <p:clrMapOvr>
+    <a:masterClrMapping/>
+  </p:clrMapOvr>
+</p:sld>
+</file>
+
+<file path=ppt/slides/slide3.xml><?xml version="1.0" encoding="utf-8"?>
+<p:sld xmlns:a="http://schemas.openxmlformats.org/drawingml/2006/main" xmlns:r="http://schemas.openxmlformats.org/officeDocument/2006/relationships" xmlns:p="http://schemas.openxmlformats.org/presentationml/2006/main">
+  <p:cSld>
+    <p:spTree>
+      <p:nvGrpSpPr>
+        <p:cNvPr id="1" name=""/>
+        <p:cNvGrpSpPr/>
+        <p:nvPr/>
+      </p:nvGrpSpPr>
+      <p:grpSpPr>
+        <a:xfrm>
+          <a:off x="0" y="0"/>
+          <a:ext cx="0" cy="0"/>
+          <a:chOff x="0" y="0"/>
+          <a:chExt cx="0" cy="0"/>
+        </a:xfrm>
+      </p:grpSpPr>
+      <p:sp>
+        <p:nvSpPr>
+          <p:cNvPr id="4" name="Rectangle 3">
+            <a:extLst>
+              <a:ext uri="{FF2B5EF4-FFF2-40B4-BE49-F238E27FC236}">
+                <a16:creationId xmlns:a16="http://schemas.microsoft.com/office/drawing/2014/main" id="{368D15A7-3146-CC4E-9BB7-36C100B2CAF2}"/>
+              </a:ext>
+            </a:extLst>
+          </p:cNvPr>
+          <p:cNvSpPr/>
+          <p:nvPr/>
+        </p:nvSpPr>
+        <p:spPr>
+          <a:xfrm>
+            <a:off x="0" y="0"/>
+            <a:ext cx="12192000" cy="6858000"/>
+          </a:xfrm>
+          <a:prstGeom prst="rect">
+            <a:avLst/>
+          </a:prstGeom>
+          <a:solidFill>
+            <a:srgbClr val="A61B00"/>
+          </a:solidFill>
+          <a:ln>
+            <a:solidFill>
+              <a:srgbClr val="A61B00"/>
+            </a:solidFill>
+          </a:ln>
+        </p:spPr>
+        <p:style>
+          <a:lnRef idx="2">
+            <a:schemeClr val="accent1">
+              <a:shade val="50000"/>
+            </a:schemeClr>
+          </a:lnRef>
+          <a:fillRef idx="1">
+            <a:schemeClr val="accent1"/>
+          </a:fillRef>
+          <a:effectRef idx="0">
+            <a:schemeClr val="accent1"/>
+          </a:effectRef>
+          <a:fontRef idx="minor">
+            <a:schemeClr val="lt1"/>
+          </a:fontRef>
+        </p:style>
+        <p:txBody>
+          <a:bodyPr rtlCol="0" anchor="ctr"/>
+          <a:lstStyle/>
+          <a:p>
+            <a:pPr algn="ctr"/>
+            <a:endParaRPr lang="en-US" dirty="0"/>
+          </a:p>
+        </p:txBody>
+      </p:sp>
+      <p:sp>
+        <p:nvSpPr>
+          <p:cNvPr id="5" name="TextBox 4">
+            <a:extLst>
+              <a:ext uri="{FF2B5EF4-FFF2-40B4-BE49-F238E27FC236}">
+                <a16:creationId xmlns:a16="http://schemas.microsoft.com/office/drawing/2014/main" id="{638BBB62-1E7B-C641-8352-7C61F8A883C7}"/>
+              </a:ext>
+            </a:extLst>
+          </p:cNvPr>
+          <p:cNvSpPr txBox="1"/>
+          <p:nvPr/>
+        </p:nvSpPr>
+        <p:spPr>
+          <a:xfrm>
+            <a:off x="322728" y="398033"/>
+            <a:ext cx="8025205" cy="2123658"/>
+          </a:xfrm>
+          <a:prstGeom prst="rect">
+            <a:avLst/>
+          </a:prstGeom>
+          <a:noFill/>
+        </p:spPr>
+        <p:txBody>
+          <a:bodyPr wrap="square" rtlCol="0">
+            <a:spAutoFit/>
+          </a:bodyPr>
+          <a:lstStyle/>
+          <a:p>
+            <a:r>
+              <a:rPr lang="en-US" sz="6600" dirty="0">
+                <a:solidFill>
+                  <a:schemeClr val="bg1"/>
+                </a:solidFill>
+              </a:rPr>
+              <a:t>Recap:</a:t>
+            </a:r>
+          </a:p>
+          <a:p>
+            <a:r>
+              <a:rPr lang="en-US" sz="6600" dirty="0">
+                <a:solidFill>
+                  <a:schemeClr val="bg1"/>
+                </a:solidFill>
+              </a:rPr>
+              <a:t>Bias and Fairness</a:t>
+            </a:r>
+          </a:p>
+        </p:txBody>
+      </p:sp>
+    </p:spTree>
+    <p:extLst>
+      <p:ext uri="{BB962C8B-B14F-4D97-AF65-F5344CB8AC3E}">
+        <p14:creationId xmlns:p14="http://schemas.microsoft.com/office/powerpoint/2010/main" val="1375491216"/>
+      </p:ext>
+    </p:extLst>
+  </p:cSld>
+  <p:clrMapOvr>
+    <a:masterClrMapping/>
+  </p:clrMapOvr>
+</p:sld>
+</file>
+
+<file path=ppt/slides/slide30.xml><?xml version="1.0" encoding="utf-8"?>
+<p:sld xmlns:a="http://schemas.openxmlformats.org/drawingml/2006/main" xmlns:r="http://schemas.openxmlformats.org/officeDocument/2006/relationships" xmlns:p="http://schemas.openxmlformats.org/presentationml/2006/main">
+  <p:cSld>
+    <p:spTree>
+      <p:nvGrpSpPr>
+        <p:cNvPr id="1" name="Shape 1225"/>
+        <p:cNvGrpSpPr/>
+        <p:nvPr/>
+      </p:nvGrpSpPr>
+      <p:grpSpPr>
+        <a:xfrm>
+          <a:off x="0" y="0"/>
+          <a:ext cx="0" cy="0"/>
+          <a:chOff x="0" y="0"/>
+          <a:chExt cx="0" cy="0"/>
+        </a:xfrm>
+      </p:grpSpPr>
+      <p:sp>
+        <p:nvSpPr>
+          <p:cNvPr id="1226" name="Google Shape;1226;p142"/>
+          <p:cNvSpPr txBox="1">
+            <a:spLocks noGrp="1"/>
+          </p:cNvSpPr>
+          <p:nvPr>
+            <p:ph type="title"/>
+          </p:nvPr>
+        </p:nvSpPr>
+        <p:spPr>
+          <a:prstGeom prst="rect">
+            <a:avLst/>
+          </a:prstGeom>
+        </p:spPr>
+        <p:txBody>
+          <a:bodyPr spcFirstLastPara="1" wrap="square" lIns="121900" tIns="121900" rIns="121900" bIns="121900" anchor="ctr" anchorCtr="0">
+            <a:noAutofit/>
+          </a:bodyPr>
+          <a:lstStyle/>
+          <a:p>
+            <a:r>
+              <a:rPr lang="en-US" sz="3200" dirty="0"/>
+              <a:t>CASE STUDY: Mental Health and Incarceration</a:t>
+            </a:r>
+            <a:endParaRPr sz="3200" dirty="0"/>
+          </a:p>
+        </p:txBody>
+      </p:sp>
+      <p:sp>
+        <p:nvSpPr>
+          <p:cNvPr id="12" name="Google Shape;75;p10">
+            <a:extLst>
+              <a:ext uri="{FF2B5EF4-FFF2-40B4-BE49-F238E27FC236}">
+                <a16:creationId xmlns:a16="http://schemas.microsoft.com/office/drawing/2014/main" id="{8C379909-E112-AF40-AB06-F3DCE0D1D789}"/>
+              </a:ext>
+            </a:extLst>
+          </p:cNvPr>
+          <p:cNvSpPr/>
+          <p:nvPr/>
+        </p:nvSpPr>
+        <p:spPr>
+          <a:xfrm>
+            <a:off x="242315" y="1399344"/>
+            <a:ext cx="3352656" cy="4888721"/>
+          </a:xfrm>
+          <a:prstGeom prst="rect">
+            <a:avLst/>
+          </a:prstGeom>
+          <a:solidFill>
+            <a:schemeClr val="lt2"/>
+          </a:solidFill>
+          <a:ln w="9525" cap="flat" cmpd="sng">
+            <a:solidFill>
+              <a:schemeClr val="dk2"/>
+            </a:solidFill>
+            <a:prstDash val="solid"/>
+            <a:round/>
+            <a:headEnd type="none" w="sm" len="sm"/>
+            <a:tailEnd type="none" w="sm" len="sm"/>
+          </a:ln>
+        </p:spPr>
+        <p:txBody>
+          <a:bodyPr spcFirstLastPara="1" wrap="square" lIns="121900" tIns="121900" rIns="121900" bIns="121900" anchor="ctr" anchorCtr="0">
+            <a:noAutofit/>
+          </a:bodyPr>
+          <a:lstStyle/>
+          <a:p>
+            <a:pPr algn="ctr"/>
+            <a:endParaRPr sz="1867" dirty="0">
+              <a:latin typeface="Century Gothic"/>
+              <a:ea typeface="Century Gothic"/>
+              <a:cs typeface="Century Gothic"/>
+              <a:sym typeface="Century Gothic"/>
+            </a:endParaRPr>
+          </a:p>
+        </p:txBody>
+      </p:sp>
+      <p:sp>
+        <p:nvSpPr>
+          <p:cNvPr id="2" name="TextBox 1">
+            <a:extLst>
+              <a:ext uri="{FF2B5EF4-FFF2-40B4-BE49-F238E27FC236}">
+                <a16:creationId xmlns:a16="http://schemas.microsoft.com/office/drawing/2014/main" id="{624431EB-4D8A-1442-9803-AA95ADA5372B}"/>
+              </a:ext>
+            </a:extLst>
+          </p:cNvPr>
+          <p:cNvSpPr txBox="1"/>
+          <p:nvPr/>
+        </p:nvSpPr>
+        <p:spPr>
+          <a:xfrm>
+            <a:off x="415600" y="1479367"/>
+            <a:ext cx="2959465" cy="830997"/>
+          </a:xfrm>
+          <a:prstGeom prst="rect">
+            <a:avLst/>
+          </a:prstGeom>
+          <a:noFill/>
+        </p:spPr>
+        <p:txBody>
+          <a:bodyPr wrap="none" rtlCol="0">
+            <a:spAutoFit/>
+          </a:bodyPr>
+          <a:lstStyle/>
+          <a:p>
+            <a:r>
+              <a:rPr lang="en-US" sz="2400" dirty="0">
+                <a:latin typeface="Century Gothic" panose="020B0502020202020204" pitchFamily="34" charset="0"/>
+              </a:rPr>
+              <a:t>Released From Jail</a:t>
+            </a:r>
+          </a:p>
+          <a:p>
+            <a:r>
+              <a:rPr lang="en-US" sz="2400" dirty="0">
+                <a:latin typeface="Century Gothic" panose="020B0502020202020204" pitchFamily="34" charset="0"/>
+              </a:rPr>
+              <a:t>In Past 3 Years</a:t>
+            </a:r>
+          </a:p>
+        </p:txBody>
+      </p:sp>
+      <p:sp>
+        <p:nvSpPr>
+          <p:cNvPr id="14" name="Google Shape;75;p10">
+            <a:extLst>
+              <a:ext uri="{FF2B5EF4-FFF2-40B4-BE49-F238E27FC236}">
+                <a16:creationId xmlns:a16="http://schemas.microsoft.com/office/drawing/2014/main" id="{4DF198BD-39AA-964B-8EB5-FB1B260A34A5}"/>
+              </a:ext>
+            </a:extLst>
+          </p:cNvPr>
+          <p:cNvSpPr/>
+          <p:nvPr/>
+        </p:nvSpPr>
+        <p:spPr>
+          <a:xfrm>
+            <a:off x="789142" y="3429000"/>
+            <a:ext cx="2665062" cy="2734106"/>
+          </a:xfrm>
+          <a:prstGeom prst="rect">
+            <a:avLst/>
+          </a:prstGeom>
+          <a:solidFill>
+            <a:srgbClr val="0070C0"/>
+          </a:solidFill>
+          <a:ln w="9525" cap="flat" cmpd="sng">
+            <a:solidFill>
+              <a:schemeClr val="dk2"/>
+            </a:solidFill>
+            <a:prstDash val="solid"/>
+            <a:round/>
+            <a:headEnd type="none" w="sm" len="sm"/>
+            <a:tailEnd type="none" w="sm" len="sm"/>
+          </a:ln>
+        </p:spPr>
+        <p:txBody>
+          <a:bodyPr spcFirstLastPara="1" wrap="square" lIns="121900" tIns="121900" rIns="121900" bIns="121900" anchor="ctr" anchorCtr="0">
+            <a:noAutofit/>
+          </a:bodyPr>
+          <a:lstStyle/>
+          <a:p>
+            <a:pPr algn="ctr"/>
+            <a:endParaRPr sz="1867" dirty="0">
+              <a:latin typeface="Century Gothic"/>
+              <a:ea typeface="Century Gothic"/>
+              <a:cs typeface="Century Gothic"/>
+              <a:sym typeface="Century Gothic"/>
+            </a:endParaRPr>
+          </a:p>
+        </p:txBody>
+      </p:sp>
+      <p:sp>
+        <p:nvSpPr>
+          <p:cNvPr id="15" name="TextBox 14">
+            <a:extLst>
+              <a:ext uri="{FF2B5EF4-FFF2-40B4-BE49-F238E27FC236}">
+                <a16:creationId xmlns:a16="http://schemas.microsoft.com/office/drawing/2014/main" id="{3EE42FA2-6A12-0044-AA06-B868FCDE372D}"/>
+              </a:ext>
+            </a:extLst>
+          </p:cNvPr>
+          <p:cNvSpPr txBox="1"/>
+          <p:nvPr/>
+        </p:nvSpPr>
+        <p:spPr>
+          <a:xfrm>
+            <a:off x="890681" y="3610880"/>
+            <a:ext cx="2563522" cy="1200329"/>
+          </a:xfrm>
+          <a:prstGeom prst="rect">
+            <a:avLst/>
+          </a:prstGeom>
+          <a:noFill/>
+        </p:spPr>
+        <p:txBody>
+          <a:bodyPr wrap="none" rtlCol="0">
+            <a:spAutoFit/>
+          </a:bodyPr>
+          <a:lstStyle/>
+          <a:p>
+            <a:r>
+              <a:rPr lang="en-US" sz="2400" dirty="0">
+                <a:solidFill>
+                  <a:schemeClr val="bg1"/>
+                </a:solidFill>
+                <a:latin typeface="Century Gothic" panose="020B0502020202020204" pitchFamily="34" charset="0"/>
+              </a:rPr>
+              <a:t>…With History of</a:t>
+            </a:r>
+          </a:p>
+          <a:p>
+            <a:r>
+              <a:rPr lang="en-US" sz="2400" dirty="0">
+                <a:solidFill>
+                  <a:schemeClr val="bg1"/>
+                </a:solidFill>
+                <a:latin typeface="Century Gothic" panose="020B0502020202020204" pitchFamily="34" charset="0"/>
+              </a:rPr>
+              <a:t>Mental Health</a:t>
+            </a:r>
+          </a:p>
+          <a:p>
+            <a:r>
+              <a:rPr lang="en-US" sz="2400" dirty="0">
+                <a:solidFill>
+                  <a:schemeClr val="bg1"/>
+                </a:solidFill>
+                <a:latin typeface="Century Gothic" panose="020B0502020202020204" pitchFamily="34" charset="0"/>
+              </a:rPr>
+              <a:t>Needs</a:t>
+            </a:r>
+          </a:p>
+        </p:txBody>
+      </p:sp>
+      <p:grpSp>
+        <p:nvGrpSpPr>
+          <p:cNvPr id="16" name="Group 15">
+            <a:extLst>
+              <a:ext uri="{FF2B5EF4-FFF2-40B4-BE49-F238E27FC236}">
+                <a16:creationId xmlns:a16="http://schemas.microsoft.com/office/drawing/2014/main" id="{893B8E00-7081-1F47-9553-568F65765633}"/>
+              </a:ext>
+            </a:extLst>
+          </p:cNvPr>
+          <p:cNvGrpSpPr/>
+          <p:nvPr/>
+        </p:nvGrpSpPr>
+        <p:grpSpPr>
+          <a:xfrm>
+            <a:off x="3857489" y="3829293"/>
+            <a:ext cx="860597" cy="763501"/>
+            <a:chOff x="4389120" y="2462784"/>
+            <a:chExt cx="1706830" cy="1514258"/>
+          </a:xfrm>
+        </p:grpSpPr>
+        <p:sp>
+          <p:nvSpPr>
+            <p:cNvPr id="17" name="Oval 16">
+              <a:extLst>
+                <a:ext uri="{FF2B5EF4-FFF2-40B4-BE49-F238E27FC236}">
+                  <a16:creationId xmlns:a16="http://schemas.microsoft.com/office/drawing/2014/main" id="{F71938DB-AC52-2A4F-903C-9A0F093EEAA8}"/>
+                </a:ext>
+              </a:extLst>
+            </p:cNvPr>
+            <p:cNvSpPr/>
+            <p:nvPr/>
+          </p:nvSpPr>
+          <p:spPr>
+            <a:xfrm>
+              <a:off x="4389120" y="2462784"/>
+              <a:ext cx="402336" cy="402336"/>
+            </a:xfrm>
+            <a:prstGeom prst="ellipse">
+              <a:avLst/>
+            </a:prstGeom>
+            <a:solidFill>
+              <a:schemeClr val="bg2"/>
+            </a:solidFill>
+            <a:ln w="9525">
+              <a:solidFill>
+                <a:schemeClr val="tx1"/>
+              </a:solidFill>
+            </a:ln>
+          </p:spPr>
+          <p:style>
+            <a:lnRef idx="2">
+              <a:schemeClr val="accent1">
+                <a:shade val="50000"/>
+              </a:schemeClr>
+            </a:lnRef>
+            <a:fillRef idx="1">
+              <a:schemeClr val="accent1"/>
+            </a:fillRef>
+            <a:effectRef idx="0">
+              <a:schemeClr val="accent1"/>
+            </a:effectRef>
+            <a:fontRef idx="minor">
+              <a:schemeClr val="lt1"/>
+            </a:fontRef>
+          </p:style>
+          <p:txBody>
+            <a:bodyPr rtlCol="0" anchor="ctr"/>
+            <a:lstStyle/>
+            <a:p>
+              <a:pPr algn="ctr"/>
+              <a:endParaRPr lang="en-US"/>
+            </a:p>
+          </p:txBody>
+        </p:sp>
+        <p:sp>
+          <p:nvSpPr>
+            <p:cNvPr id="18" name="Oval 17">
+              <a:extLst>
+                <a:ext uri="{FF2B5EF4-FFF2-40B4-BE49-F238E27FC236}">
+                  <a16:creationId xmlns:a16="http://schemas.microsoft.com/office/drawing/2014/main" id="{443EB63D-67D3-4E45-B65B-3AE6C37117B7}"/>
+                </a:ext>
+              </a:extLst>
+            </p:cNvPr>
+            <p:cNvSpPr/>
+            <p:nvPr/>
+          </p:nvSpPr>
+          <p:spPr>
+            <a:xfrm>
+              <a:off x="4389120" y="3018745"/>
+              <a:ext cx="402336" cy="402336"/>
+            </a:xfrm>
+            <a:prstGeom prst="ellipse">
+              <a:avLst/>
+            </a:prstGeom>
+            <a:solidFill>
+              <a:schemeClr val="bg2"/>
+            </a:solidFill>
+            <a:ln w="9525">
+              <a:solidFill>
+                <a:schemeClr val="tx1"/>
+              </a:solidFill>
+            </a:ln>
+          </p:spPr>
+          <p:style>
+            <a:lnRef idx="2">
+              <a:schemeClr val="accent1">
+                <a:shade val="50000"/>
+              </a:schemeClr>
+            </a:lnRef>
+            <a:fillRef idx="1">
+              <a:schemeClr val="accent1"/>
+            </a:fillRef>
+            <a:effectRef idx="0">
+              <a:schemeClr val="accent1"/>
+            </a:effectRef>
+            <a:fontRef idx="minor">
+              <a:schemeClr val="lt1"/>
+            </a:fontRef>
+          </p:style>
+          <p:txBody>
+            <a:bodyPr rtlCol="0" anchor="ctr"/>
+            <a:lstStyle/>
+            <a:p>
+              <a:pPr algn="ctr"/>
+              <a:endParaRPr lang="en-US"/>
+            </a:p>
+          </p:txBody>
+        </p:sp>
+        <p:sp>
+          <p:nvSpPr>
+            <p:cNvPr id="19" name="Oval 18">
+              <a:extLst>
+                <a:ext uri="{FF2B5EF4-FFF2-40B4-BE49-F238E27FC236}">
+                  <a16:creationId xmlns:a16="http://schemas.microsoft.com/office/drawing/2014/main" id="{B868292F-40CE-8846-909D-8E042F9E7876}"/>
+                </a:ext>
+              </a:extLst>
+            </p:cNvPr>
+            <p:cNvSpPr/>
+            <p:nvPr/>
+          </p:nvSpPr>
+          <p:spPr>
+            <a:xfrm>
+              <a:off x="4389120" y="3574706"/>
+              <a:ext cx="402336" cy="402336"/>
+            </a:xfrm>
+            <a:prstGeom prst="ellipse">
+              <a:avLst/>
+            </a:prstGeom>
+            <a:solidFill>
+              <a:schemeClr val="bg2"/>
+            </a:solidFill>
+            <a:ln w="9525">
+              <a:solidFill>
+                <a:schemeClr val="tx1"/>
+              </a:solidFill>
+            </a:ln>
+          </p:spPr>
+          <p:style>
+            <a:lnRef idx="2">
+              <a:schemeClr val="accent1">
+                <a:shade val="50000"/>
+              </a:schemeClr>
+            </a:lnRef>
+            <a:fillRef idx="1">
+              <a:schemeClr val="accent1"/>
+            </a:fillRef>
+            <a:effectRef idx="0">
+              <a:schemeClr val="accent1"/>
+            </a:effectRef>
+            <a:fontRef idx="minor">
+              <a:schemeClr val="lt1"/>
+            </a:fontRef>
+          </p:style>
+          <p:txBody>
+            <a:bodyPr rtlCol="0" anchor="ctr"/>
+            <a:lstStyle/>
+            <a:p>
+              <a:pPr algn="ctr"/>
+              <a:endParaRPr lang="en-US"/>
+            </a:p>
+          </p:txBody>
+        </p:sp>
+        <p:sp>
+          <p:nvSpPr>
+            <p:cNvPr id="20" name="Oval 19">
+              <a:extLst>
+                <a:ext uri="{FF2B5EF4-FFF2-40B4-BE49-F238E27FC236}">
+                  <a16:creationId xmlns:a16="http://schemas.microsoft.com/office/drawing/2014/main" id="{87CBACA9-7504-BE46-A082-FA1F0DB3991A}"/>
+                </a:ext>
+              </a:extLst>
+            </p:cNvPr>
+            <p:cNvSpPr/>
+            <p:nvPr/>
+          </p:nvSpPr>
+          <p:spPr>
+            <a:xfrm>
+              <a:off x="5029200" y="2768809"/>
+              <a:ext cx="402336" cy="402336"/>
+            </a:xfrm>
+            <a:prstGeom prst="ellipse">
+              <a:avLst/>
+            </a:prstGeom>
+            <a:solidFill>
+              <a:schemeClr val="bg2"/>
+            </a:solidFill>
+            <a:ln w="9525">
+              <a:solidFill>
+                <a:schemeClr val="tx1"/>
+              </a:solidFill>
+            </a:ln>
+          </p:spPr>
+          <p:style>
+            <a:lnRef idx="2">
+              <a:schemeClr val="accent1">
+                <a:shade val="50000"/>
+              </a:schemeClr>
+            </a:lnRef>
+            <a:fillRef idx="1">
+              <a:schemeClr val="accent1"/>
+            </a:fillRef>
+            <a:effectRef idx="0">
+              <a:schemeClr val="accent1"/>
+            </a:effectRef>
+            <a:fontRef idx="minor">
+              <a:schemeClr val="lt1"/>
+            </a:fontRef>
+          </p:style>
+          <p:txBody>
+            <a:bodyPr rtlCol="0" anchor="ctr"/>
+            <a:lstStyle/>
+            <a:p>
+              <a:pPr algn="ctr"/>
+              <a:endParaRPr lang="en-US"/>
+            </a:p>
+          </p:txBody>
+        </p:sp>
+        <p:sp>
+          <p:nvSpPr>
+            <p:cNvPr id="25" name="Oval 24">
+              <a:extLst>
+                <a:ext uri="{FF2B5EF4-FFF2-40B4-BE49-F238E27FC236}">
+                  <a16:creationId xmlns:a16="http://schemas.microsoft.com/office/drawing/2014/main" id="{7E7DE2BA-187D-4144-BCB9-4822657FE213}"/>
+                </a:ext>
+              </a:extLst>
+            </p:cNvPr>
+            <p:cNvSpPr/>
+            <p:nvPr/>
+          </p:nvSpPr>
+          <p:spPr>
+            <a:xfrm>
+              <a:off x="5029200" y="3350379"/>
+              <a:ext cx="402336" cy="402336"/>
+            </a:xfrm>
+            <a:prstGeom prst="ellipse">
+              <a:avLst/>
+            </a:prstGeom>
+            <a:solidFill>
+              <a:schemeClr val="bg2"/>
+            </a:solidFill>
+            <a:ln w="9525">
+              <a:solidFill>
+                <a:schemeClr val="tx1"/>
+              </a:solidFill>
+            </a:ln>
+          </p:spPr>
+          <p:style>
+            <a:lnRef idx="2">
+              <a:schemeClr val="accent1">
+                <a:shade val="50000"/>
+              </a:schemeClr>
+            </a:lnRef>
+            <a:fillRef idx="1">
+              <a:schemeClr val="accent1"/>
+            </a:fillRef>
+            <a:effectRef idx="0">
+              <a:schemeClr val="accent1"/>
+            </a:effectRef>
+            <a:fontRef idx="minor">
+              <a:schemeClr val="lt1"/>
+            </a:fontRef>
+          </p:style>
+          <p:txBody>
+            <a:bodyPr rtlCol="0" anchor="ctr"/>
+            <a:lstStyle/>
+            <a:p>
+              <a:pPr algn="ctr"/>
+              <a:endParaRPr lang="en-US"/>
+            </a:p>
+          </p:txBody>
+        </p:sp>
+        <p:sp>
+          <p:nvSpPr>
+            <p:cNvPr id="28" name="Oval 27">
+              <a:extLst>
+                <a:ext uri="{FF2B5EF4-FFF2-40B4-BE49-F238E27FC236}">
+                  <a16:creationId xmlns:a16="http://schemas.microsoft.com/office/drawing/2014/main" id="{1A7BFEE9-9AB5-0E4D-ACF5-9DFA5671C333}"/>
+                </a:ext>
+              </a:extLst>
+            </p:cNvPr>
+            <p:cNvSpPr/>
+            <p:nvPr/>
+          </p:nvSpPr>
+          <p:spPr>
+            <a:xfrm>
+              <a:off x="5693614" y="2757135"/>
+              <a:ext cx="402336" cy="402336"/>
+            </a:xfrm>
+            <a:prstGeom prst="ellipse">
+              <a:avLst/>
+            </a:prstGeom>
+            <a:solidFill>
+              <a:schemeClr val="bg2"/>
+            </a:solidFill>
+            <a:ln w="9525">
+              <a:solidFill>
+                <a:schemeClr val="tx1"/>
+              </a:solidFill>
+            </a:ln>
+          </p:spPr>
+          <p:style>
+            <a:lnRef idx="2">
+              <a:schemeClr val="accent1">
+                <a:shade val="50000"/>
+              </a:schemeClr>
+            </a:lnRef>
+            <a:fillRef idx="1">
+              <a:schemeClr val="accent1"/>
+            </a:fillRef>
+            <a:effectRef idx="0">
+              <a:schemeClr val="accent1"/>
+            </a:effectRef>
+            <a:fontRef idx="minor">
+              <a:schemeClr val="lt1"/>
+            </a:fontRef>
+          </p:style>
+          <p:txBody>
+            <a:bodyPr rtlCol="0" anchor="ctr"/>
+            <a:lstStyle/>
+            <a:p>
+              <a:pPr algn="ctr"/>
+              <a:endParaRPr lang="en-US"/>
+            </a:p>
+          </p:txBody>
+        </p:sp>
+        <p:sp>
+          <p:nvSpPr>
+            <p:cNvPr id="29" name="Oval 28">
+              <a:extLst>
+                <a:ext uri="{FF2B5EF4-FFF2-40B4-BE49-F238E27FC236}">
+                  <a16:creationId xmlns:a16="http://schemas.microsoft.com/office/drawing/2014/main" id="{C6B3BF28-ABC9-CB4E-8050-B49E9B365028}"/>
+                </a:ext>
+              </a:extLst>
+            </p:cNvPr>
+            <p:cNvSpPr/>
+            <p:nvPr/>
+          </p:nvSpPr>
+          <p:spPr>
+            <a:xfrm>
+              <a:off x="5669280" y="3338187"/>
+              <a:ext cx="402336" cy="402336"/>
+            </a:xfrm>
+            <a:prstGeom prst="ellipse">
+              <a:avLst/>
+            </a:prstGeom>
+            <a:solidFill>
+              <a:schemeClr val="bg2"/>
+            </a:solidFill>
+            <a:ln w="9525">
+              <a:solidFill>
+                <a:schemeClr val="tx1"/>
+              </a:solidFill>
+            </a:ln>
+          </p:spPr>
+          <p:style>
+            <a:lnRef idx="2">
+              <a:schemeClr val="accent1">
+                <a:shade val="50000"/>
+              </a:schemeClr>
+            </a:lnRef>
+            <a:fillRef idx="1">
+              <a:schemeClr val="accent1"/>
+            </a:fillRef>
+            <a:effectRef idx="0">
+              <a:schemeClr val="accent1"/>
+            </a:effectRef>
+            <a:fontRef idx="minor">
+              <a:schemeClr val="lt1"/>
+            </a:fontRef>
+          </p:style>
+          <p:txBody>
+            <a:bodyPr rtlCol="0" anchor="ctr"/>
+            <a:lstStyle/>
+            <a:p>
+              <a:pPr algn="ctr"/>
+              <a:endParaRPr lang="en-US"/>
+            </a:p>
+          </p:txBody>
+        </p:sp>
+        <p:cxnSp>
+          <p:nvCxnSpPr>
+            <p:cNvPr id="30" name="Straight Connector 29">
+              <a:extLst>
+                <a:ext uri="{FF2B5EF4-FFF2-40B4-BE49-F238E27FC236}">
+                  <a16:creationId xmlns:a16="http://schemas.microsoft.com/office/drawing/2014/main" id="{8472FECF-6CFC-334F-BE08-5E927AAD8527}"/>
+                </a:ext>
+              </a:extLst>
+            </p:cNvPr>
+            <p:cNvCxnSpPr>
+              <a:stCxn id="17" idx="6"/>
+              <a:endCxn id="20" idx="2"/>
+            </p:cNvCxnSpPr>
+            <p:nvPr/>
+          </p:nvCxnSpPr>
+          <p:spPr>
+            <a:xfrm>
+              <a:off x="4791456" y="2663952"/>
+              <a:ext cx="237744" cy="306025"/>
+            </a:xfrm>
+            <a:prstGeom prst="line">
+              <a:avLst/>
+            </a:prstGeom>
+            <a:ln w="28575"/>
+          </p:spPr>
+          <p:style>
+            <a:lnRef idx="1">
+              <a:schemeClr val="dk1"/>
+            </a:lnRef>
+            <a:fillRef idx="0">
+              <a:schemeClr val="dk1"/>
+            </a:fillRef>
+            <a:effectRef idx="0">
+              <a:schemeClr val="dk1"/>
+            </a:effectRef>
+            <a:fontRef idx="minor">
+              <a:schemeClr val="tx1"/>
+            </a:fontRef>
+          </p:style>
+        </p:cxnSp>
+        <p:cxnSp>
+          <p:nvCxnSpPr>
+            <p:cNvPr id="31" name="Straight Connector 30">
+              <a:extLst>
+                <a:ext uri="{FF2B5EF4-FFF2-40B4-BE49-F238E27FC236}">
+                  <a16:creationId xmlns:a16="http://schemas.microsoft.com/office/drawing/2014/main" id="{FE2C2F4C-E9DD-E64A-8D0A-73CC3AEBD025}"/>
+                </a:ext>
+              </a:extLst>
+            </p:cNvPr>
+            <p:cNvCxnSpPr>
+              <a:cxnSpLocks/>
+              <a:stCxn id="17" idx="6"/>
+            </p:cNvCxnSpPr>
+            <p:nvPr/>
+          </p:nvCxnSpPr>
+          <p:spPr>
+            <a:xfrm>
+              <a:off x="4791456" y="2663952"/>
+              <a:ext cx="237744" cy="861986"/>
+            </a:xfrm>
+            <a:prstGeom prst="line">
+              <a:avLst/>
+            </a:prstGeom>
+            <a:ln w="28575"/>
+          </p:spPr>
+          <p:style>
+            <a:lnRef idx="1">
+              <a:schemeClr val="dk1"/>
+            </a:lnRef>
+            <a:fillRef idx="0">
+              <a:schemeClr val="dk1"/>
+            </a:fillRef>
+            <a:effectRef idx="0">
+              <a:schemeClr val="dk1"/>
+            </a:effectRef>
+            <a:fontRef idx="minor">
+              <a:schemeClr val="tx1"/>
+            </a:fontRef>
+          </p:style>
+        </p:cxnSp>
+        <p:cxnSp>
+          <p:nvCxnSpPr>
+            <p:cNvPr id="32" name="Straight Connector 31">
+              <a:extLst>
+                <a:ext uri="{FF2B5EF4-FFF2-40B4-BE49-F238E27FC236}">
+                  <a16:creationId xmlns:a16="http://schemas.microsoft.com/office/drawing/2014/main" id="{409DE789-770A-774A-9861-6E413217C2BC}"/>
+                </a:ext>
+              </a:extLst>
+            </p:cNvPr>
+            <p:cNvCxnSpPr>
+              <a:cxnSpLocks/>
+              <a:stCxn id="18" idx="6"/>
+              <a:endCxn id="20" idx="2"/>
+            </p:cNvCxnSpPr>
+            <p:nvPr/>
+          </p:nvCxnSpPr>
+          <p:spPr>
+            <a:xfrm flipV="1">
+              <a:off x="4791456" y="2969977"/>
+              <a:ext cx="237744" cy="249936"/>
+            </a:xfrm>
+            <a:prstGeom prst="line">
+              <a:avLst/>
+            </a:prstGeom>
+            <a:ln w="28575"/>
+          </p:spPr>
+          <p:style>
+            <a:lnRef idx="1">
+              <a:schemeClr val="dk1"/>
+            </a:lnRef>
+            <a:fillRef idx="0">
+              <a:schemeClr val="dk1"/>
+            </a:fillRef>
+            <a:effectRef idx="0">
+              <a:schemeClr val="dk1"/>
+            </a:effectRef>
+            <a:fontRef idx="minor">
+              <a:schemeClr val="tx1"/>
+            </a:fontRef>
+          </p:style>
+        </p:cxnSp>
+        <p:cxnSp>
+          <p:nvCxnSpPr>
+            <p:cNvPr id="33" name="Straight Connector 32">
+              <a:extLst>
+                <a:ext uri="{FF2B5EF4-FFF2-40B4-BE49-F238E27FC236}">
+                  <a16:creationId xmlns:a16="http://schemas.microsoft.com/office/drawing/2014/main" id="{70E7FF1A-B3F7-F844-B958-D27F45E1DC2D}"/>
+                </a:ext>
+              </a:extLst>
+            </p:cNvPr>
+            <p:cNvCxnSpPr/>
+            <p:nvPr/>
+          </p:nvCxnSpPr>
+          <p:spPr>
+            <a:xfrm>
+              <a:off x="4794479" y="3244297"/>
+              <a:ext cx="237744" cy="306025"/>
+            </a:xfrm>
+            <a:prstGeom prst="line">
+              <a:avLst/>
+            </a:prstGeom>
+            <a:ln w="28575"/>
+          </p:spPr>
+          <p:style>
+            <a:lnRef idx="1">
+              <a:schemeClr val="dk1"/>
+            </a:lnRef>
+            <a:fillRef idx="0">
+              <a:schemeClr val="dk1"/>
+            </a:fillRef>
+            <a:effectRef idx="0">
+              <a:schemeClr val="dk1"/>
+            </a:effectRef>
+            <a:fontRef idx="minor">
+              <a:schemeClr val="tx1"/>
+            </a:fontRef>
+          </p:style>
+        </p:cxnSp>
+        <p:cxnSp>
+          <p:nvCxnSpPr>
+            <p:cNvPr id="34" name="Straight Connector 33">
+              <a:extLst>
+                <a:ext uri="{FF2B5EF4-FFF2-40B4-BE49-F238E27FC236}">
+                  <a16:creationId xmlns:a16="http://schemas.microsoft.com/office/drawing/2014/main" id="{CC5E2131-B1EE-BC43-AF0F-76A74F8C8107}"/>
+                </a:ext>
+              </a:extLst>
+            </p:cNvPr>
+            <p:cNvCxnSpPr>
+              <a:cxnSpLocks/>
+              <a:endCxn id="20" idx="2"/>
+            </p:cNvCxnSpPr>
+            <p:nvPr/>
+          </p:nvCxnSpPr>
+          <p:spPr>
+            <a:xfrm flipV="1">
+              <a:off x="4791456" y="2969977"/>
+              <a:ext cx="237744" cy="805897"/>
+            </a:xfrm>
+            <a:prstGeom prst="line">
+              <a:avLst/>
+            </a:prstGeom>
+            <a:ln w="28575"/>
+          </p:spPr>
+          <p:style>
+            <a:lnRef idx="1">
+              <a:schemeClr val="dk1"/>
+            </a:lnRef>
+            <a:fillRef idx="0">
+              <a:schemeClr val="dk1"/>
+            </a:fillRef>
+            <a:effectRef idx="0">
+              <a:schemeClr val="dk1"/>
+            </a:effectRef>
+            <a:fontRef idx="minor">
+              <a:schemeClr val="tx1"/>
+            </a:fontRef>
+          </p:style>
+        </p:cxnSp>
+        <p:cxnSp>
+          <p:nvCxnSpPr>
+            <p:cNvPr id="35" name="Straight Connector 34">
+              <a:extLst>
+                <a:ext uri="{FF2B5EF4-FFF2-40B4-BE49-F238E27FC236}">
+                  <a16:creationId xmlns:a16="http://schemas.microsoft.com/office/drawing/2014/main" id="{2DBFED98-B6FA-8B4E-876D-F52C114E6024}"/>
+                </a:ext>
+              </a:extLst>
+            </p:cNvPr>
+            <p:cNvCxnSpPr>
+              <a:cxnSpLocks/>
+              <a:endCxn id="25" idx="2"/>
+            </p:cNvCxnSpPr>
+            <p:nvPr/>
+          </p:nvCxnSpPr>
+          <p:spPr>
+            <a:xfrm flipV="1">
+              <a:off x="4791456" y="3551547"/>
+              <a:ext cx="237744" cy="224327"/>
+            </a:xfrm>
+            <a:prstGeom prst="line">
+              <a:avLst/>
+            </a:prstGeom>
+            <a:ln w="28575"/>
+          </p:spPr>
+          <p:style>
+            <a:lnRef idx="1">
+              <a:schemeClr val="dk1"/>
+            </a:lnRef>
+            <a:fillRef idx="0">
+              <a:schemeClr val="dk1"/>
+            </a:fillRef>
+            <a:effectRef idx="0">
+              <a:schemeClr val="dk1"/>
+            </a:effectRef>
+            <a:fontRef idx="minor">
+              <a:schemeClr val="tx1"/>
+            </a:fontRef>
+          </p:style>
+        </p:cxnSp>
+        <p:cxnSp>
+          <p:nvCxnSpPr>
+            <p:cNvPr id="36" name="Straight Connector 35">
+              <a:extLst>
+                <a:ext uri="{FF2B5EF4-FFF2-40B4-BE49-F238E27FC236}">
+                  <a16:creationId xmlns:a16="http://schemas.microsoft.com/office/drawing/2014/main" id="{791D79EA-EDB5-EB44-BFE1-4E1378E764D2}"/>
+                </a:ext>
+              </a:extLst>
+            </p:cNvPr>
+            <p:cNvCxnSpPr>
+              <a:cxnSpLocks/>
+              <a:endCxn id="28" idx="2"/>
+            </p:cNvCxnSpPr>
+            <p:nvPr/>
+          </p:nvCxnSpPr>
+          <p:spPr>
+            <a:xfrm flipV="1">
+              <a:off x="5431536" y="2958303"/>
+              <a:ext cx="262078" cy="33010"/>
+            </a:xfrm>
+            <a:prstGeom prst="line">
+              <a:avLst/>
+            </a:prstGeom>
+            <a:ln w="28575"/>
+          </p:spPr>
+          <p:style>
+            <a:lnRef idx="1">
+              <a:schemeClr val="dk1"/>
+            </a:lnRef>
+            <a:fillRef idx="0">
+              <a:schemeClr val="dk1"/>
+            </a:fillRef>
+            <a:effectRef idx="0">
+              <a:schemeClr val="dk1"/>
+            </a:effectRef>
+            <a:fontRef idx="minor">
+              <a:schemeClr val="tx1"/>
+            </a:fontRef>
+          </p:style>
+        </p:cxnSp>
+        <p:cxnSp>
+          <p:nvCxnSpPr>
+            <p:cNvPr id="37" name="Straight Connector 36">
+              <a:extLst>
+                <a:ext uri="{FF2B5EF4-FFF2-40B4-BE49-F238E27FC236}">
+                  <a16:creationId xmlns:a16="http://schemas.microsoft.com/office/drawing/2014/main" id="{AC8D7F98-F828-4749-89A9-70A2687F9B2D}"/>
+                </a:ext>
+              </a:extLst>
+            </p:cNvPr>
+            <p:cNvCxnSpPr>
+              <a:cxnSpLocks/>
+              <a:endCxn id="29" idx="2"/>
+            </p:cNvCxnSpPr>
+            <p:nvPr/>
+          </p:nvCxnSpPr>
+          <p:spPr>
+            <a:xfrm>
+              <a:off x="5431536" y="3023616"/>
+              <a:ext cx="237744" cy="515739"/>
+            </a:xfrm>
+            <a:prstGeom prst="line">
+              <a:avLst/>
+            </a:prstGeom>
+            <a:ln w="28575"/>
+          </p:spPr>
+          <p:style>
+            <a:lnRef idx="1">
+              <a:schemeClr val="dk1"/>
+            </a:lnRef>
+            <a:fillRef idx="0">
+              <a:schemeClr val="dk1"/>
+            </a:fillRef>
+            <a:effectRef idx="0">
+              <a:schemeClr val="dk1"/>
+            </a:effectRef>
+            <a:fontRef idx="minor">
+              <a:schemeClr val="tx1"/>
+            </a:fontRef>
+          </p:style>
+        </p:cxnSp>
+        <p:cxnSp>
+          <p:nvCxnSpPr>
+            <p:cNvPr id="38" name="Straight Connector 37">
+              <a:extLst>
+                <a:ext uri="{FF2B5EF4-FFF2-40B4-BE49-F238E27FC236}">
+                  <a16:creationId xmlns:a16="http://schemas.microsoft.com/office/drawing/2014/main" id="{CCAA8FC4-6819-0342-9A83-42B280E06237}"/>
+                </a:ext>
+              </a:extLst>
+            </p:cNvPr>
+            <p:cNvCxnSpPr>
+              <a:cxnSpLocks/>
+              <a:endCxn id="28" idx="2"/>
+            </p:cNvCxnSpPr>
+            <p:nvPr/>
+          </p:nvCxnSpPr>
+          <p:spPr>
+            <a:xfrm flipV="1">
+              <a:off x="5428513" y="2958303"/>
+              <a:ext cx="265101" cy="589598"/>
+            </a:xfrm>
+            <a:prstGeom prst="line">
+              <a:avLst/>
+            </a:prstGeom>
+            <a:ln w="28575"/>
+          </p:spPr>
+          <p:style>
+            <a:lnRef idx="1">
+              <a:schemeClr val="dk1"/>
+            </a:lnRef>
+            <a:fillRef idx="0">
+              <a:schemeClr val="dk1"/>
+            </a:fillRef>
+            <a:effectRef idx="0">
+              <a:schemeClr val="dk1"/>
+            </a:effectRef>
+            <a:fontRef idx="minor">
+              <a:schemeClr val="tx1"/>
+            </a:fontRef>
+          </p:style>
+        </p:cxnSp>
+        <p:cxnSp>
+          <p:nvCxnSpPr>
+            <p:cNvPr id="39" name="Straight Connector 38">
+              <a:extLst>
+                <a:ext uri="{FF2B5EF4-FFF2-40B4-BE49-F238E27FC236}">
+                  <a16:creationId xmlns:a16="http://schemas.microsoft.com/office/drawing/2014/main" id="{9DB29A49-FD36-804C-B626-ECEBE343A946}"/>
+                </a:ext>
+              </a:extLst>
+            </p:cNvPr>
+            <p:cNvCxnSpPr>
+              <a:cxnSpLocks/>
+              <a:endCxn id="29" idx="2"/>
+            </p:cNvCxnSpPr>
+            <p:nvPr/>
+          </p:nvCxnSpPr>
+          <p:spPr>
+            <a:xfrm>
+              <a:off x="5431536" y="3510697"/>
+              <a:ext cx="237744" cy="28658"/>
+            </a:xfrm>
+            <a:prstGeom prst="line">
+              <a:avLst/>
+            </a:prstGeom>
+            <a:ln w="28575"/>
+          </p:spPr>
+          <p:style>
+            <a:lnRef idx="1">
+              <a:schemeClr val="dk1"/>
+            </a:lnRef>
+            <a:fillRef idx="0">
+              <a:schemeClr val="dk1"/>
+            </a:fillRef>
+            <a:effectRef idx="0">
+              <a:schemeClr val="dk1"/>
+            </a:effectRef>
+            <a:fontRef idx="minor">
+              <a:schemeClr val="tx1"/>
+            </a:fontRef>
+          </p:style>
+        </p:cxnSp>
+      </p:grpSp>
+      <p:graphicFrame>
+        <p:nvGraphicFramePr>
+          <p:cNvPr id="5" name="Table 5">
+            <a:extLst>
+              <a:ext uri="{FF2B5EF4-FFF2-40B4-BE49-F238E27FC236}">
+                <a16:creationId xmlns:a16="http://schemas.microsoft.com/office/drawing/2014/main" id="{77FEABA3-487B-1046-962E-19F31B5554DD}"/>
+              </a:ext>
+            </a:extLst>
+          </p:cNvPr>
+          <p:cNvGraphicFramePr>
+            <a:graphicFrameLocks noGrp="1"/>
+          </p:cNvGraphicFramePr>
+          <p:nvPr/>
+        </p:nvGraphicFramePr>
+        <p:xfrm>
+          <a:off x="5382865" y="1803689"/>
+          <a:ext cx="1654828" cy="4876800"/>
+        </p:xfrm>
+        <a:graphic>
+          <a:graphicData uri="http://schemas.openxmlformats.org/drawingml/2006/table">
+            <a:tbl>
+              <a:tblPr firstRow="1" bandRow="1">
+                <a:tableStyleId>{073A0DAA-6AF3-43AB-8588-CEC1D06C72B9}</a:tableStyleId>
+              </a:tblPr>
+              <a:tblGrid>
+                <a:gridCol w="827414">
+                  <a:extLst>
+                    <a:ext uri="{9D8B030D-6E8A-4147-A177-3AD203B41FA5}">
+                      <a16:colId xmlns:a16="http://schemas.microsoft.com/office/drawing/2014/main" val="1088238618"/>
+                    </a:ext>
+                  </a:extLst>
+                </a:gridCol>
+                <a:gridCol w="827414">
+                  <a:extLst>
+                    <a:ext uri="{9D8B030D-6E8A-4147-A177-3AD203B41FA5}">
+                      <a16:colId xmlns:a16="http://schemas.microsoft.com/office/drawing/2014/main" val="2545921369"/>
+                    </a:ext>
+                  </a:extLst>
+                </a:gridCol>
+              </a:tblGrid>
+              <a:tr h="258046">
+                <a:tc>
+                  <a:txBody>
+                    <a:bodyPr/>
+                    <a:lstStyle/>
+                    <a:p>
+                      <a:pPr algn="ctr"/>
+                      <a:r>
+                        <a:rPr lang="en-US" dirty="0"/>
+                        <a:t>ID</a:t>
+                      </a:r>
+                    </a:p>
+                  </a:txBody>
+                  <a:tcPr/>
+                </a:tc>
+                <a:tc>
+                  <a:txBody>
+                    <a:bodyPr/>
+                    <a:lstStyle/>
+                    <a:p>
+                      <a:pPr algn="ctr"/>
+                      <a:r>
+                        <a:rPr lang="en-US" dirty="0"/>
+                        <a:t>SCORE</a:t>
+                      </a:r>
+                    </a:p>
+                  </a:txBody>
+                  <a:tcPr/>
+                </a:tc>
+                <a:extLst>
+                  <a:ext uri="{0D108BD9-81ED-4DB2-BD59-A6C34878D82A}">
+                    <a16:rowId xmlns:a16="http://schemas.microsoft.com/office/drawing/2014/main" val="302251417"/>
+                  </a:ext>
+                </a:extLst>
+              </a:tr>
+              <a:tr h="258046">
+                <a:tc>
+                  <a:txBody>
+                    <a:bodyPr/>
+                    <a:lstStyle/>
+                    <a:p>
+                      <a:pPr algn="ctr"/>
+                      <a:r>
+                        <a:rPr lang="en-US" dirty="0"/>
+                        <a:t>27</a:t>
+                      </a:r>
+                    </a:p>
+                  </a:txBody>
+                  <a:tcPr/>
+                </a:tc>
+                <a:tc>
+                  <a:txBody>
+                    <a:bodyPr/>
+                    <a:lstStyle/>
+                    <a:p>
+                      <a:pPr algn="ctr"/>
+                      <a:r>
+                        <a:rPr lang="en-US" dirty="0"/>
+                        <a:t>0.95</a:t>
+                      </a:r>
+                    </a:p>
+                  </a:txBody>
+                  <a:tcPr/>
+                </a:tc>
+                <a:extLst>
+                  <a:ext uri="{0D108BD9-81ED-4DB2-BD59-A6C34878D82A}">
+                    <a16:rowId xmlns:a16="http://schemas.microsoft.com/office/drawing/2014/main" val="122529026"/>
+                  </a:ext>
+                </a:extLst>
+              </a:tr>
+              <a:tr h="258046">
+                <a:tc>
+                  <a:txBody>
+                    <a:bodyPr/>
+                    <a:lstStyle/>
+                    <a:p>
+                      <a:pPr algn="ctr"/>
+                      <a:r>
+                        <a:rPr lang="en-US" dirty="0"/>
+                        <a:t>13</a:t>
+                      </a:r>
+                    </a:p>
+                  </a:txBody>
+                  <a:tcPr/>
+                </a:tc>
+                <a:tc>
+                  <a:txBody>
+                    <a:bodyPr/>
+                    <a:lstStyle/>
+                    <a:p>
+                      <a:pPr algn="ctr"/>
+                      <a:r>
+                        <a:rPr lang="en-US" dirty="0"/>
+                        <a:t>0.93</a:t>
+                      </a:r>
+                    </a:p>
+                  </a:txBody>
+                  <a:tcPr/>
+                </a:tc>
+                <a:extLst>
+                  <a:ext uri="{0D108BD9-81ED-4DB2-BD59-A6C34878D82A}">
+                    <a16:rowId xmlns:a16="http://schemas.microsoft.com/office/drawing/2014/main" val="4025916763"/>
+                  </a:ext>
+                </a:extLst>
+              </a:tr>
+              <a:tr h="258046">
+                <a:tc>
+                  <a:txBody>
+                    <a:bodyPr/>
+                    <a:lstStyle/>
+                    <a:p>
+                      <a:pPr algn="ctr"/>
+                      <a:r>
+                        <a:rPr lang="en-US" dirty="0"/>
+                        <a:t>1</a:t>
+                      </a:r>
+                    </a:p>
+                  </a:txBody>
+                  <a:tcPr/>
+                </a:tc>
+                <a:tc>
+                  <a:txBody>
+                    <a:bodyPr/>
+                    <a:lstStyle/>
+                    <a:p>
+                      <a:pPr algn="ctr"/>
+                      <a:r>
+                        <a:rPr lang="en-US" dirty="0"/>
+                        <a:t>0.89</a:t>
+                      </a:r>
+                    </a:p>
+                  </a:txBody>
+                  <a:tcPr/>
+                </a:tc>
+                <a:extLst>
+                  <a:ext uri="{0D108BD9-81ED-4DB2-BD59-A6C34878D82A}">
+                    <a16:rowId xmlns:a16="http://schemas.microsoft.com/office/drawing/2014/main" val="2323964280"/>
+                  </a:ext>
+                </a:extLst>
+              </a:tr>
+              <a:tr h="258046">
+                <a:tc>
+                  <a:txBody>
+                    <a:bodyPr/>
+                    <a:lstStyle/>
+                    <a:p>
+                      <a:pPr algn="ctr"/>
+                      <a:r>
+                        <a:rPr lang="en-US" dirty="0"/>
+                        <a:t>93</a:t>
+                      </a:r>
+                    </a:p>
+                  </a:txBody>
+                  <a:tcPr/>
+                </a:tc>
+                <a:tc>
+                  <a:txBody>
+                    <a:bodyPr/>
+                    <a:lstStyle/>
+                    <a:p>
+                      <a:pPr algn="ctr"/>
+                      <a:r>
+                        <a:rPr lang="en-US" dirty="0"/>
+                        <a:t>0.89</a:t>
+                      </a:r>
+                    </a:p>
+                  </a:txBody>
+                  <a:tcPr/>
+                </a:tc>
+                <a:extLst>
+                  <a:ext uri="{0D108BD9-81ED-4DB2-BD59-A6C34878D82A}">
+                    <a16:rowId xmlns:a16="http://schemas.microsoft.com/office/drawing/2014/main" val="2948836163"/>
+                  </a:ext>
+                </a:extLst>
+              </a:tr>
+              <a:tr h="258046">
+                <a:tc>
+                  <a:txBody>
+                    <a:bodyPr/>
+                    <a:lstStyle/>
+                    <a:p>
+                      <a:pPr algn="ctr"/>
+                      <a:r>
+                        <a:rPr lang="en-US" dirty="0"/>
+                        <a:t>53</a:t>
+                      </a:r>
+                    </a:p>
+                  </a:txBody>
+                  <a:tcPr/>
+                </a:tc>
+                <a:tc>
+                  <a:txBody>
+                    <a:bodyPr/>
+                    <a:lstStyle/>
+                    <a:p>
+                      <a:pPr algn="ctr"/>
+                      <a:r>
+                        <a:rPr lang="en-US" dirty="0"/>
+                        <a:t>0.82</a:t>
+                      </a:r>
+                    </a:p>
+                  </a:txBody>
+                  <a:tcPr/>
+                </a:tc>
+                <a:extLst>
+                  <a:ext uri="{0D108BD9-81ED-4DB2-BD59-A6C34878D82A}">
+                    <a16:rowId xmlns:a16="http://schemas.microsoft.com/office/drawing/2014/main" val="1952042522"/>
+                  </a:ext>
+                </a:extLst>
+              </a:tr>
+              <a:tr h="258046">
+                <a:tc>
+                  <a:txBody>
+                    <a:bodyPr/>
+                    <a:lstStyle/>
+                    <a:p>
+                      <a:pPr algn="ctr"/>
+                      <a:r>
+                        <a:rPr lang="en-US" dirty="0"/>
+                        <a:t>23</a:t>
+                      </a:r>
+                    </a:p>
+                  </a:txBody>
+                  <a:tcPr/>
+                </a:tc>
+                <a:tc>
+                  <a:txBody>
+                    <a:bodyPr/>
+                    <a:lstStyle/>
+                    <a:p>
+                      <a:pPr algn="ctr"/>
+                      <a:r>
+                        <a:rPr lang="en-US" dirty="0"/>
+                        <a:t>0.75</a:t>
+                      </a:r>
+                    </a:p>
+                  </a:txBody>
+                  <a:tcPr/>
+                </a:tc>
+                <a:extLst>
+                  <a:ext uri="{0D108BD9-81ED-4DB2-BD59-A6C34878D82A}">
+                    <a16:rowId xmlns:a16="http://schemas.microsoft.com/office/drawing/2014/main" val="974555594"/>
+                  </a:ext>
+                </a:extLst>
+              </a:tr>
+              <a:tr h="258046">
+                <a:tc>
+                  <a:txBody>
+                    <a:bodyPr/>
+                    <a:lstStyle/>
+                    <a:p>
+                      <a:pPr algn="ctr"/>
+                      <a:r>
+                        <a:rPr lang="en-US" dirty="0"/>
+                        <a:t>59</a:t>
+                      </a:r>
+                    </a:p>
+                  </a:txBody>
+                  <a:tcPr/>
+                </a:tc>
+                <a:tc>
+                  <a:txBody>
+                    <a:bodyPr/>
+                    <a:lstStyle/>
+                    <a:p>
+                      <a:pPr algn="ctr"/>
+                      <a:r>
+                        <a:rPr lang="en-US" dirty="0"/>
+                        <a:t>0.72</a:t>
+                      </a:r>
+                    </a:p>
+                  </a:txBody>
+                  <a:tcPr/>
+                </a:tc>
+                <a:extLst>
+                  <a:ext uri="{0D108BD9-81ED-4DB2-BD59-A6C34878D82A}">
+                    <a16:rowId xmlns:a16="http://schemas.microsoft.com/office/drawing/2014/main" val="3832195445"/>
+                  </a:ext>
+                </a:extLst>
+              </a:tr>
+              <a:tr h="258046">
+                <a:tc>
+                  <a:txBody>
+                    <a:bodyPr/>
+                    <a:lstStyle/>
+                    <a:p>
+                      <a:pPr algn="ctr"/>
+                      <a:r>
+                        <a:rPr lang="en-US" dirty="0"/>
+                        <a:t>64</a:t>
+                      </a:r>
+                    </a:p>
+                  </a:txBody>
+                  <a:tcPr/>
+                </a:tc>
+                <a:tc>
+                  <a:txBody>
+                    <a:bodyPr/>
+                    <a:lstStyle/>
+                    <a:p>
+                      <a:pPr algn="ctr"/>
+                      <a:r>
+                        <a:rPr lang="en-US" dirty="0"/>
+                        <a:t>0.65</a:t>
+                      </a:r>
+                    </a:p>
+                  </a:txBody>
+                  <a:tcPr/>
+                </a:tc>
+                <a:extLst>
+                  <a:ext uri="{0D108BD9-81ED-4DB2-BD59-A6C34878D82A}">
+                    <a16:rowId xmlns:a16="http://schemas.microsoft.com/office/drawing/2014/main" val="1564902966"/>
+                  </a:ext>
+                </a:extLst>
+              </a:tr>
+              <a:tr h="258046">
+                <a:tc>
+                  <a:txBody>
+                    <a:bodyPr/>
+                    <a:lstStyle/>
+                    <a:p>
+                      <a:pPr algn="ctr"/>
+                      <a:r>
+                        <a:rPr lang="en-US" dirty="0"/>
+                        <a:t>20</a:t>
+                      </a:r>
+                    </a:p>
+                  </a:txBody>
+                  <a:tcPr/>
+                </a:tc>
+                <a:tc>
+                  <a:txBody>
+                    <a:bodyPr/>
+                    <a:lstStyle/>
+                    <a:p>
+                      <a:pPr algn="ctr"/>
+                      <a:r>
+                        <a:rPr lang="en-US" dirty="0"/>
+                        <a:t>0.61</a:t>
+                      </a:r>
+                    </a:p>
+                  </a:txBody>
+                  <a:tcPr/>
+                </a:tc>
+                <a:extLst>
+                  <a:ext uri="{0D108BD9-81ED-4DB2-BD59-A6C34878D82A}">
+                    <a16:rowId xmlns:a16="http://schemas.microsoft.com/office/drawing/2014/main" val="1650052668"/>
+                  </a:ext>
+                </a:extLst>
+              </a:tr>
+              <a:tr h="258046">
+                <a:tc>
+                  <a:txBody>
+                    <a:bodyPr/>
+                    <a:lstStyle/>
+                    <a:p>
+                      <a:pPr algn="ctr"/>
+                      <a:r>
+                        <a:rPr lang="en-US" dirty="0"/>
+                        <a:t>18</a:t>
+                      </a:r>
+                    </a:p>
+                  </a:txBody>
+                  <a:tcPr/>
+                </a:tc>
+                <a:tc>
+                  <a:txBody>
+                    <a:bodyPr/>
+                    <a:lstStyle/>
+                    <a:p>
+                      <a:pPr algn="ctr"/>
+                      <a:r>
+                        <a:rPr lang="en-US" dirty="0"/>
+                        <a:t>0.59</a:t>
+                      </a:r>
+                    </a:p>
+                  </a:txBody>
+                  <a:tcPr/>
+                </a:tc>
+                <a:extLst>
+                  <a:ext uri="{0D108BD9-81ED-4DB2-BD59-A6C34878D82A}">
+                    <a16:rowId xmlns:a16="http://schemas.microsoft.com/office/drawing/2014/main" val="1045450806"/>
+                  </a:ext>
+                </a:extLst>
+              </a:tr>
+              <a:tr h="258046">
+                <a:tc>
+                  <a:txBody>
+                    <a:bodyPr/>
+                    <a:lstStyle/>
+                    <a:p>
+                      <a:pPr algn="ctr"/>
+                      <a:r>
+                        <a:rPr lang="en-US" dirty="0"/>
+                        <a:t>46</a:t>
+                      </a:r>
+                    </a:p>
+                  </a:txBody>
+                  <a:tcPr/>
+                </a:tc>
+                <a:tc>
+                  <a:txBody>
+                    <a:bodyPr/>
+                    <a:lstStyle/>
+                    <a:p>
+                      <a:pPr algn="ctr"/>
+                      <a:r>
+                        <a:rPr lang="en-US" dirty="0"/>
+                        <a:t>0.52</a:t>
+                      </a:r>
+                    </a:p>
+                  </a:txBody>
+                  <a:tcPr/>
+                </a:tc>
+                <a:extLst>
+                  <a:ext uri="{0D108BD9-81ED-4DB2-BD59-A6C34878D82A}">
+                    <a16:rowId xmlns:a16="http://schemas.microsoft.com/office/drawing/2014/main" val="2499045432"/>
+                  </a:ext>
+                </a:extLst>
+              </a:tr>
+              <a:tr h="258046">
+                <a:tc>
+                  <a:txBody>
+                    <a:bodyPr/>
+                    <a:lstStyle/>
+                    <a:p>
+                      <a:pPr algn="ctr"/>
+                      <a:r>
+                        <a:rPr lang="en-US" dirty="0"/>
+                        <a:t>82</a:t>
+                      </a:r>
+                    </a:p>
+                  </a:txBody>
+                  <a:tcPr/>
+                </a:tc>
+                <a:tc>
+                  <a:txBody>
+                    <a:bodyPr/>
+                    <a:lstStyle/>
+                    <a:p>
+                      <a:pPr algn="ctr"/>
+                      <a:r>
+                        <a:rPr lang="en-US" dirty="0"/>
+                        <a:t>0.48</a:t>
+                      </a:r>
+                    </a:p>
+                  </a:txBody>
+                  <a:tcPr/>
+                </a:tc>
+                <a:extLst>
+                  <a:ext uri="{0D108BD9-81ED-4DB2-BD59-A6C34878D82A}">
+                    <a16:rowId xmlns:a16="http://schemas.microsoft.com/office/drawing/2014/main" val="4231666519"/>
+                  </a:ext>
+                </a:extLst>
+              </a:tr>
+              <a:tr h="258046">
+                <a:tc>
+                  <a:txBody>
+                    <a:bodyPr/>
+                    <a:lstStyle/>
+                    <a:p>
+                      <a:pPr algn="ctr"/>
+                      <a:r>
+                        <a:rPr lang="en-US" dirty="0"/>
+                        <a:t>49</a:t>
+                      </a:r>
+                    </a:p>
+                  </a:txBody>
+                  <a:tcPr/>
+                </a:tc>
+                <a:tc>
+                  <a:txBody>
+                    <a:bodyPr/>
+                    <a:lstStyle/>
+                    <a:p>
+                      <a:pPr algn="ctr"/>
+                      <a:r>
+                        <a:rPr lang="en-US" dirty="0"/>
+                        <a:t>0.37</a:t>
+                      </a:r>
+                    </a:p>
+                  </a:txBody>
+                  <a:tcPr/>
+                </a:tc>
+                <a:extLst>
+                  <a:ext uri="{0D108BD9-81ED-4DB2-BD59-A6C34878D82A}">
+                    <a16:rowId xmlns:a16="http://schemas.microsoft.com/office/drawing/2014/main" val="1155732854"/>
+                  </a:ext>
+                </a:extLst>
+              </a:tr>
+              <a:tr h="258046">
+                <a:tc>
+                  <a:txBody>
+                    <a:bodyPr/>
+                    <a:lstStyle/>
+                    <a:p>
+                      <a:pPr algn="ctr"/>
+                      <a:r>
+                        <a:rPr lang="en-US" dirty="0"/>
+                        <a:t>56</a:t>
+                      </a:r>
+                    </a:p>
+                  </a:txBody>
+                  <a:tcPr/>
+                </a:tc>
+                <a:tc>
+                  <a:txBody>
+                    <a:bodyPr/>
+                    <a:lstStyle/>
+                    <a:p>
+                      <a:pPr algn="ctr"/>
+                      <a:r>
+                        <a:rPr lang="en-US" dirty="0"/>
+                        <a:t>0.22</a:t>
+                      </a:r>
+                    </a:p>
+                  </a:txBody>
+                  <a:tcPr/>
+                </a:tc>
+                <a:extLst>
+                  <a:ext uri="{0D108BD9-81ED-4DB2-BD59-A6C34878D82A}">
+                    <a16:rowId xmlns:a16="http://schemas.microsoft.com/office/drawing/2014/main" val="2603839184"/>
+                  </a:ext>
+                </a:extLst>
+              </a:tr>
+              <a:tr h="258046">
+                <a:tc>
+                  <a:txBody>
+                    <a:bodyPr/>
+                    <a:lstStyle/>
+                    <a:p>
+                      <a:pPr algn="ctr"/>
+                      <a:r>
+                        <a:rPr lang="en-US" dirty="0"/>
+                        <a:t>17</a:t>
+                      </a:r>
+                    </a:p>
+                  </a:txBody>
+                  <a:tcPr/>
+                </a:tc>
+                <a:tc>
+                  <a:txBody>
+                    <a:bodyPr/>
+                    <a:lstStyle/>
+                    <a:p>
+                      <a:pPr algn="ctr"/>
+                      <a:r>
+                        <a:rPr lang="en-US" dirty="0"/>
+                        <a:t>0.12</a:t>
+                      </a:r>
+                    </a:p>
+                  </a:txBody>
+                  <a:tcPr/>
+                </a:tc>
+                <a:extLst>
+                  <a:ext uri="{0D108BD9-81ED-4DB2-BD59-A6C34878D82A}">
+                    <a16:rowId xmlns:a16="http://schemas.microsoft.com/office/drawing/2014/main" val="14563681"/>
+                  </a:ext>
+                </a:extLst>
+              </a:tr>
+            </a:tbl>
+          </a:graphicData>
+        </a:graphic>
+      </p:graphicFrame>
+      <p:sp>
+        <p:nvSpPr>
+          <p:cNvPr id="6" name="Right Arrow 5">
+            <a:extLst>
+              <a:ext uri="{FF2B5EF4-FFF2-40B4-BE49-F238E27FC236}">
+                <a16:creationId xmlns:a16="http://schemas.microsoft.com/office/drawing/2014/main" id="{9B6C0F7E-394D-C849-AEEA-57F9432B58C8}"/>
+              </a:ext>
+            </a:extLst>
+          </p:cNvPr>
+          <p:cNvSpPr/>
+          <p:nvPr/>
+        </p:nvSpPr>
+        <p:spPr>
+          <a:xfrm>
+            <a:off x="3454203" y="4622104"/>
+            <a:ext cx="1916392" cy="350729"/>
+          </a:xfrm>
+          <a:prstGeom prst="rightArrow">
+            <a:avLst/>
+          </a:prstGeom>
+          <a:solidFill>
+            <a:srgbClr val="0070C0"/>
+          </a:solidFill>
+          <a:ln>
+            <a:noFill/>
+          </a:ln>
+        </p:spPr>
+        <p:style>
+          <a:lnRef idx="2">
+            <a:schemeClr val="accent1">
+              <a:shade val="50000"/>
+            </a:schemeClr>
+          </a:lnRef>
+          <a:fillRef idx="1">
+            <a:schemeClr val="accent1"/>
+          </a:fillRef>
+          <a:effectRef idx="0">
+            <a:schemeClr val="accent1"/>
+          </a:effectRef>
+          <a:fontRef idx="minor">
+            <a:schemeClr val="lt1"/>
+          </a:fontRef>
+        </p:style>
+        <p:txBody>
+          <a:bodyPr rtlCol="0" anchor="ctr"/>
+          <a:lstStyle/>
+          <a:p>
+            <a:pPr algn="ctr"/>
+            <a:endParaRPr lang="en-US"/>
+          </a:p>
+        </p:txBody>
+      </p:sp>
+      <p:sp>
+        <p:nvSpPr>
+          <p:cNvPr id="40" name="TextBox 39">
+            <a:extLst>
+              <a:ext uri="{FF2B5EF4-FFF2-40B4-BE49-F238E27FC236}">
+                <a16:creationId xmlns:a16="http://schemas.microsoft.com/office/drawing/2014/main" id="{CD8EA7B6-012E-3340-9E87-E323487E7303}"/>
+              </a:ext>
+            </a:extLst>
+          </p:cNvPr>
+          <p:cNvSpPr txBox="1"/>
+          <p:nvPr/>
+        </p:nvSpPr>
+        <p:spPr>
+          <a:xfrm>
+            <a:off x="3696510" y="3272099"/>
+            <a:ext cx="1141659" cy="461665"/>
+          </a:xfrm>
+          <a:prstGeom prst="rect">
+            <a:avLst/>
+          </a:prstGeom>
+          <a:noFill/>
+        </p:spPr>
+        <p:txBody>
+          <a:bodyPr wrap="none" rtlCol="0">
+            <a:spAutoFit/>
+          </a:bodyPr>
+          <a:lstStyle/>
+          <a:p>
+            <a:r>
+              <a:rPr lang="en-US" sz="2400" dirty="0">
+                <a:latin typeface="Century Gothic" panose="020B0502020202020204" pitchFamily="34" charset="0"/>
+              </a:rPr>
+              <a:t>Model</a:t>
+            </a:r>
+          </a:p>
+        </p:txBody>
+      </p:sp>
+      <p:sp>
+        <p:nvSpPr>
+          <p:cNvPr id="41" name="TextBox 40">
+            <a:extLst>
+              <a:ext uri="{FF2B5EF4-FFF2-40B4-BE49-F238E27FC236}">
+                <a16:creationId xmlns:a16="http://schemas.microsoft.com/office/drawing/2014/main" id="{FE13169F-ADA2-914B-8C32-2AD6FA04C976}"/>
+              </a:ext>
+            </a:extLst>
+          </p:cNvPr>
+          <p:cNvSpPr txBox="1"/>
+          <p:nvPr/>
+        </p:nvSpPr>
+        <p:spPr>
+          <a:xfrm>
+            <a:off x="4955885" y="1187209"/>
+            <a:ext cx="2709396" cy="461665"/>
+          </a:xfrm>
+          <a:prstGeom prst="rect">
+            <a:avLst/>
+          </a:prstGeom>
+          <a:noFill/>
+        </p:spPr>
+        <p:txBody>
+          <a:bodyPr wrap="none" rtlCol="0">
+            <a:spAutoFit/>
+          </a:bodyPr>
+          <a:lstStyle/>
+          <a:p>
+            <a:r>
+              <a:rPr lang="en-US" sz="2400" dirty="0">
+                <a:latin typeface="Century Gothic" panose="020B0502020202020204" pitchFamily="34" charset="0"/>
+              </a:rPr>
+              <a:t>Return to Jail Risk</a:t>
+            </a:r>
+          </a:p>
+        </p:txBody>
+      </p:sp>
+      <p:sp>
+        <p:nvSpPr>
+          <p:cNvPr id="7" name="Rectangle 6">
+            <a:extLst>
+              <a:ext uri="{FF2B5EF4-FFF2-40B4-BE49-F238E27FC236}">
+                <a16:creationId xmlns:a16="http://schemas.microsoft.com/office/drawing/2014/main" id="{81BFFD78-6ACB-084C-8897-FB70032B66B3}"/>
+              </a:ext>
+            </a:extLst>
+          </p:cNvPr>
+          <p:cNvSpPr/>
+          <p:nvPr/>
+        </p:nvSpPr>
+        <p:spPr>
+          <a:xfrm>
+            <a:off x="5370595" y="2129425"/>
+            <a:ext cx="1667098" cy="1481455"/>
+          </a:xfrm>
+          <a:prstGeom prst="rect">
+            <a:avLst/>
+          </a:prstGeom>
+          <a:noFill/>
+          <a:ln w="76200">
+            <a:solidFill>
+              <a:srgbClr val="FFC000"/>
+            </a:solidFill>
+          </a:ln>
+        </p:spPr>
+        <p:style>
+          <a:lnRef idx="2">
+            <a:schemeClr val="accent1">
+              <a:shade val="50000"/>
+            </a:schemeClr>
+          </a:lnRef>
+          <a:fillRef idx="1">
+            <a:schemeClr val="accent1"/>
+          </a:fillRef>
+          <a:effectRef idx="0">
+            <a:schemeClr val="accent1"/>
+          </a:effectRef>
+          <a:fontRef idx="minor">
+            <a:schemeClr val="lt1"/>
+          </a:fontRef>
+        </p:style>
+        <p:txBody>
+          <a:bodyPr rtlCol="0" anchor="ctr"/>
+          <a:lstStyle/>
+          <a:p>
+            <a:pPr algn="ctr"/>
+            <a:endParaRPr lang="en-US"/>
+          </a:p>
+        </p:txBody>
+      </p:sp>
+      <p:sp>
+        <p:nvSpPr>
+          <p:cNvPr id="42" name="Right Arrow 41">
+            <a:extLst>
+              <a:ext uri="{FF2B5EF4-FFF2-40B4-BE49-F238E27FC236}">
+                <a16:creationId xmlns:a16="http://schemas.microsoft.com/office/drawing/2014/main" id="{B29C028E-CDA4-604B-9B8F-64BDD06881B5}"/>
+              </a:ext>
+            </a:extLst>
+          </p:cNvPr>
+          <p:cNvSpPr/>
+          <p:nvPr/>
+        </p:nvSpPr>
+        <p:spPr>
+          <a:xfrm>
+            <a:off x="7049963" y="2694787"/>
+            <a:ext cx="1943723" cy="350729"/>
+          </a:xfrm>
+          <a:prstGeom prst="rightArrow">
+            <a:avLst/>
+          </a:prstGeom>
+          <a:solidFill>
+            <a:srgbClr val="FFC000"/>
+          </a:solidFill>
+          <a:ln>
+            <a:noFill/>
+          </a:ln>
+        </p:spPr>
+        <p:style>
+          <a:lnRef idx="2">
+            <a:schemeClr val="accent1">
+              <a:shade val="50000"/>
+            </a:schemeClr>
+          </a:lnRef>
+          <a:fillRef idx="1">
+            <a:schemeClr val="accent1"/>
+          </a:fillRef>
+          <a:effectRef idx="0">
+            <a:schemeClr val="accent1"/>
+          </a:effectRef>
+          <a:fontRef idx="minor">
+            <a:schemeClr val="lt1"/>
+          </a:fontRef>
+        </p:style>
+        <p:txBody>
+          <a:bodyPr rtlCol="0" anchor="ctr"/>
+          <a:lstStyle/>
+          <a:p>
+            <a:pPr algn="ctr"/>
+            <a:endParaRPr lang="en-US"/>
+          </a:p>
+        </p:txBody>
+      </p:sp>
+      <p:sp>
+        <p:nvSpPr>
+          <p:cNvPr id="44" name="Google Shape;75;p10">
+            <a:extLst>
+              <a:ext uri="{FF2B5EF4-FFF2-40B4-BE49-F238E27FC236}">
+                <a16:creationId xmlns:a16="http://schemas.microsoft.com/office/drawing/2014/main" id="{80248251-D983-E945-852F-13ECC4C7A7A1}"/>
+              </a:ext>
+            </a:extLst>
+          </p:cNvPr>
+          <p:cNvSpPr/>
+          <p:nvPr/>
+        </p:nvSpPr>
+        <p:spPr>
+          <a:xfrm>
+            <a:off x="8993687" y="2293565"/>
+            <a:ext cx="1981242" cy="1153172"/>
+          </a:xfrm>
+          <a:prstGeom prst="rect">
+            <a:avLst/>
+          </a:prstGeom>
+          <a:solidFill>
+            <a:schemeClr val="lt2"/>
+          </a:solidFill>
+          <a:ln w="9525" cap="flat" cmpd="sng">
+            <a:solidFill>
+              <a:schemeClr val="dk2"/>
+            </a:solidFill>
+            <a:prstDash val="solid"/>
+            <a:round/>
+            <a:headEnd type="none" w="sm" len="sm"/>
+            <a:tailEnd type="none" w="sm" len="sm"/>
+          </a:ln>
+        </p:spPr>
+        <p:txBody>
+          <a:bodyPr spcFirstLastPara="1" wrap="square" lIns="121900" tIns="121900" rIns="121900" bIns="121900" anchor="ctr" anchorCtr="0">
+            <a:noAutofit/>
+          </a:bodyPr>
+          <a:lstStyle/>
+          <a:p>
+            <a:pPr algn="ctr"/>
+            <a:endParaRPr sz="1867" dirty="0">
+              <a:latin typeface="Century Gothic"/>
+              <a:ea typeface="Century Gothic"/>
+              <a:cs typeface="Century Gothic"/>
+              <a:sym typeface="Century Gothic"/>
+            </a:endParaRPr>
+          </a:p>
+        </p:txBody>
+      </p:sp>
+      <p:sp>
+        <p:nvSpPr>
+          <p:cNvPr id="45" name="TextBox 44">
+            <a:extLst>
+              <a:ext uri="{FF2B5EF4-FFF2-40B4-BE49-F238E27FC236}">
+                <a16:creationId xmlns:a16="http://schemas.microsoft.com/office/drawing/2014/main" id="{E4819DD2-A9C7-A543-9B48-E32CF949C9FE}"/>
+              </a:ext>
+            </a:extLst>
+          </p:cNvPr>
+          <p:cNvSpPr txBox="1"/>
+          <p:nvPr/>
+        </p:nvSpPr>
+        <p:spPr>
+          <a:xfrm>
+            <a:off x="9167417" y="2310364"/>
+            <a:ext cx="1633781" cy="1200329"/>
+          </a:xfrm>
+          <a:prstGeom prst="rect">
+            <a:avLst/>
+          </a:prstGeom>
+          <a:noFill/>
+        </p:spPr>
+        <p:txBody>
+          <a:bodyPr wrap="none" rtlCol="0">
+            <a:spAutoFit/>
+          </a:bodyPr>
+          <a:lstStyle/>
+          <a:p>
+            <a:pPr algn="ctr"/>
+            <a:r>
+              <a:rPr lang="en-US" sz="2400" dirty="0">
+                <a:latin typeface="Century Gothic" panose="020B0502020202020204" pitchFamily="34" charset="0"/>
+              </a:rPr>
+              <a:t>Mental</a:t>
+            </a:r>
+          </a:p>
+          <a:p>
+            <a:pPr algn="ctr"/>
+            <a:r>
+              <a:rPr lang="en-US" sz="2400" dirty="0">
+                <a:latin typeface="Century Gothic" panose="020B0502020202020204" pitchFamily="34" charset="0"/>
+              </a:rPr>
+              <a:t>Health</a:t>
+            </a:r>
+          </a:p>
+          <a:p>
+            <a:pPr algn="ctr"/>
+            <a:r>
+              <a:rPr lang="en-US" sz="2400" dirty="0">
+                <a:latin typeface="Century Gothic" panose="020B0502020202020204" pitchFamily="34" charset="0"/>
+              </a:rPr>
+              <a:t>Outreach</a:t>
+            </a:r>
+          </a:p>
+        </p:txBody>
+      </p:sp>
+      <p:sp>
+        <p:nvSpPr>
+          <p:cNvPr id="46" name="Google Shape;75;p10">
+            <a:extLst>
+              <a:ext uri="{FF2B5EF4-FFF2-40B4-BE49-F238E27FC236}">
+                <a16:creationId xmlns:a16="http://schemas.microsoft.com/office/drawing/2014/main" id="{162E5AA6-9B51-DD4C-9E71-D5D0C0DE7EEC}"/>
+              </a:ext>
+            </a:extLst>
+          </p:cNvPr>
+          <p:cNvSpPr/>
+          <p:nvPr/>
+        </p:nvSpPr>
+        <p:spPr>
+          <a:xfrm>
+            <a:off x="9020826" y="4644025"/>
+            <a:ext cx="1981242" cy="1153172"/>
+          </a:xfrm>
+          <a:prstGeom prst="rect">
+            <a:avLst/>
+          </a:prstGeom>
+          <a:solidFill>
+            <a:schemeClr val="lt2"/>
+          </a:solidFill>
+          <a:ln w="9525" cap="flat" cmpd="sng">
+            <a:solidFill>
+              <a:schemeClr val="dk2"/>
+            </a:solidFill>
+            <a:prstDash val="solid"/>
+            <a:round/>
+            <a:headEnd type="none" w="sm" len="sm"/>
+            <a:tailEnd type="none" w="sm" len="sm"/>
+          </a:ln>
+        </p:spPr>
+        <p:txBody>
+          <a:bodyPr spcFirstLastPara="1" wrap="square" lIns="121900" tIns="121900" rIns="121900" bIns="121900" anchor="ctr" anchorCtr="0">
+            <a:noAutofit/>
+          </a:bodyPr>
+          <a:lstStyle/>
+          <a:p>
+            <a:pPr algn="ctr"/>
+            <a:endParaRPr sz="1867" dirty="0">
+              <a:latin typeface="Century Gothic"/>
+              <a:ea typeface="Century Gothic"/>
+              <a:cs typeface="Century Gothic"/>
+              <a:sym typeface="Century Gothic"/>
+            </a:endParaRPr>
+          </a:p>
+        </p:txBody>
+      </p:sp>
+      <p:sp>
+        <p:nvSpPr>
+          <p:cNvPr id="47" name="TextBox 46">
+            <a:extLst>
+              <a:ext uri="{FF2B5EF4-FFF2-40B4-BE49-F238E27FC236}">
+                <a16:creationId xmlns:a16="http://schemas.microsoft.com/office/drawing/2014/main" id="{2153B0C9-A395-0D4E-9870-A399AAC450A3}"/>
+              </a:ext>
+            </a:extLst>
+          </p:cNvPr>
+          <p:cNvSpPr txBox="1"/>
+          <p:nvPr/>
+        </p:nvSpPr>
+        <p:spPr>
+          <a:xfrm>
+            <a:off x="9265200" y="4811209"/>
+            <a:ext cx="1535998" cy="830997"/>
+          </a:xfrm>
+          <a:prstGeom prst="rect">
+            <a:avLst/>
+          </a:prstGeom>
+          <a:noFill/>
+        </p:spPr>
+        <p:txBody>
+          <a:bodyPr wrap="none" rtlCol="0">
+            <a:spAutoFit/>
+          </a:bodyPr>
+          <a:lstStyle/>
+          <a:p>
+            <a:pPr algn="ctr"/>
+            <a:r>
+              <a:rPr lang="en-US" sz="2400" dirty="0">
+                <a:latin typeface="Century Gothic" panose="020B0502020202020204" pitchFamily="34" charset="0"/>
+              </a:rPr>
+              <a:t>Return to</a:t>
+            </a:r>
+          </a:p>
+          <a:p>
+            <a:pPr algn="ctr"/>
+            <a:r>
+              <a:rPr lang="en-US" sz="2400" dirty="0">
+                <a:latin typeface="Century Gothic" panose="020B0502020202020204" pitchFamily="34" charset="0"/>
+              </a:rPr>
+              <a:t>Jail</a:t>
+            </a:r>
+          </a:p>
+        </p:txBody>
+      </p:sp>
+      <p:sp>
+        <p:nvSpPr>
+          <p:cNvPr id="48" name="Right Arrow 47">
+            <a:extLst>
+              <a:ext uri="{FF2B5EF4-FFF2-40B4-BE49-F238E27FC236}">
+                <a16:creationId xmlns:a16="http://schemas.microsoft.com/office/drawing/2014/main" id="{703A189E-3971-8841-B588-03762A073818}"/>
+              </a:ext>
+            </a:extLst>
+          </p:cNvPr>
+          <p:cNvSpPr/>
+          <p:nvPr/>
+        </p:nvSpPr>
+        <p:spPr>
+          <a:xfrm rot="5400000">
+            <a:off x="9467615" y="3882766"/>
+            <a:ext cx="1033382" cy="350729"/>
+          </a:xfrm>
+          <a:prstGeom prst="rightArrow">
+            <a:avLst/>
+          </a:prstGeom>
+          <a:solidFill>
+            <a:schemeClr val="tx2">
+              <a:lumMod val="75000"/>
+            </a:schemeClr>
+          </a:solidFill>
+          <a:ln>
+            <a:noFill/>
+          </a:ln>
+        </p:spPr>
+        <p:style>
+          <a:lnRef idx="2">
+            <a:schemeClr val="accent1">
+              <a:shade val="50000"/>
+            </a:schemeClr>
+          </a:lnRef>
+          <a:fillRef idx="1">
+            <a:schemeClr val="accent1"/>
+          </a:fillRef>
+          <a:effectRef idx="0">
+            <a:schemeClr val="accent1"/>
+          </a:effectRef>
+          <a:fontRef idx="minor">
+            <a:schemeClr val="lt1"/>
+          </a:fontRef>
+        </p:style>
+        <p:txBody>
+          <a:bodyPr rtlCol="0" anchor="ctr"/>
+          <a:lstStyle/>
+          <a:p>
+            <a:pPr algn="ctr"/>
+            <a:endParaRPr lang="en-US"/>
+          </a:p>
+        </p:txBody>
+      </p:sp>
+      <p:sp>
+        <p:nvSpPr>
+          <p:cNvPr id="49" name="TextBox 48">
+            <a:extLst>
+              <a:ext uri="{FF2B5EF4-FFF2-40B4-BE49-F238E27FC236}">
+                <a16:creationId xmlns:a16="http://schemas.microsoft.com/office/drawing/2014/main" id="{C40228CA-82BC-764B-B936-59C954EB3F4A}"/>
+              </a:ext>
+            </a:extLst>
+          </p:cNvPr>
+          <p:cNvSpPr txBox="1"/>
+          <p:nvPr/>
+        </p:nvSpPr>
+        <p:spPr>
+          <a:xfrm>
+            <a:off x="9635492" y="3446737"/>
+            <a:ext cx="697627" cy="1015663"/>
+          </a:xfrm>
+          <a:prstGeom prst="rect">
+            <a:avLst/>
+          </a:prstGeom>
+          <a:noFill/>
+        </p:spPr>
+        <p:txBody>
+          <a:bodyPr wrap="none" rtlCol="0">
+            <a:spAutoFit/>
+          </a:bodyPr>
+          <a:lstStyle/>
+          <a:p>
+            <a:r>
+              <a:rPr lang="en-US" sz="6000" dirty="0">
+                <a:solidFill>
+                  <a:srgbClr val="FF0000"/>
+                </a:solidFill>
+              </a:rPr>
+              <a:t>X</a:t>
+            </a:r>
+          </a:p>
+        </p:txBody>
+      </p:sp>
+      <p:sp>
+        <p:nvSpPr>
+          <p:cNvPr id="43" name="Google Shape;75;p10">
+            <a:extLst>
+              <a:ext uri="{FF2B5EF4-FFF2-40B4-BE49-F238E27FC236}">
+                <a16:creationId xmlns:a16="http://schemas.microsoft.com/office/drawing/2014/main" id="{D5082920-162F-DD44-BA9B-9E6805CC049C}"/>
+              </a:ext>
+            </a:extLst>
+          </p:cNvPr>
+          <p:cNvSpPr/>
+          <p:nvPr/>
+        </p:nvSpPr>
+        <p:spPr>
+          <a:xfrm>
+            <a:off x="2172442" y="5310660"/>
+            <a:ext cx="7323293" cy="1125750"/>
+          </a:xfrm>
+          <a:prstGeom prst="rect">
+            <a:avLst/>
+          </a:prstGeom>
+          <a:solidFill>
+            <a:schemeClr val="bg1"/>
+          </a:solidFill>
+          <a:ln w="9525" cap="flat" cmpd="sng">
+            <a:noFill/>
+            <a:prstDash val="solid"/>
+            <a:round/>
+            <a:headEnd type="none" w="sm" len="sm"/>
+            <a:tailEnd type="none" w="sm" len="sm"/>
+          </a:ln>
+        </p:spPr>
+        <p:txBody>
+          <a:bodyPr spcFirstLastPara="1" wrap="square" lIns="121900" tIns="121900" rIns="121900" bIns="121900" anchor="ctr" anchorCtr="0">
+            <a:noAutofit/>
+          </a:bodyPr>
+          <a:lstStyle/>
+          <a:p>
+            <a:pPr algn="ctr"/>
+            <a:endParaRPr sz="1867" dirty="0">
+              <a:latin typeface="Century Gothic"/>
+              <a:ea typeface="Century Gothic"/>
+              <a:cs typeface="Century Gothic"/>
+              <a:sym typeface="Century Gothic"/>
+            </a:endParaRPr>
+          </a:p>
+        </p:txBody>
+      </p:sp>
+      <p:sp>
+        <p:nvSpPr>
+          <p:cNvPr id="50" name="TextBox 49">
+            <a:extLst>
+              <a:ext uri="{FF2B5EF4-FFF2-40B4-BE49-F238E27FC236}">
+                <a16:creationId xmlns:a16="http://schemas.microsoft.com/office/drawing/2014/main" id="{D4E37C1E-E6DD-DB42-A7ED-5F5845AED4BE}"/>
+              </a:ext>
+            </a:extLst>
+          </p:cNvPr>
+          <p:cNvSpPr txBox="1"/>
+          <p:nvPr/>
+        </p:nvSpPr>
+        <p:spPr>
+          <a:xfrm>
+            <a:off x="2297921" y="5389511"/>
+            <a:ext cx="7197814" cy="954107"/>
+          </a:xfrm>
+          <a:prstGeom prst="rect">
+            <a:avLst/>
+          </a:prstGeom>
+          <a:noFill/>
+        </p:spPr>
+        <p:txBody>
+          <a:bodyPr wrap="square" rtlCol="0">
+            <a:spAutoFit/>
+          </a:bodyPr>
+          <a:lstStyle/>
+          <a:p>
+            <a:pPr algn="ctr"/>
+            <a:r>
+              <a:rPr lang="en-US" sz="2800" b="1" dirty="0">
+                <a:solidFill>
+                  <a:srgbClr val="A61B00"/>
+                </a:solidFill>
+                <a:latin typeface="Century Gothic" panose="020B0502020202020204" pitchFamily="34" charset="0"/>
+              </a:rPr>
+              <a:t>What would you want to learn </a:t>
+            </a:r>
+          </a:p>
+          <a:p>
+            <a:pPr algn="ctr"/>
+            <a:r>
+              <a:rPr lang="en-US" sz="2800" b="1" dirty="0">
+                <a:solidFill>
+                  <a:srgbClr val="A61B00"/>
+                </a:solidFill>
+                <a:latin typeface="Century Gothic" panose="020B0502020202020204" pitchFamily="34" charset="0"/>
+              </a:rPr>
+              <a:t>through a field trial?</a:t>
+            </a:r>
+          </a:p>
+        </p:txBody>
+      </p:sp>
+    </p:spTree>
+    <p:extLst>
+      <p:ext uri="{BB962C8B-B14F-4D97-AF65-F5344CB8AC3E}">
+        <p14:creationId xmlns:p14="http://schemas.microsoft.com/office/powerpoint/2010/main" val="2671647301"/>
+      </p:ext>
+    </p:extLst>
+  </p:cSld>
+  <p:clrMapOvr>
+    <a:masterClrMapping/>
+  </p:clrMapOvr>
+</p:sld>
+</file>
+
+<file path=ppt/slides/slide31.xml><?xml version="1.0" encoding="utf-8"?>
+<p:sld xmlns:a="http://schemas.openxmlformats.org/drawingml/2006/main" xmlns:r="http://schemas.openxmlformats.org/officeDocument/2006/relationships" xmlns:p="http://schemas.openxmlformats.org/presentationml/2006/main">
+  <p:cSld>
+    <p:spTree>
+      <p:nvGrpSpPr>
+        <p:cNvPr id="1" name="Shape 1225"/>
+        <p:cNvGrpSpPr/>
+        <p:nvPr/>
+      </p:nvGrpSpPr>
+      <p:grpSpPr>
+        <a:xfrm>
+          <a:off x="0" y="0"/>
+          <a:ext cx="0" cy="0"/>
+          <a:chOff x="0" y="0"/>
+          <a:chExt cx="0" cy="0"/>
+        </a:xfrm>
+      </p:grpSpPr>
+      <p:pic>
+        <p:nvPicPr>
+          <p:cNvPr id="5" name="Picture 4" descr="Diagram&#10;&#10;Description automatically generated">
+            <a:extLst>
+              <a:ext uri="{FF2B5EF4-FFF2-40B4-BE49-F238E27FC236}">
+                <a16:creationId xmlns:a16="http://schemas.microsoft.com/office/drawing/2014/main" id="{9B8D4DC2-30CB-6944-8E76-8DE673FA45B3}"/>
+              </a:ext>
+            </a:extLst>
+          </p:cNvPr>
+          <p:cNvPicPr>
+            <a:picLocks noChangeAspect="1"/>
+          </p:cNvPicPr>
+          <p:nvPr/>
+        </p:nvPicPr>
+        <p:blipFill>
+          <a:blip r:embed="rId3"/>
+          <a:stretch>
+            <a:fillRect/>
+          </a:stretch>
+        </p:blipFill>
+        <p:spPr>
+          <a:xfrm>
+            <a:off x="2301848" y="0"/>
+            <a:ext cx="7588303" cy="6858000"/>
+          </a:xfrm>
+          <a:prstGeom prst="rect">
+            <a:avLst/>
+          </a:prstGeom>
+        </p:spPr>
+      </p:pic>
+    </p:spTree>
+    <p:extLst>
+      <p:ext uri="{BB962C8B-B14F-4D97-AF65-F5344CB8AC3E}">
+        <p14:creationId xmlns:p14="http://schemas.microsoft.com/office/powerpoint/2010/main" val="1423400739"/>
+      </p:ext>
+    </p:extLst>
+  </p:cSld>
+  <p:clrMapOvr>
+    <a:masterClrMapping/>
+  </p:clrMapOvr>
+</p:sld>
+</file>
+
+<file path=ppt/slides/slide32.xml><?xml version="1.0" encoding="utf-8"?>
+<p:sld xmlns:a="http://schemas.openxmlformats.org/drawingml/2006/main" xmlns:r="http://schemas.openxmlformats.org/officeDocument/2006/relationships" xmlns:p="http://schemas.openxmlformats.org/presentationml/2006/main">
+  <p:cSld>
+    <p:spTree>
+      <p:nvGrpSpPr>
+        <p:cNvPr id="1" name="Shape 1225"/>
+        <p:cNvGrpSpPr/>
+        <p:nvPr/>
+      </p:nvGrpSpPr>
+      <p:grpSpPr>
+        <a:xfrm>
+          <a:off x="0" y="0"/>
+          <a:ext cx="0" cy="0"/>
+          <a:chOff x="0" y="0"/>
+          <a:chExt cx="0" cy="0"/>
+        </a:xfrm>
+      </p:grpSpPr>
+      <p:sp>
+        <p:nvSpPr>
+          <p:cNvPr id="1226" name="Google Shape;1226;p142"/>
+          <p:cNvSpPr txBox="1">
+            <a:spLocks noGrp="1"/>
+          </p:cNvSpPr>
+          <p:nvPr>
+            <p:ph type="title"/>
+          </p:nvPr>
+        </p:nvSpPr>
+        <p:spPr>
+          <a:prstGeom prst="rect">
+            <a:avLst/>
+          </a:prstGeom>
+        </p:spPr>
+        <p:txBody>
+          <a:bodyPr spcFirstLastPara="1" wrap="square" lIns="121900" tIns="121900" rIns="121900" bIns="121900" anchor="ctr" anchorCtr="0">
+            <a:noAutofit/>
+          </a:bodyPr>
+          <a:lstStyle/>
+          <a:p>
+            <a:r>
+              <a:rPr lang="en-US" sz="3200" dirty="0"/>
+              <a:t>Q1: Is the Model Predictive?</a:t>
+            </a:r>
+            <a:endParaRPr sz="3200" dirty="0"/>
+          </a:p>
+        </p:txBody>
+      </p:sp>
+      <p:pic>
+        <p:nvPicPr>
+          <p:cNvPr id="3" name="Picture 2" descr="Chart, histogram&#10;&#10;Description automatically generated">
+            <a:extLst>
+              <a:ext uri="{FF2B5EF4-FFF2-40B4-BE49-F238E27FC236}">
+                <a16:creationId xmlns:a16="http://schemas.microsoft.com/office/drawing/2014/main" id="{3BD6E424-42EC-EB4B-A9F4-30D8CD970999}"/>
+              </a:ext>
+            </a:extLst>
+          </p:cNvPr>
+          <p:cNvPicPr>
+            <a:picLocks noChangeAspect="1"/>
+          </p:cNvPicPr>
+          <p:nvPr/>
+        </p:nvPicPr>
+        <p:blipFill>
+          <a:blip r:embed="rId3"/>
+          <a:stretch>
+            <a:fillRect/>
+          </a:stretch>
+        </p:blipFill>
+        <p:spPr>
+          <a:xfrm>
+            <a:off x="3505200" y="1689100"/>
+            <a:ext cx="5181600" cy="3479800"/>
+          </a:xfrm>
+          <a:prstGeom prst="rect">
+            <a:avLst/>
+          </a:prstGeom>
+        </p:spPr>
+      </p:pic>
+    </p:spTree>
+    <p:extLst>
+      <p:ext uri="{BB962C8B-B14F-4D97-AF65-F5344CB8AC3E}">
+        <p14:creationId xmlns:p14="http://schemas.microsoft.com/office/powerpoint/2010/main" val="1204357318"/>
+      </p:ext>
+    </p:extLst>
+  </p:cSld>
+  <p:clrMapOvr>
+    <a:masterClrMapping/>
+  </p:clrMapOvr>
+</p:sld>
+</file>
+
+<file path=ppt/slides/slide33.xml><?xml version="1.0" encoding="utf-8"?>
+<p:sld xmlns:a="http://schemas.openxmlformats.org/drawingml/2006/main" xmlns:r="http://schemas.openxmlformats.org/officeDocument/2006/relationships" xmlns:p="http://schemas.openxmlformats.org/presentationml/2006/main">
+  <p:cSld>
+    <p:spTree>
+      <p:nvGrpSpPr>
+        <p:cNvPr id="1" name="Shape 1225"/>
+        <p:cNvGrpSpPr/>
+        <p:nvPr/>
+      </p:nvGrpSpPr>
+      <p:grpSpPr>
+        <a:xfrm>
+          <a:off x="0" y="0"/>
+          <a:ext cx="0" cy="0"/>
+          <a:chOff x="0" y="0"/>
+          <a:chExt cx="0" cy="0"/>
+        </a:xfrm>
+      </p:grpSpPr>
+      <p:sp>
+        <p:nvSpPr>
+          <p:cNvPr id="1226" name="Google Shape;1226;p142"/>
+          <p:cNvSpPr txBox="1">
+            <a:spLocks noGrp="1"/>
+          </p:cNvSpPr>
+          <p:nvPr>
+            <p:ph type="title"/>
+          </p:nvPr>
+        </p:nvSpPr>
+        <p:spPr>
+          <a:prstGeom prst="rect">
+            <a:avLst/>
+          </a:prstGeom>
+        </p:spPr>
+        <p:txBody>
+          <a:bodyPr spcFirstLastPara="1" wrap="square" lIns="121900" tIns="121900" rIns="121900" bIns="121900" anchor="ctr" anchorCtr="0">
+            <a:noAutofit/>
+          </a:bodyPr>
+          <a:lstStyle/>
+          <a:p>
+            <a:r>
+              <a:rPr lang="en-US" sz="3200" dirty="0"/>
+              <a:t>Q2: Does </a:t>
+            </a:r>
+            <a:r>
+              <a:rPr lang="en-US" sz="3200" dirty="0" err="1"/>
+              <a:t>Model+Intervention</a:t>
+            </a:r>
+            <a:r>
+              <a:rPr lang="en-US" sz="3200" dirty="0"/>
+              <a:t> Affect Outcomes? For Whom?</a:t>
+            </a:r>
+            <a:endParaRPr sz="3200" dirty="0"/>
+          </a:p>
+        </p:txBody>
+      </p:sp>
+      <p:pic>
+        <p:nvPicPr>
+          <p:cNvPr id="2" name="Picture 1">
+            <a:extLst>
+              <a:ext uri="{FF2B5EF4-FFF2-40B4-BE49-F238E27FC236}">
+                <a16:creationId xmlns:a16="http://schemas.microsoft.com/office/drawing/2014/main" id="{82E4B9AA-BD93-304F-ACD3-441BB45FB140}"/>
+              </a:ext>
+            </a:extLst>
+          </p:cNvPr>
+          <p:cNvPicPr>
+            <a:picLocks noChangeAspect="1"/>
+          </p:cNvPicPr>
+          <p:nvPr/>
+        </p:nvPicPr>
+        <p:blipFill>
+          <a:blip r:embed="rId3"/>
+          <a:stretch>
+            <a:fillRect/>
+          </a:stretch>
+        </p:blipFill>
+        <p:spPr>
+          <a:xfrm>
+            <a:off x="0" y="912148"/>
+            <a:ext cx="12192000" cy="5945852"/>
+          </a:xfrm>
+          <a:prstGeom prst="rect">
+            <a:avLst/>
+          </a:prstGeom>
+        </p:spPr>
+      </p:pic>
+    </p:spTree>
+    <p:extLst>
+      <p:ext uri="{BB962C8B-B14F-4D97-AF65-F5344CB8AC3E}">
+        <p14:creationId xmlns:p14="http://schemas.microsoft.com/office/powerpoint/2010/main" val="1552123509"/>
+      </p:ext>
+    </p:extLst>
+  </p:cSld>
+  <p:clrMapOvr>
+    <a:masterClrMapping/>
+  </p:clrMapOvr>
+</p:sld>
+</file>
+
+<file path=ppt/slides/slide34.xml><?xml version="1.0" encoding="utf-8"?>
 <p:sld xmlns:a="http://schemas.openxmlformats.org/drawingml/2006/main" xmlns:r="http://schemas.openxmlformats.org/officeDocument/2006/relationships" xmlns:p="http://schemas.openxmlformats.org/presentationml/2006/main">
   <p:cSld>
     <p:spTree>
@@ -24717,6 +32020,11 @@
         </p:txBody>
       </p:sp>
     </p:spTree>
+    <p:extLst>
+      <p:ext uri="{BB962C8B-B14F-4D97-AF65-F5344CB8AC3E}">
+        <p14:creationId xmlns:p14="http://schemas.microsoft.com/office/powerpoint/2010/main" val="1964521281"/>
+      </p:ext>
+    </p:extLst>
   </p:cSld>
   <p:clrMapOvr>
     <a:masterClrMapping/>
@@ -24724,7 +32032,7 @@
 </p:sld>
 </file>
 
-<file path=ppt/slides/slide25.xml><?xml version="1.0" encoding="utf-8"?>
+<file path=ppt/slides/slide35.xml><?xml version="1.0" encoding="utf-8"?>
 <p:sld xmlns:a="http://schemas.openxmlformats.org/drawingml/2006/main" xmlns:r="http://schemas.openxmlformats.org/officeDocument/2006/relationships" xmlns:p="http://schemas.openxmlformats.org/presentationml/2006/main">
   <p:cSld>
     <p:spTree>
@@ -25023,7 +32331,7 @@
 </p:sld>
 </file>
 
-<file path=ppt/slides/slide26.xml><?xml version="1.0" encoding="utf-8"?>
+<file path=ppt/slides/slide36.xml><?xml version="1.0" encoding="utf-8"?>
 <p:sld xmlns:a="http://schemas.openxmlformats.org/drawingml/2006/main" xmlns:r="http://schemas.openxmlformats.org/officeDocument/2006/relationships" xmlns:p="http://schemas.openxmlformats.org/presentationml/2006/main">
   <p:cSld>
     <p:spTree>
@@ -25176,7 +32484,7 @@
 </p:sld>
 </file>
 
-<file path=ppt/slides/slide27.xml><?xml version="1.0" encoding="utf-8"?>
+<file path=ppt/slides/slide37.xml><?xml version="1.0" encoding="utf-8"?>
 <p:sld xmlns:a="http://schemas.openxmlformats.org/drawingml/2006/main" xmlns:r="http://schemas.openxmlformats.org/officeDocument/2006/relationships" xmlns:p="http://schemas.openxmlformats.org/presentationml/2006/main">
   <p:cSld>
     <p:spTree>
@@ -25329,7 +32637,7 @@
 </p:sld>
 </file>
 
-<file path=ppt/slides/slide28.xml><?xml version="1.0" encoding="utf-8"?>
+<file path=ppt/slides/slide38.xml><?xml version="1.0" encoding="utf-8"?>
 <p:sld xmlns:a="http://schemas.openxmlformats.org/drawingml/2006/main" xmlns:r="http://schemas.openxmlformats.org/officeDocument/2006/relationships" xmlns:p="http://schemas.openxmlformats.org/presentationml/2006/main">
   <p:cSld>
     <p:spTree>
@@ -25635,7 +32943,7 @@
 </p:sld>
 </file>
 
-<file path=ppt/slides/slide29.xml><?xml version="1.0" encoding="utf-8"?>
+<file path=ppt/slides/slide39.xml><?xml version="1.0" encoding="utf-8"?>
 <p:sld xmlns:a="http://schemas.openxmlformats.org/drawingml/2006/main" xmlns:r="http://schemas.openxmlformats.org/officeDocument/2006/relationships" xmlns:p="http://schemas.openxmlformats.org/presentationml/2006/main">
   <p:cSld>
     <p:spTree>
@@ -26022,7 +33330,7 @@
 </p:sld>
 </file>
 
-<file path=ppt/slides/slide3.xml><?xml version="1.0" encoding="utf-8"?>
+<file path=ppt/slides/slide4.xml><?xml version="1.0" encoding="utf-8"?>
 <p:sld xmlns:a="http://schemas.openxmlformats.org/drawingml/2006/main" xmlns:r="http://schemas.openxmlformats.org/officeDocument/2006/relationships" xmlns:p="http://schemas.openxmlformats.org/presentationml/2006/main">
   <p:cSld>
     <p:spTree>
@@ -26041,10 +33349,57 @@
       </p:grpSpPr>
       <p:sp>
         <p:nvSpPr>
+          <p:cNvPr id="2" name="Title 1">
+            <a:extLst>
+              <a:ext uri="{FF2B5EF4-FFF2-40B4-BE49-F238E27FC236}">
+                <a16:creationId xmlns:a16="http://schemas.microsoft.com/office/drawing/2014/main" id="{94CF2A94-A63F-6149-AA28-2E35B60E3D3E}"/>
+              </a:ext>
+            </a:extLst>
+          </p:cNvPr>
+          <p:cNvSpPr>
+            <a:spLocks noGrp="1"/>
+          </p:cNvSpPr>
+          <p:nvPr>
+            <p:ph type="title"/>
+          </p:nvPr>
+        </p:nvSpPr>
+        <p:spPr/>
+        <p:txBody>
+          <a:bodyPr/>
+          <a:lstStyle/>
+          <a:p>
+            <a:endParaRPr lang="en-US"/>
+          </a:p>
+        </p:txBody>
+      </p:sp>
+      <p:graphicFrame>
+        <p:nvGraphicFramePr>
+          <p:cNvPr id="3" name="Diagram 2">
+            <a:extLst>
+              <a:ext uri="{FF2B5EF4-FFF2-40B4-BE49-F238E27FC236}">
+                <a16:creationId xmlns:a16="http://schemas.microsoft.com/office/drawing/2014/main" id="{8E902576-68A9-6E48-B0FE-5B1889953DC8}"/>
+              </a:ext>
+            </a:extLst>
+          </p:cNvPr>
+          <p:cNvGraphicFramePr/>
+          <p:nvPr/>
+        </p:nvGraphicFramePr>
+        <p:xfrm>
+          <a:off x="180467" y="0"/>
+          <a:ext cx="11776400" cy="6858000"/>
+        </p:xfrm>
+        <a:graphic>
+          <a:graphicData uri="http://schemas.openxmlformats.org/drawingml/2006/diagram">
+            <dgm:relIds xmlns:dgm="http://schemas.openxmlformats.org/drawingml/2006/diagram" xmlns:r="http://schemas.openxmlformats.org/officeDocument/2006/relationships" r:dm="rId2" r:lo="rId3" r:qs="rId4" r:cs="rId5"/>
+          </a:graphicData>
+        </a:graphic>
+      </p:graphicFrame>
+      <p:sp>
+        <p:nvSpPr>
           <p:cNvPr id="4" name="Rectangle 3">
             <a:extLst>
               <a:ext uri="{FF2B5EF4-FFF2-40B4-BE49-F238E27FC236}">
-                <a16:creationId xmlns:a16="http://schemas.microsoft.com/office/drawing/2014/main" id="{368D15A7-3146-CC4E-9BB7-36C100B2CAF2}"/>
+                <a16:creationId xmlns:a16="http://schemas.microsoft.com/office/drawing/2014/main" id="{E2C99BF2-C81A-5246-89D3-E49BCDCAD699}"/>
               </a:ext>
             </a:extLst>
           </p:cNvPr>
@@ -26053,18 +33408,16 @@
         </p:nvSpPr>
         <p:spPr>
           <a:xfrm>
-            <a:off x="0" y="0"/>
-            <a:ext cx="12192000" cy="6858000"/>
+            <a:off x="3218181" y="2534144"/>
+            <a:ext cx="2534195" cy="1789611"/>
           </a:xfrm>
           <a:prstGeom prst="rect">
             <a:avLst/>
           </a:prstGeom>
-          <a:solidFill>
-            <a:srgbClr val="A61B00"/>
-          </a:solidFill>
-          <a:ln>
+          <a:noFill/>
+          <a:ln w="76200">
             <a:solidFill>
-              <a:srgbClr val="A61B00"/>
+              <a:srgbClr val="C00000"/>
             </a:solidFill>
           </a:ln>
         </p:spPr>
@@ -26088,64 +33441,47 @@
           <a:bodyPr rtlCol="0" anchor="ctr"/>
           <a:lstStyle/>
           <a:p>
-            <a:pPr algn="ctr"/>
-            <a:endParaRPr lang="en-US" dirty="0"/>
-          </a:p>
-        </p:txBody>
-      </p:sp>
-      <p:sp>
-        <p:nvSpPr>
-          <p:cNvPr id="5" name="TextBox 4">
-            <a:extLst>
-              <a:ext uri="{FF2B5EF4-FFF2-40B4-BE49-F238E27FC236}">
-                <a16:creationId xmlns:a16="http://schemas.microsoft.com/office/drawing/2014/main" id="{638BBB62-1E7B-C641-8352-7C61F8A883C7}"/>
-              </a:ext>
-            </a:extLst>
-          </p:cNvPr>
-          <p:cNvSpPr txBox="1"/>
-          <p:nvPr/>
-        </p:nvSpPr>
-        <p:spPr>
-          <a:xfrm>
-            <a:off x="322728" y="398033"/>
-            <a:ext cx="8025205" cy="2123658"/>
-          </a:xfrm>
-          <a:prstGeom prst="rect">
-            <a:avLst/>
-          </a:prstGeom>
-          <a:noFill/>
-        </p:spPr>
-        <p:txBody>
-          <a:bodyPr wrap="square" rtlCol="0">
-            <a:spAutoFit/>
-          </a:bodyPr>
-          <a:lstStyle/>
-          <a:p>
-            <a:r>
-              <a:rPr lang="en-US" sz="6600" dirty="0">
-                <a:solidFill>
-                  <a:schemeClr val="bg1"/>
-                </a:solidFill>
-              </a:rPr>
-              <a:t>Finishing Up</a:t>
-            </a:r>
-          </a:p>
-          <a:p>
-            <a:r>
-              <a:rPr lang="en-US" sz="6600" dirty="0">
-                <a:solidFill>
-                  <a:schemeClr val="bg1"/>
-                </a:solidFill>
-              </a:rPr>
-              <a:t>Bias and Fairness</a:t>
-            </a:r>
+            <a:pPr marL="0" marR="0" lvl="0" indent="0" algn="ctr" defTabSz="914400" rtl="0" eaLnBrk="1" fontAlgn="auto" latinLnBrk="0" hangingPunct="1">
+              <a:lnSpc>
+                <a:spcPct val="100000"/>
+              </a:lnSpc>
+              <a:spcBef>
+                <a:spcPts val="0"/>
+              </a:spcBef>
+              <a:spcAft>
+                <a:spcPts val="0"/>
+              </a:spcAft>
+              <a:buClr>
+                <a:srgbClr val="000000"/>
+              </a:buClr>
+              <a:buSzTx/>
+              <a:buFont typeface="Arial"/>
+              <a:buNone/>
+              <a:tabLst/>
+              <a:defRPr/>
+            </a:pPr>
+            <a:endParaRPr kumimoji="0" lang="en-US" sz="1400" b="0" i="0" u="none" strike="noStrike" kern="0" cap="none" spc="0" normalizeH="0" baseline="0" noProof="0">
+              <a:ln>
+                <a:noFill/>
+              </a:ln>
+              <a:solidFill>
+                <a:srgbClr val="FFFFFF"/>
+              </a:solidFill>
+              <a:effectLst/>
+              <a:uLnTx/>
+              <a:uFillTx/>
+              <a:latin typeface="Arial"/>
+              <a:ea typeface="+mn-ea"/>
+              <a:cs typeface="+mn-cs"/>
+              <a:sym typeface="Arial"/>
+            </a:endParaRPr>
           </a:p>
         </p:txBody>
       </p:sp>
     </p:spTree>
     <p:extLst>
       <p:ext uri="{BB962C8B-B14F-4D97-AF65-F5344CB8AC3E}">
-        <p14:creationId xmlns:p14="http://schemas.microsoft.com/office/powerpoint/2010/main" val="1375491216"/>
+        <p14:creationId xmlns:p14="http://schemas.microsoft.com/office/powerpoint/2010/main" val="1582547232"/>
       </p:ext>
     </p:extLst>
   </p:cSld>
@@ -26155,7 +33491,7 @@
 </p:sld>
 </file>
 
-<file path=ppt/slides/slide30.xml><?xml version="1.0" encoding="utf-8"?>
+<file path=ppt/slides/slide40.xml><?xml version="1.0" encoding="utf-8"?>
 <p:sld xmlns:a="http://schemas.openxmlformats.org/drawingml/2006/main" xmlns:r="http://schemas.openxmlformats.org/officeDocument/2006/relationships" xmlns:p="http://schemas.openxmlformats.org/presentationml/2006/main">
   <p:cSld>
     <p:spTree>
@@ -26424,7 +33760,7 @@
 </p:sld>
 </file>
 
-<file path=ppt/slides/slide31.xml><?xml version="1.0" encoding="utf-8"?>
+<file path=ppt/slides/slide41.xml><?xml version="1.0" encoding="utf-8"?>
 <p:sld xmlns:a="http://schemas.openxmlformats.org/drawingml/2006/main" xmlns:r="http://schemas.openxmlformats.org/officeDocument/2006/relationships" xmlns:p="http://schemas.openxmlformats.org/presentationml/2006/main">
   <p:cSld>
     <p:spTree>
@@ -26728,7 +34064,7 @@
 </p:sld>
 </file>
 
-<file path=ppt/slides/slide32.xml><?xml version="1.0" encoding="utf-8"?>
+<file path=ppt/slides/slide42.xml><?xml version="1.0" encoding="utf-8"?>
 <p:sld xmlns:a="http://schemas.openxmlformats.org/drawingml/2006/main" xmlns:r="http://schemas.openxmlformats.org/officeDocument/2006/relationships" xmlns:p="http://schemas.openxmlformats.org/presentationml/2006/main">
   <p:cSld>
     <p:spTree>
@@ -27294,7 +34630,7 @@
 </p:sld>
 </file>
 
-<file path=ppt/slides/slide33.xml><?xml version="1.0" encoding="utf-8"?>
+<file path=ppt/slides/slide43.xml><?xml version="1.0" encoding="utf-8"?>
 <p:sld xmlns:a="http://schemas.openxmlformats.org/drawingml/2006/main" xmlns:r="http://schemas.openxmlformats.org/officeDocument/2006/relationships" xmlns:p="http://schemas.openxmlformats.org/presentationml/2006/main">
   <p:cSld>
     <p:spTree>
@@ -27458,7 +34794,7 @@
 </p:sld>
 </file>
 
-<file path=ppt/slides/slide34.xml><?xml version="1.0" encoding="utf-8"?>
+<file path=ppt/slides/slide44.xml><?xml version="1.0" encoding="utf-8"?>
 <p:sld xmlns:a="http://schemas.openxmlformats.org/drawingml/2006/main" xmlns:r="http://schemas.openxmlformats.org/officeDocument/2006/relationships" xmlns:p="http://schemas.openxmlformats.org/presentationml/2006/main">
   <p:cSld>
     <p:spTree>
@@ -27611,7 +34947,7 @@
 </p:sld>
 </file>
 
-<file path=ppt/slides/slide35.xml><?xml version="1.0" encoding="utf-8"?>
+<file path=ppt/slides/slide45.xml><?xml version="1.0" encoding="utf-8"?>
 <p:sld xmlns:a="http://schemas.openxmlformats.org/drawingml/2006/main" xmlns:r="http://schemas.openxmlformats.org/officeDocument/2006/relationships" xmlns:p="http://schemas.openxmlformats.org/presentationml/2006/main">
   <p:cSld>
     <p:spTree>
@@ -27883,7 +35219,7 @@
 </p:sld>
 </file>
 
-<file path=ppt/slides/slide36.xml><?xml version="1.0" encoding="utf-8"?>
+<file path=ppt/slides/slide46.xml><?xml version="1.0" encoding="utf-8"?>
 <p:sld xmlns:a="http://schemas.openxmlformats.org/drawingml/2006/main" xmlns:r="http://schemas.openxmlformats.org/officeDocument/2006/relationships" xmlns:p="http://schemas.openxmlformats.org/presentationml/2006/main">
   <p:cSld>
     <p:spTree>
@@ -27954,18 +35290,13 @@
             </a:pPr>
             <a:r>
               <a:rPr lang="en-US" b="1" dirty="0"/>
-              <a:t>This week:</a:t>
+              <a:t>Coming up next week:</a:t>
             </a:r>
-            <a:endParaRPr lang="en-US" dirty="0"/>
           </a:p>
           <a:p>
             <a:r>
-              <a:rPr lang="en-US" dirty="0">
-                <a:solidFill>
-                  <a:srgbClr val="FF0000"/>
-                </a:solidFill>
-              </a:rPr>
-              <a:t>Rescheduling Pre-Processing Presentations to Nov 23</a:t>
+              <a:rPr lang="en-US" dirty="0"/>
+              <a:t>Module 3 Presentations – Preprocessing</a:t>
             </a:r>
           </a:p>
           <a:p>
@@ -27980,13 +35311,13 @@
             </a:pPr>
             <a:r>
               <a:rPr lang="en-US" b="1" dirty="0"/>
-              <a:t>Coming up next week:</a:t>
+              <a:t>Coming up the following week:</a:t>
             </a:r>
           </a:p>
           <a:p>
             <a:r>
               <a:rPr lang="en-US" dirty="0"/>
-              <a:t>Module 3 Presentations</a:t>
+              <a:t>Module 3 Presentation Recordings (no class meetings)</a:t>
             </a:r>
           </a:p>
           <a:p>
@@ -28003,168 +35334,7 @@
     </p:spTree>
     <p:extLst>
       <p:ext uri="{BB962C8B-B14F-4D97-AF65-F5344CB8AC3E}">
-        <p14:creationId xmlns:p14="http://schemas.microsoft.com/office/powerpoint/2010/main" val="1966460564"/>
-      </p:ext>
-    </p:extLst>
-  </p:cSld>
-  <p:clrMapOvr>
-    <a:masterClrMapping/>
-  </p:clrMapOvr>
-</p:sld>
-</file>
-
-<file path=ppt/slides/slide4.xml><?xml version="1.0" encoding="utf-8"?>
-<p:sld xmlns:a="http://schemas.openxmlformats.org/drawingml/2006/main" xmlns:r="http://schemas.openxmlformats.org/officeDocument/2006/relationships" xmlns:p="http://schemas.openxmlformats.org/presentationml/2006/main">
-  <p:cSld>
-    <p:spTree>
-      <p:nvGrpSpPr>
-        <p:cNvPr id="1" name=""/>
-        <p:cNvGrpSpPr/>
-        <p:nvPr/>
-      </p:nvGrpSpPr>
-      <p:grpSpPr>
-        <a:xfrm>
-          <a:off x="0" y="0"/>
-          <a:ext cx="0" cy="0"/>
-          <a:chOff x="0" y="0"/>
-          <a:chExt cx="0" cy="0"/>
-        </a:xfrm>
-      </p:grpSpPr>
-      <p:sp>
-        <p:nvSpPr>
-          <p:cNvPr id="2" name="Title 1">
-            <a:extLst>
-              <a:ext uri="{FF2B5EF4-FFF2-40B4-BE49-F238E27FC236}">
-                <a16:creationId xmlns:a16="http://schemas.microsoft.com/office/drawing/2014/main" id="{94CF2A94-A63F-6149-AA28-2E35B60E3D3E}"/>
-              </a:ext>
-            </a:extLst>
-          </p:cNvPr>
-          <p:cNvSpPr>
-            <a:spLocks noGrp="1"/>
-          </p:cNvSpPr>
-          <p:nvPr>
-            <p:ph type="title"/>
-          </p:nvPr>
-        </p:nvSpPr>
-        <p:spPr/>
-        <p:txBody>
-          <a:bodyPr/>
-          <a:lstStyle/>
-          <a:p>
-            <a:endParaRPr lang="en-US"/>
-          </a:p>
-        </p:txBody>
-      </p:sp>
-      <p:graphicFrame>
-        <p:nvGraphicFramePr>
-          <p:cNvPr id="3" name="Diagram 2">
-            <a:extLst>
-              <a:ext uri="{FF2B5EF4-FFF2-40B4-BE49-F238E27FC236}">
-                <a16:creationId xmlns:a16="http://schemas.microsoft.com/office/drawing/2014/main" id="{8E902576-68A9-6E48-B0FE-5B1889953DC8}"/>
-              </a:ext>
-            </a:extLst>
-          </p:cNvPr>
-          <p:cNvGraphicFramePr/>
-          <p:nvPr/>
-        </p:nvGraphicFramePr>
-        <p:xfrm>
-          <a:off x="180467" y="0"/>
-          <a:ext cx="11776400" cy="6858000"/>
-        </p:xfrm>
-        <a:graphic>
-          <a:graphicData uri="http://schemas.openxmlformats.org/drawingml/2006/diagram">
-            <dgm:relIds xmlns:dgm="http://schemas.openxmlformats.org/drawingml/2006/diagram" xmlns:r="http://schemas.openxmlformats.org/officeDocument/2006/relationships" r:dm="rId2" r:lo="rId3" r:qs="rId4" r:cs="rId5"/>
-          </a:graphicData>
-        </a:graphic>
-      </p:graphicFrame>
-      <p:sp>
-        <p:nvSpPr>
-          <p:cNvPr id="4" name="Rectangle 3">
-            <a:extLst>
-              <a:ext uri="{FF2B5EF4-FFF2-40B4-BE49-F238E27FC236}">
-                <a16:creationId xmlns:a16="http://schemas.microsoft.com/office/drawing/2014/main" id="{E2C99BF2-C81A-5246-89D3-E49BCDCAD699}"/>
-              </a:ext>
-            </a:extLst>
-          </p:cNvPr>
-          <p:cNvSpPr/>
-          <p:nvPr/>
-        </p:nvSpPr>
-        <p:spPr>
-          <a:xfrm>
-            <a:off x="3218181" y="2534144"/>
-            <a:ext cx="2534195" cy="1789611"/>
-          </a:xfrm>
-          <a:prstGeom prst="rect">
-            <a:avLst/>
-          </a:prstGeom>
-          <a:noFill/>
-          <a:ln w="76200">
-            <a:solidFill>
-              <a:srgbClr val="C00000"/>
-            </a:solidFill>
-          </a:ln>
-        </p:spPr>
-        <p:style>
-          <a:lnRef idx="2">
-            <a:schemeClr val="accent1">
-              <a:shade val="50000"/>
-            </a:schemeClr>
-          </a:lnRef>
-          <a:fillRef idx="1">
-            <a:schemeClr val="accent1"/>
-          </a:fillRef>
-          <a:effectRef idx="0">
-            <a:schemeClr val="accent1"/>
-          </a:effectRef>
-          <a:fontRef idx="minor">
-            <a:schemeClr val="lt1"/>
-          </a:fontRef>
-        </p:style>
-        <p:txBody>
-          <a:bodyPr rtlCol="0" anchor="ctr"/>
-          <a:lstStyle/>
-          <a:p>
-            <a:pPr marL="0" marR="0" lvl="0" indent="0" algn="ctr" defTabSz="914400" rtl="0" eaLnBrk="1" fontAlgn="auto" latinLnBrk="0" hangingPunct="1">
-              <a:lnSpc>
-                <a:spcPct val="100000"/>
-              </a:lnSpc>
-              <a:spcBef>
-                <a:spcPts val="0"/>
-              </a:spcBef>
-              <a:spcAft>
-                <a:spcPts val="0"/>
-              </a:spcAft>
-              <a:buClr>
-                <a:srgbClr val="000000"/>
-              </a:buClr>
-              <a:buSzTx/>
-              <a:buFont typeface="Arial"/>
-              <a:buNone/>
-              <a:tabLst/>
-              <a:defRPr/>
-            </a:pPr>
-            <a:endParaRPr kumimoji="0" lang="en-US" sz="1400" b="0" i="0" u="none" strike="noStrike" kern="0" cap="none" spc="0" normalizeH="0" baseline="0" noProof="0">
-              <a:ln>
-                <a:noFill/>
-              </a:ln>
-              <a:solidFill>
-                <a:srgbClr val="FFFFFF"/>
-              </a:solidFill>
-              <a:effectLst/>
-              <a:uLnTx/>
-              <a:uFillTx/>
-              <a:latin typeface="Arial"/>
-              <a:ea typeface="+mn-ea"/>
-              <a:cs typeface="+mn-cs"/>
-              <a:sym typeface="Arial"/>
-            </a:endParaRPr>
-          </a:p>
-        </p:txBody>
-      </p:sp>
-    </p:spTree>
-    <p:extLst>
-      <p:ext uri="{BB962C8B-B14F-4D97-AF65-F5344CB8AC3E}">
-        <p14:creationId xmlns:p14="http://schemas.microsoft.com/office/powerpoint/2010/main" val="1582547232"/>
+        <p14:creationId xmlns:p14="http://schemas.microsoft.com/office/powerpoint/2010/main" val="986477889"/>
       </p:ext>
     </p:extLst>
   </p:cSld>
